--- a/javascript/memo/김이준_포트폴리오.pptx
+++ b/javascript/memo/김이준_포트폴리오.pptx
@@ -5,10 +5,10 @@
     <p:sldMasterId id="2147483648" r:id="rId1"/>
   </p:sldMasterIdLst>
   <p:notesMasterIdLst>
-    <p:notesMasterId r:id="rId21"/>
+    <p:notesMasterId r:id="rId23"/>
   </p:notesMasterIdLst>
   <p:handoutMasterIdLst>
-    <p:handoutMasterId r:id="rId22"/>
+    <p:handoutMasterId r:id="rId24"/>
   </p:handoutMasterIdLst>
   <p:sldIdLst>
     <p:sldId id="256" r:id="rId2"/>
@@ -17,19 +17,21 @@
     <p:sldId id="277" r:id="rId5"/>
     <p:sldId id="273" r:id="rId6"/>
     <p:sldId id="290" r:id="rId7"/>
-    <p:sldId id="289" r:id="rId8"/>
-    <p:sldId id="274" r:id="rId9"/>
-    <p:sldId id="279" r:id="rId10"/>
-    <p:sldId id="278" r:id="rId11"/>
-    <p:sldId id="280" r:id="rId12"/>
-    <p:sldId id="281" r:id="rId13"/>
-    <p:sldId id="282" r:id="rId14"/>
-    <p:sldId id="283" r:id="rId15"/>
-    <p:sldId id="285" r:id="rId16"/>
-    <p:sldId id="286" r:id="rId17"/>
-    <p:sldId id="284" r:id="rId18"/>
-    <p:sldId id="287" r:id="rId19"/>
-    <p:sldId id="288" r:id="rId20"/>
+    <p:sldId id="292" r:id="rId8"/>
+    <p:sldId id="291" r:id="rId9"/>
+    <p:sldId id="289" r:id="rId10"/>
+    <p:sldId id="274" r:id="rId11"/>
+    <p:sldId id="279" r:id="rId12"/>
+    <p:sldId id="278" r:id="rId13"/>
+    <p:sldId id="280" r:id="rId14"/>
+    <p:sldId id="281" r:id="rId15"/>
+    <p:sldId id="282" r:id="rId16"/>
+    <p:sldId id="283" r:id="rId17"/>
+    <p:sldId id="285" r:id="rId18"/>
+    <p:sldId id="286" r:id="rId19"/>
+    <p:sldId id="284" r:id="rId20"/>
+    <p:sldId id="287" r:id="rId21"/>
+    <p:sldId id="288" r:id="rId22"/>
   </p:sldIdLst>
   <p:sldSz cx="12192000" cy="6858000"/>
   <p:notesSz cx="6797675" cy="9926638"/>
@@ -143,6 +145,8 @@
             <p14:sldId id="277"/>
             <p14:sldId id="273"/>
             <p14:sldId id="290"/>
+            <p14:sldId id="292"/>
+            <p14:sldId id="291"/>
             <p14:sldId id="289"/>
             <p14:sldId id="274"/>
             <p14:sldId id="279"/>
@@ -380,7 +384,7 @@
           <a:p>
             <a:fld id="{98FBB39A-9110-43FD-8DF2-684D1523A0BC}" type="datetime1">
               <a:rPr lang="ko-KR" altLang="en-US" smtClean="0"/>
-              <a:t>2021-02-19</a:t>
+              <a:t>2021-02-22</a:t>
             </a:fld>
             <a:endParaRPr lang="ko-KR" altLang="en-US"/>
           </a:p>
@@ -3290,7 +3294,1088 @@
           <a:p>
             <a:r>
               <a:rPr lang="en-US" altLang="ko-KR" dirty="0"/>
-              <a:t>Join_f.html</a:t>
+              <a:t>index.html</a:t>
+            </a:r>
+            <a:endParaRPr lang="ko-KR" altLang="en-US" dirty="0"/>
+          </a:p>
+        </p:txBody>
+      </p:sp>
+      <p:sp>
+        <p:nvSpPr>
+          <p:cNvPr id="5" name="텍스트 개체 틀 4">
+            <a:extLst>
+              <a:ext uri="{FF2B5EF4-FFF2-40B4-BE49-F238E27FC236}">
+                <a16:creationId xmlns:a16="http://schemas.microsoft.com/office/drawing/2014/main" id="{181CE6EC-43A5-4409-9C12-1C3782E8CB22}"/>
+              </a:ext>
+            </a:extLst>
+          </p:cNvPr>
+          <p:cNvSpPr>
+            <a:spLocks noGrp="1"/>
+          </p:cNvSpPr>
+          <p:nvPr>
+            <p:ph type="body" sz="quarter" idx="11"/>
+          </p:nvPr>
+        </p:nvSpPr>
+        <p:spPr/>
+        <p:txBody>
+          <a:bodyPr/>
+          <a:lstStyle/>
+          <a:p>
+            <a:r>
+              <a:rPr lang="ko-KR" altLang="en-US" dirty="0" err="1"/>
+              <a:t>메인화면</a:t>
+            </a:r>
+            <a:endParaRPr lang="ko-KR" altLang="en-US" dirty="0"/>
+          </a:p>
+        </p:txBody>
+      </p:sp>
+      <p:graphicFrame>
+        <p:nvGraphicFramePr>
+          <p:cNvPr id="7" name="표 6">
+            <a:extLst>
+              <a:ext uri="{FF2B5EF4-FFF2-40B4-BE49-F238E27FC236}">
+                <a16:creationId xmlns:a16="http://schemas.microsoft.com/office/drawing/2014/main" id="{EE672C9C-2796-4CD4-B138-FB14ECB9EFA6}"/>
+              </a:ext>
+            </a:extLst>
+          </p:cNvPr>
+          <p:cNvGraphicFramePr>
+            <a:graphicFrameLocks noGrp="1"/>
+          </p:cNvGraphicFramePr>
+          <p:nvPr>
+            <p:extLst>
+              <p:ext uri="{D42A27DB-BD31-4B8C-83A1-F6EECF244321}">
+                <p14:modId xmlns:p14="http://schemas.microsoft.com/office/powerpoint/2010/main" val="2315831714"/>
+              </p:ext>
+            </p:extLst>
+          </p:nvPr>
+        </p:nvGraphicFramePr>
+        <p:xfrm>
+          <a:off x="8688288" y="476672"/>
+          <a:ext cx="3384376" cy="1673782"/>
+        </p:xfrm>
+        <a:graphic>
+          <a:graphicData uri="http://schemas.openxmlformats.org/drawingml/2006/table">
+            <a:tbl>
+              <a:tblPr firstRow="1" bandRow="1">
+                <a:tableStyleId>{5C22544A-7EE6-4342-B048-85BDC9FD1C3A}</a:tableStyleId>
+              </a:tblPr>
+              <a:tblGrid>
+                <a:gridCol w="403256">
+                  <a:extLst>
+                    <a:ext uri="{9D8B030D-6E8A-4147-A177-3AD203B41FA5}">
+                      <a16:colId xmlns:a16="http://schemas.microsoft.com/office/drawing/2014/main" val="74772085"/>
+                    </a:ext>
+                  </a:extLst>
+                </a:gridCol>
+                <a:gridCol w="2981120">
+                  <a:extLst>
+                    <a:ext uri="{9D8B030D-6E8A-4147-A177-3AD203B41FA5}">
+                      <a16:colId xmlns:a16="http://schemas.microsoft.com/office/drawing/2014/main" val="2572474025"/>
+                    </a:ext>
+                  </a:extLst>
+                </a:gridCol>
+              </a:tblGrid>
+              <a:tr h="258850">
+                <a:tc gridSpan="2">
+                  <a:txBody>
+                    <a:bodyPr/>
+                    <a:lstStyle/>
+                    <a:p>
+                      <a:pPr marL="0" marR="0" lvl="0" indent="0" algn="l" defTabSz="914400" rtl="0" eaLnBrk="1" fontAlgn="auto" latinLnBrk="1" hangingPunct="1">
+                        <a:lnSpc>
+                          <a:spcPct val="100000"/>
+                        </a:lnSpc>
+                        <a:spcBef>
+                          <a:spcPts val="0"/>
+                        </a:spcBef>
+                        <a:spcAft>
+                          <a:spcPts val="0"/>
+                        </a:spcAft>
+                        <a:buClrTx/>
+                        <a:buSzTx/>
+                        <a:buFontTx/>
+                        <a:buNone/>
+                        <a:tabLst/>
+                        <a:defRPr/>
+                      </a:pPr>
+                      <a:r>
+                        <a:rPr lang="en-US" altLang="ko-KR" sz="900" b="1" dirty="0">
+                          <a:solidFill>
+                            <a:srgbClr val="4E5263"/>
+                          </a:solidFill>
+                          <a:latin typeface="+mn-ea"/>
+                          <a:ea typeface="+mn-ea"/>
+                          <a:sym typeface="맑은 고딕"/>
+                        </a:rPr>
+                        <a:t>Summery. </a:t>
+                      </a:r>
+                      <a:endParaRPr lang="en" altLang="ko-KR" sz="900" b="1" dirty="0">
+                        <a:solidFill>
+                          <a:srgbClr val="4E5263"/>
+                        </a:solidFill>
+                        <a:latin typeface="+mn-ea"/>
+                        <a:ea typeface="+mn-ea"/>
+                        <a:sym typeface="맑은 고딕"/>
+                      </a:endParaRPr>
+                    </a:p>
+                  </a:txBody>
+                  <a:tcPr anchor="ctr">
+                    <a:lnL w="3175" cap="flat" cmpd="sng" algn="ctr">
+                      <a:noFill/>
+                      <a:prstDash val="solid"/>
+                      <a:round/>
+                      <a:headEnd type="none" w="med" len="med"/>
+                      <a:tailEnd type="none" w="med" len="med"/>
+                    </a:lnL>
+                    <a:lnR w="3175" cap="flat" cmpd="sng" algn="ctr">
+                      <a:noFill/>
+                      <a:prstDash val="solid"/>
+                      <a:round/>
+                      <a:headEnd type="none" w="med" len="med"/>
+                      <a:tailEnd type="none" w="med" len="med"/>
+                    </a:lnR>
+                    <a:lnT w="3175" cap="flat" cmpd="sng" algn="ctr">
+                      <a:noFill/>
+                      <a:prstDash val="solid"/>
+                      <a:round/>
+                      <a:headEnd type="none" w="med" len="med"/>
+                      <a:tailEnd type="none" w="med" len="med"/>
+                    </a:lnT>
+                    <a:lnB w="3175" cap="flat" cmpd="sng" algn="ctr">
+                      <a:solidFill>
+                        <a:schemeClr val="bg1">
+                          <a:lumMod val="65000"/>
+                        </a:schemeClr>
+                      </a:solidFill>
+                      <a:prstDash val="solid"/>
+                      <a:round/>
+                      <a:headEnd type="none" w="med" len="med"/>
+                      <a:tailEnd type="none" w="med" len="med"/>
+                    </a:lnB>
+                    <a:solidFill>
+                      <a:schemeClr val="bg1"/>
+                    </a:solidFill>
+                  </a:tcPr>
+                </a:tc>
+                <a:tc hMerge="1">
+                  <a:txBody>
+                    <a:bodyPr/>
+                    <a:lstStyle/>
+                    <a:p>
+                      <a:pPr marL="0" marR="0" lvl="0" indent="0" algn="l" defTabSz="914400" rtl="0" eaLnBrk="1" fontAlgn="auto" latinLnBrk="1" hangingPunct="1">
+                        <a:lnSpc>
+                          <a:spcPct val="100000"/>
+                        </a:lnSpc>
+                        <a:spcBef>
+                          <a:spcPts val="0"/>
+                        </a:spcBef>
+                        <a:spcAft>
+                          <a:spcPts val="0"/>
+                        </a:spcAft>
+                        <a:buClrTx/>
+                        <a:buSzTx/>
+                        <a:buFontTx/>
+                        <a:buNone/>
+                        <a:tabLst/>
+                        <a:defRPr/>
+                      </a:pPr>
+                      <a:endParaRPr lang="en" altLang="ko-KR" sz="900" b="1" dirty="0">
+                        <a:solidFill>
+                          <a:srgbClr val="4E5263"/>
+                        </a:solidFill>
+                        <a:latin typeface="SF Pro Text" pitchFamily="2" charset="0"/>
+                        <a:ea typeface="SF Pro Text" pitchFamily="2" charset="0"/>
+                        <a:sym typeface="맑은 고딕"/>
+                      </a:endParaRPr>
+                    </a:p>
+                  </a:txBody>
+                  <a:tcPr anchor="ctr">
+                    <a:lnL w="3175" cap="flat" cmpd="sng" algn="ctr">
+                      <a:solidFill>
+                        <a:schemeClr val="tx1">
+                          <a:lumMod val="50000"/>
+                          <a:lumOff val="50000"/>
+                        </a:schemeClr>
+                      </a:solidFill>
+                      <a:prstDash val="solid"/>
+                      <a:round/>
+                      <a:headEnd type="none" w="med" len="med"/>
+                      <a:tailEnd type="none" w="med" len="med"/>
+                    </a:lnL>
+                    <a:lnR w="3175" cap="flat" cmpd="sng" algn="ctr">
+                      <a:noFill/>
+                      <a:prstDash val="solid"/>
+                      <a:round/>
+                      <a:headEnd type="none" w="med" len="med"/>
+                      <a:tailEnd type="none" w="med" len="med"/>
+                    </a:lnR>
+                    <a:lnT w="3175" cap="flat" cmpd="sng" algn="ctr">
+                      <a:noFill/>
+                      <a:prstDash val="solid"/>
+                      <a:round/>
+                      <a:headEnd type="none" w="med" len="med"/>
+                      <a:tailEnd type="none" w="med" len="med"/>
+                    </a:lnT>
+                    <a:lnB w="3175" cap="flat" cmpd="sng" algn="ctr">
+                      <a:solidFill>
+                        <a:schemeClr val="tx1">
+                          <a:lumMod val="50000"/>
+                          <a:lumOff val="50000"/>
+                        </a:schemeClr>
+                      </a:solidFill>
+                      <a:prstDash val="solid"/>
+                      <a:round/>
+                      <a:headEnd type="none" w="med" len="med"/>
+                      <a:tailEnd type="none" w="med" len="med"/>
+                    </a:lnB>
+                    <a:noFill/>
+                  </a:tcPr>
+                </a:tc>
+                <a:extLst>
+                  <a:ext uri="{0D108BD9-81ED-4DB2-BD59-A6C34878D82A}">
+                    <a16:rowId xmlns:a16="http://schemas.microsoft.com/office/drawing/2014/main" val="1283880267"/>
+                  </a:ext>
+                </a:extLst>
+              </a:tr>
+              <a:tr h="786307">
+                <a:tc gridSpan="2">
+                  <a:txBody>
+                    <a:bodyPr/>
+                    <a:lstStyle/>
+                    <a:p>
+                      <a:pPr marL="108000" marR="0" lvl="0" indent="-108000" algn="just" defTabSz="914400" rtl="0" eaLnBrk="1" fontAlgn="auto" latinLnBrk="1" hangingPunct="1">
+                        <a:lnSpc>
+                          <a:spcPct val="120000"/>
+                        </a:lnSpc>
+                        <a:spcBef>
+                          <a:spcPts val="0"/>
+                        </a:spcBef>
+                        <a:spcAft>
+                          <a:spcPts val="0"/>
+                        </a:spcAft>
+                        <a:buClrTx/>
+                        <a:buSzTx/>
+                        <a:buFont typeface="Arial" panose="020B0604020202020204" pitchFamily="34" charset="0"/>
+                        <a:buChar char="•"/>
+                        <a:tabLst/>
+                        <a:defRPr/>
+                      </a:pPr>
+                      <a:r>
+                        <a:rPr lang="ko-KR" altLang="en-US" sz="800" b="0" dirty="0">
+                          <a:solidFill>
+                            <a:schemeClr val="tx1"/>
+                          </a:solidFill>
+                          <a:latin typeface="+mn-ea"/>
+                          <a:ea typeface="+mn-ea"/>
+                          <a:sym typeface="맑은 고딕"/>
+                        </a:rPr>
+                        <a:t>홈페이지 첫 접속 시 보여지는 화면입니다</a:t>
+                      </a:r>
+                      <a:r>
+                        <a:rPr lang="en-US" altLang="ko-KR" sz="800" b="0" dirty="0">
+                          <a:solidFill>
+                            <a:schemeClr val="tx1"/>
+                          </a:solidFill>
+                          <a:latin typeface="+mn-ea"/>
+                          <a:ea typeface="+mn-ea"/>
+                          <a:sym typeface="맑은 고딕"/>
+                        </a:rPr>
+                        <a:t>.</a:t>
+                      </a:r>
+                    </a:p>
+                  </a:txBody>
+                  <a:tcPr anchor="ctr">
+                    <a:lnL w="3175" cap="flat" cmpd="sng" algn="ctr">
+                      <a:noFill/>
+                      <a:prstDash val="solid"/>
+                      <a:round/>
+                      <a:headEnd type="none" w="med" len="med"/>
+                      <a:tailEnd type="none" w="med" len="med"/>
+                    </a:lnL>
+                    <a:lnR w="3175" cap="flat" cmpd="sng" algn="ctr">
+                      <a:noFill/>
+                      <a:prstDash val="solid"/>
+                      <a:round/>
+                      <a:headEnd type="none" w="med" len="med"/>
+                      <a:tailEnd type="none" w="med" len="med"/>
+                    </a:lnR>
+                    <a:lnT w="3175" cap="flat" cmpd="sng" algn="ctr">
+                      <a:solidFill>
+                        <a:schemeClr val="bg1">
+                          <a:lumMod val="65000"/>
+                        </a:schemeClr>
+                      </a:solidFill>
+                      <a:prstDash val="solid"/>
+                      <a:round/>
+                      <a:headEnd type="none" w="med" len="med"/>
+                      <a:tailEnd type="none" w="med" len="med"/>
+                    </a:lnT>
+                    <a:lnB w="3175" cap="flat" cmpd="sng" algn="ctr">
+                      <a:solidFill>
+                        <a:schemeClr val="tx1">
+                          <a:lumMod val="50000"/>
+                          <a:lumOff val="50000"/>
+                        </a:schemeClr>
+                      </a:solidFill>
+                      <a:prstDash val="solid"/>
+                      <a:round/>
+                      <a:headEnd type="none" w="med" len="med"/>
+                      <a:tailEnd type="none" w="med" len="med"/>
+                    </a:lnB>
+                    <a:noFill/>
+                  </a:tcPr>
+                </a:tc>
+                <a:tc hMerge="1">
+                  <a:txBody>
+                    <a:bodyPr/>
+                    <a:lstStyle/>
+                    <a:p>
+                      <a:pPr latinLnBrk="1"/>
+                      <a:endParaRPr lang="ko-KR" altLang="en-US"/>
+                    </a:p>
+                  </a:txBody>
+                  <a:tcPr/>
+                </a:tc>
+                <a:extLst>
+                  <a:ext uri="{0D108BD9-81ED-4DB2-BD59-A6C34878D82A}">
+                    <a16:rowId xmlns:a16="http://schemas.microsoft.com/office/drawing/2014/main" val="3072083066"/>
+                  </a:ext>
+                </a:extLst>
+              </a:tr>
+              <a:tr h="241592">
+                <a:tc>
+                  <a:txBody>
+                    <a:bodyPr/>
+                    <a:lstStyle/>
+                    <a:p>
+                      <a:pPr algn="ctr" latinLnBrk="1">
+                        <a:lnSpc>
+                          <a:spcPct val="120000"/>
+                        </a:lnSpc>
+                      </a:pPr>
+                      <a:r>
+                        <a:rPr lang="en-US" altLang="ko-KR" sz="850" b="0" dirty="0">
+                          <a:latin typeface="+mn-ea"/>
+                          <a:ea typeface="+mn-ea"/>
+                        </a:rPr>
+                        <a:t>1</a:t>
+                      </a:r>
+                      <a:endParaRPr lang="ko-KR" altLang="en-US" sz="850" b="0" dirty="0">
+                        <a:latin typeface="+mn-ea"/>
+                        <a:ea typeface="+mn-ea"/>
+                      </a:endParaRPr>
+                    </a:p>
+                  </a:txBody>
+                  <a:tcPr anchor="ctr">
+                    <a:lnL w="3175" cap="flat" cmpd="sng" algn="ctr">
+                      <a:noFill/>
+                      <a:prstDash val="solid"/>
+                      <a:round/>
+                      <a:headEnd type="none" w="med" len="med"/>
+                      <a:tailEnd type="none" w="med" len="med"/>
+                    </a:lnL>
+                    <a:lnR w="3175" cap="flat" cmpd="sng" algn="ctr">
+                      <a:solidFill>
+                        <a:schemeClr val="tx1">
+                          <a:lumMod val="50000"/>
+                          <a:lumOff val="50000"/>
+                        </a:schemeClr>
+                      </a:solidFill>
+                      <a:prstDash val="solid"/>
+                      <a:round/>
+                      <a:headEnd type="none" w="med" len="med"/>
+                      <a:tailEnd type="none" w="med" len="med"/>
+                    </a:lnR>
+                    <a:lnT w="3175" cap="flat" cmpd="sng" algn="ctr">
+                      <a:solidFill>
+                        <a:schemeClr val="tx1">
+                          <a:lumMod val="50000"/>
+                          <a:lumOff val="50000"/>
+                        </a:schemeClr>
+                      </a:solidFill>
+                      <a:prstDash val="solid"/>
+                      <a:round/>
+                      <a:headEnd type="none" w="med" len="med"/>
+                      <a:tailEnd type="none" w="med" len="med"/>
+                    </a:lnT>
+                    <a:lnB w="3175" cap="flat" cmpd="sng" algn="ctr">
+                      <a:solidFill>
+                        <a:schemeClr val="tx1">
+                          <a:lumMod val="50000"/>
+                          <a:lumOff val="50000"/>
+                        </a:schemeClr>
+                      </a:solidFill>
+                      <a:prstDash val="solid"/>
+                      <a:round/>
+                      <a:headEnd type="none" w="med" len="med"/>
+                      <a:tailEnd type="none" w="med" len="med"/>
+                    </a:lnB>
+                    <a:noFill/>
+                  </a:tcPr>
+                </a:tc>
+                <a:tc>
+                  <a:txBody>
+                    <a:bodyPr/>
+                    <a:lstStyle/>
+                    <a:p>
+                      <a:pPr marL="0" marR="0" lvl="0" indent="0" algn="just" defTabSz="914400" rtl="0" eaLnBrk="1" fontAlgn="auto" latinLnBrk="1" hangingPunct="1">
+                        <a:lnSpc>
+                          <a:spcPct val="120000"/>
+                        </a:lnSpc>
+                        <a:spcBef>
+                          <a:spcPts val="0"/>
+                        </a:spcBef>
+                        <a:spcAft>
+                          <a:spcPts val="0"/>
+                        </a:spcAft>
+                        <a:buClrTx/>
+                        <a:buSzTx/>
+                        <a:buFontTx/>
+                        <a:buNone/>
+                        <a:tabLst/>
+                        <a:defRPr/>
+                      </a:pPr>
+                      <a:r>
+                        <a:rPr lang="ko-KR" altLang="en-US" sz="850" b="0" dirty="0">
+                          <a:latin typeface="+mn-ea"/>
+                          <a:ea typeface="+mn-ea"/>
+                        </a:rPr>
+                        <a:t>클릭 시 하단의 배너까지 스크롤이 내려갑니다</a:t>
+                      </a:r>
+                      <a:r>
+                        <a:rPr lang="en-US" altLang="ko-KR" sz="850" b="0" dirty="0">
+                          <a:latin typeface="+mn-ea"/>
+                          <a:ea typeface="+mn-ea"/>
+                        </a:rPr>
+                        <a:t>.</a:t>
+                      </a:r>
+                    </a:p>
+                  </a:txBody>
+                  <a:tcPr anchor="ctr">
+                    <a:lnL w="3175" cap="flat" cmpd="sng" algn="ctr">
+                      <a:solidFill>
+                        <a:schemeClr val="tx1">
+                          <a:lumMod val="50000"/>
+                          <a:lumOff val="50000"/>
+                        </a:schemeClr>
+                      </a:solidFill>
+                      <a:prstDash val="solid"/>
+                      <a:round/>
+                      <a:headEnd type="none" w="med" len="med"/>
+                      <a:tailEnd type="none" w="med" len="med"/>
+                    </a:lnL>
+                    <a:lnR w="3175" cap="flat" cmpd="sng" algn="ctr">
+                      <a:noFill/>
+                      <a:prstDash val="solid"/>
+                      <a:round/>
+                      <a:headEnd type="none" w="med" len="med"/>
+                      <a:tailEnd type="none" w="med" len="med"/>
+                    </a:lnR>
+                    <a:lnT w="3175" cap="flat" cmpd="sng" algn="ctr">
+                      <a:solidFill>
+                        <a:schemeClr val="tx1">
+                          <a:lumMod val="50000"/>
+                          <a:lumOff val="50000"/>
+                        </a:schemeClr>
+                      </a:solidFill>
+                      <a:prstDash val="solid"/>
+                      <a:round/>
+                      <a:headEnd type="none" w="med" len="med"/>
+                      <a:tailEnd type="none" w="med" len="med"/>
+                    </a:lnT>
+                    <a:lnB w="3175" cap="flat" cmpd="sng" algn="ctr">
+                      <a:solidFill>
+                        <a:schemeClr val="tx1">
+                          <a:lumMod val="50000"/>
+                          <a:lumOff val="50000"/>
+                        </a:schemeClr>
+                      </a:solidFill>
+                      <a:prstDash val="solid"/>
+                      <a:round/>
+                      <a:headEnd type="none" w="med" len="med"/>
+                      <a:tailEnd type="none" w="med" len="med"/>
+                    </a:lnB>
+                    <a:noFill/>
+                  </a:tcPr>
+                </a:tc>
+                <a:extLst>
+                  <a:ext uri="{0D108BD9-81ED-4DB2-BD59-A6C34878D82A}">
+                    <a16:rowId xmlns:a16="http://schemas.microsoft.com/office/drawing/2014/main" val="1068123190"/>
+                  </a:ext>
+                </a:extLst>
+              </a:tr>
+              <a:tr h="241592">
+                <a:tc>
+                  <a:txBody>
+                    <a:bodyPr/>
+                    <a:lstStyle/>
+                    <a:p>
+                      <a:pPr algn="ctr" latinLnBrk="1">
+                        <a:lnSpc>
+                          <a:spcPct val="120000"/>
+                        </a:lnSpc>
+                      </a:pPr>
+                      <a:r>
+                        <a:rPr lang="en-US" altLang="ko-KR" sz="850" b="0" dirty="0">
+                          <a:latin typeface="+mn-ea"/>
+                          <a:ea typeface="+mn-ea"/>
+                        </a:rPr>
+                        <a:t>2</a:t>
+                      </a:r>
+                      <a:endParaRPr lang="ko-KR" altLang="en-US" sz="850" b="0" dirty="0">
+                        <a:latin typeface="+mn-ea"/>
+                        <a:ea typeface="+mn-ea"/>
+                      </a:endParaRPr>
+                    </a:p>
+                  </a:txBody>
+                  <a:tcPr anchor="ctr">
+                    <a:lnL w="3175" cap="flat" cmpd="sng" algn="ctr">
+                      <a:noFill/>
+                      <a:prstDash val="solid"/>
+                      <a:round/>
+                      <a:headEnd type="none" w="med" len="med"/>
+                      <a:tailEnd type="none" w="med" len="med"/>
+                    </a:lnL>
+                    <a:lnR w="3175" cap="flat" cmpd="sng" algn="ctr">
+                      <a:solidFill>
+                        <a:schemeClr val="tx1">
+                          <a:lumMod val="50000"/>
+                          <a:lumOff val="50000"/>
+                        </a:schemeClr>
+                      </a:solidFill>
+                      <a:prstDash val="solid"/>
+                      <a:round/>
+                      <a:headEnd type="none" w="med" len="med"/>
+                      <a:tailEnd type="none" w="med" len="med"/>
+                    </a:lnR>
+                    <a:lnT w="3175" cap="flat" cmpd="sng" algn="ctr">
+                      <a:solidFill>
+                        <a:schemeClr val="tx1">
+                          <a:lumMod val="50000"/>
+                          <a:lumOff val="50000"/>
+                        </a:schemeClr>
+                      </a:solidFill>
+                      <a:prstDash val="solid"/>
+                      <a:round/>
+                      <a:headEnd type="none" w="med" len="med"/>
+                      <a:tailEnd type="none" w="med" len="med"/>
+                    </a:lnT>
+                    <a:lnB w="3175" cap="flat" cmpd="sng" algn="ctr">
+                      <a:solidFill>
+                        <a:schemeClr val="tx1">
+                          <a:lumMod val="50000"/>
+                          <a:lumOff val="50000"/>
+                        </a:schemeClr>
+                      </a:solidFill>
+                      <a:prstDash val="solid"/>
+                      <a:round/>
+                      <a:headEnd type="none" w="med" len="med"/>
+                      <a:tailEnd type="none" w="med" len="med"/>
+                    </a:lnB>
+                    <a:noFill/>
+                  </a:tcPr>
+                </a:tc>
+                <a:tc>
+                  <a:txBody>
+                    <a:bodyPr/>
+                    <a:lstStyle/>
+                    <a:p>
+                      <a:pPr marL="0" marR="0" lvl="0" indent="0" algn="just" defTabSz="914400" rtl="0" eaLnBrk="1" fontAlgn="auto" latinLnBrk="1" hangingPunct="1">
+                        <a:lnSpc>
+                          <a:spcPct val="120000"/>
+                        </a:lnSpc>
+                        <a:spcBef>
+                          <a:spcPts val="0"/>
+                        </a:spcBef>
+                        <a:spcAft>
+                          <a:spcPts val="0"/>
+                        </a:spcAft>
+                        <a:buClrTx/>
+                        <a:buSzTx/>
+                        <a:buFontTx/>
+                        <a:buNone/>
+                        <a:tabLst/>
+                        <a:defRPr/>
+                      </a:pPr>
+                      <a:r>
+                        <a:rPr lang="ko-KR" altLang="en-US" sz="850" b="0" dirty="0">
+                          <a:latin typeface="+mn-ea"/>
+                          <a:ea typeface="+mn-ea"/>
+                        </a:rPr>
+                        <a:t>클릭 시 해당 주제의 페이지로 이동합니다</a:t>
+                      </a:r>
+                      <a:r>
+                        <a:rPr lang="en-US" altLang="ko-KR" sz="850" b="0" dirty="0">
+                          <a:latin typeface="+mn-ea"/>
+                          <a:ea typeface="+mn-ea"/>
+                        </a:rPr>
+                        <a:t>. (</a:t>
+                      </a:r>
+                      <a:r>
+                        <a:rPr lang="ko-KR" altLang="en-US" sz="850" b="0" dirty="0">
+                          <a:latin typeface="+mn-ea"/>
+                          <a:ea typeface="+mn-ea"/>
+                        </a:rPr>
+                        <a:t>기능 구현 예정</a:t>
+                      </a:r>
+                      <a:r>
+                        <a:rPr lang="en-US" altLang="ko-KR" sz="850" b="0" dirty="0">
+                          <a:latin typeface="+mn-ea"/>
+                          <a:ea typeface="+mn-ea"/>
+                        </a:rPr>
+                        <a:t>)</a:t>
+                      </a:r>
+                    </a:p>
+                  </a:txBody>
+                  <a:tcPr anchor="ctr">
+                    <a:lnL w="3175" cap="flat" cmpd="sng" algn="ctr">
+                      <a:solidFill>
+                        <a:schemeClr val="tx1">
+                          <a:lumMod val="50000"/>
+                          <a:lumOff val="50000"/>
+                        </a:schemeClr>
+                      </a:solidFill>
+                      <a:prstDash val="solid"/>
+                      <a:round/>
+                      <a:headEnd type="none" w="med" len="med"/>
+                      <a:tailEnd type="none" w="med" len="med"/>
+                    </a:lnL>
+                    <a:lnR w="3175" cap="flat" cmpd="sng" algn="ctr">
+                      <a:noFill/>
+                      <a:prstDash val="solid"/>
+                      <a:round/>
+                      <a:headEnd type="none" w="med" len="med"/>
+                      <a:tailEnd type="none" w="med" len="med"/>
+                    </a:lnR>
+                    <a:lnT w="3175" cap="flat" cmpd="sng" algn="ctr">
+                      <a:solidFill>
+                        <a:schemeClr val="tx1">
+                          <a:lumMod val="50000"/>
+                          <a:lumOff val="50000"/>
+                        </a:schemeClr>
+                      </a:solidFill>
+                      <a:prstDash val="solid"/>
+                      <a:round/>
+                      <a:headEnd type="none" w="med" len="med"/>
+                      <a:tailEnd type="none" w="med" len="med"/>
+                    </a:lnT>
+                    <a:lnB w="3175" cap="flat" cmpd="sng" algn="ctr">
+                      <a:solidFill>
+                        <a:schemeClr val="tx1">
+                          <a:lumMod val="50000"/>
+                          <a:lumOff val="50000"/>
+                        </a:schemeClr>
+                      </a:solidFill>
+                      <a:prstDash val="solid"/>
+                      <a:round/>
+                      <a:headEnd type="none" w="med" len="med"/>
+                      <a:tailEnd type="none" w="med" len="med"/>
+                    </a:lnB>
+                    <a:noFill/>
+                  </a:tcPr>
+                </a:tc>
+                <a:extLst>
+                  <a:ext uri="{0D108BD9-81ED-4DB2-BD59-A6C34878D82A}">
+                    <a16:rowId xmlns:a16="http://schemas.microsoft.com/office/drawing/2014/main" val="420989322"/>
+                  </a:ext>
+                </a:extLst>
+              </a:tr>
+            </a:tbl>
+          </a:graphicData>
+        </a:graphic>
+      </p:graphicFrame>
+      <p:sp>
+        <p:nvSpPr>
+          <p:cNvPr id="8" name="TextBox 7">
+            <a:extLst>
+              <a:ext uri="{FF2B5EF4-FFF2-40B4-BE49-F238E27FC236}">
+                <a16:creationId xmlns:a16="http://schemas.microsoft.com/office/drawing/2014/main" id="{DDF58C48-5157-4FFA-B714-C02B198B9885}"/>
+              </a:ext>
+            </a:extLst>
+          </p:cNvPr>
+          <p:cNvSpPr txBox="1"/>
+          <p:nvPr/>
+        </p:nvSpPr>
+        <p:spPr>
+          <a:xfrm>
+            <a:off x="11780252" y="106980"/>
+            <a:ext cx="248786" cy="230832"/>
+          </a:xfrm>
+          <a:prstGeom prst="rect">
+            <a:avLst/>
+          </a:prstGeom>
+          <a:noFill/>
+        </p:spPr>
+        <p:txBody>
+          <a:bodyPr wrap="none" rtlCol="0">
+            <a:spAutoFit/>
+          </a:bodyPr>
+          <a:lstStyle/>
+          <a:p>
+            <a:r>
+              <a:rPr lang="en-US" altLang="ko-KR" sz="900" dirty="0"/>
+              <a:t>3</a:t>
+            </a:r>
+          </a:p>
+        </p:txBody>
+      </p:sp>
+      <p:grpSp>
+        <p:nvGrpSpPr>
+          <p:cNvPr id="22" name="그룹 21">
+            <a:extLst>
+              <a:ext uri="{FF2B5EF4-FFF2-40B4-BE49-F238E27FC236}">
+                <a16:creationId xmlns:a16="http://schemas.microsoft.com/office/drawing/2014/main" id="{0C3F6DCD-5C9C-4727-B9A5-CA704A4C7804}"/>
+              </a:ext>
+            </a:extLst>
+          </p:cNvPr>
+          <p:cNvGrpSpPr/>
+          <p:nvPr/>
+        </p:nvGrpSpPr>
+        <p:grpSpPr>
+          <a:xfrm>
+            <a:off x="329409" y="620688"/>
+            <a:ext cx="7848872" cy="5992154"/>
+            <a:chOff x="1146688" y="672050"/>
+            <a:chExt cx="9773848" cy="8208367"/>
+          </a:xfrm>
+        </p:grpSpPr>
+        <p:pic>
+          <p:nvPicPr>
+            <p:cNvPr id="19" name="그림 18">
+              <a:extLst>
+                <a:ext uri="{FF2B5EF4-FFF2-40B4-BE49-F238E27FC236}">
+                  <a16:creationId xmlns:a16="http://schemas.microsoft.com/office/drawing/2014/main" id="{BFFD7935-8040-40F7-9142-141C358E3A0A}"/>
+                </a:ext>
+              </a:extLst>
+            </p:cNvPr>
+            <p:cNvPicPr>
+              <a:picLocks noChangeAspect="1"/>
+            </p:cNvPicPr>
+            <p:nvPr/>
+          </p:nvPicPr>
+          <p:blipFill rotWithShape="1">
+            <a:blip r:embed="rId2"/>
+            <a:srcRect t="9799" r="1260"/>
+            <a:stretch/>
+          </p:blipFill>
+          <p:spPr>
+            <a:xfrm>
+              <a:off x="1146688" y="672050"/>
+              <a:ext cx="9773848" cy="6185949"/>
+            </a:xfrm>
+            <a:prstGeom prst="rect">
+              <a:avLst/>
+            </a:prstGeom>
+          </p:spPr>
+        </p:pic>
+        <p:pic>
+          <p:nvPicPr>
+            <p:cNvPr id="21" name="그림 20">
+              <a:extLst>
+                <a:ext uri="{FF2B5EF4-FFF2-40B4-BE49-F238E27FC236}">
+                  <a16:creationId xmlns:a16="http://schemas.microsoft.com/office/drawing/2014/main" id="{A348BDFB-4835-4376-9323-F645EFF45366}"/>
+                </a:ext>
+              </a:extLst>
+            </p:cNvPr>
+            <p:cNvPicPr>
+              <a:picLocks noChangeAspect="1"/>
+            </p:cNvPicPr>
+            <p:nvPr/>
+          </p:nvPicPr>
+          <p:blipFill rotWithShape="1">
+            <a:blip r:embed="rId3"/>
+            <a:srcRect t="37143" r="1260" b="9758"/>
+            <a:stretch/>
+          </p:blipFill>
+          <p:spPr>
+            <a:xfrm>
+              <a:off x="1146688" y="5238971"/>
+              <a:ext cx="9773848" cy="3641446"/>
+            </a:xfrm>
+            <a:prstGeom prst="rect">
+              <a:avLst/>
+            </a:prstGeom>
+          </p:spPr>
+        </p:pic>
+      </p:grpSp>
+      <p:sp>
+        <p:nvSpPr>
+          <p:cNvPr id="17" name="타원 16">
+            <a:extLst>
+              <a:ext uri="{FF2B5EF4-FFF2-40B4-BE49-F238E27FC236}">
+                <a16:creationId xmlns:a16="http://schemas.microsoft.com/office/drawing/2014/main" id="{ADF2025D-61E1-4C76-A10D-8669406ED69F}"/>
+              </a:ext>
+            </a:extLst>
+          </p:cNvPr>
+          <p:cNvSpPr/>
+          <p:nvPr/>
+        </p:nvSpPr>
+        <p:spPr>
+          <a:xfrm>
+            <a:off x="1127448" y="2878577"/>
+            <a:ext cx="360040" cy="360040"/>
+          </a:xfrm>
+          <a:prstGeom prst="ellipse">
+            <a:avLst/>
+          </a:prstGeom>
+          <a:solidFill>
+            <a:schemeClr val="accent2">
+              <a:lumMod val="40000"/>
+              <a:lumOff val="60000"/>
+            </a:schemeClr>
+          </a:solidFill>
+          <a:ln w="38100">
+            <a:solidFill>
+              <a:srgbClr val="CF4352"/>
+            </a:solidFill>
+          </a:ln>
+        </p:spPr>
+        <p:style>
+          <a:lnRef idx="2">
+            <a:schemeClr val="accent1">
+              <a:shade val="50000"/>
+            </a:schemeClr>
+          </a:lnRef>
+          <a:fillRef idx="1">
+            <a:schemeClr val="accent1"/>
+          </a:fillRef>
+          <a:effectRef idx="0">
+            <a:schemeClr val="accent1"/>
+          </a:effectRef>
+          <a:fontRef idx="minor">
+            <a:schemeClr val="lt1"/>
+          </a:fontRef>
+        </p:style>
+        <p:txBody>
+          <a:bodyPr rtlCol="0" anchor="ctr"/>
+          <a:lstStyle/>
+          <a:p>
+            <a:pPr algn="ctr"/>
+            <a:r>
+              <a:rPr lang="en-US" altLang="ko-KR" dirty="0">
+                <a:solidFill>
+                  <a:schemeClr val="tx1"/>
+                </a:solidFill>
+              </a:rPr>
+              <a:t>1</a:t>
+            </a:r>
+            <a:endParaRPr lang="ko-KR" altLang="en-US" dirty="0">
+              <a:solidFill>
+                <a:schemeClr val="tx1"/>
+              </a:solidFill>
+            </a:endParaRPr>
+          </a:p>
+        </p:txBody>
+      </p:sp>
+      <p:sp>
+        <p:nvSpPr>
+          <p:cNvPr id="23" name="타원 22">
+            <a:extLst>
+              <a:ext uri="{FF2B5EF4-FFF2-40B4-BE49-F238E27FC236}">
+                <a16:creationId xmlns:a16="http://schemas.microsoft.com/office/drawing/2014/main" id="{028212D8-07B3-4EE3-8E42-F4C57B2E250B}"/>
+              </a:ext>
+            </a:extLst>
+          </p:cNvPr>
+          <p:cNvSpPr/>
+          <p:nvPr/>
+        </p:nvSpPr>
+        <p:spPr>
+          <a:xfrm>
+            <a:off x="4212527" y="5877272"/>
+            <a:ext cx="360040" cy="360040"/>
+          </a:xfrm>
+          <a:prstGeom prst="ellipse">
+            <a:avLst/>
+          </a:prstGeom>
+          <a:solidFill>
+            <a:schemeClr val="accent2">
+              <a:lumMod val="40000"/>
+              <a:lumOff val="60000"/>
+            </a:schemeClr>
+          </a:solidFill>
+          <a:ln w="38100">
+            <a:solidFill>
+              <a:srgbClr val="CF4352"/>
+            </a:solidFill>
+          </a:ln>
+        </p:spPr>
+        <p:style>
+          <a:lnRef idx="2">
+            <a:schemeClr val="accent1">
+              <a:shade val="50000"/>
+            </a:schemeClr>
+          </a:lnRef>
+          <a:fillRef idx="1">
+            <a:schemeClr val="accent1"/>
+          </a:fillRef>
+          <a:effectRef idx="0">
+            <a:schemeClr val="accent1"/>
+          </a:effectRef>
+          <a:fontRef idx="minor">
+            <a:schemeClr val="lt1"/>
+          </a:fontRef>
+        </p:style>
+        <p:txBody>
+          <a:bodyPr rtlCol="0" anchor="ctr"/>
+          <a:lstStyle/>
+          <a:p>
+            <a:pPr algn="ctr"/>
+            <a:r>
+              <a:rPr lang="en-US" altLang="ko-KR" dirty="0">
+                <a:solidFill>
+                  <a:schemeClr val="tx1"/>
+                </a:solidFill>
+              </a:rPr>
+              <a:t>2</a:t>
+            </a:r>
+            <a:endParaRPr lang="ko-KR" altLang="en-US" dirty="0">
+              <a:solidFill>
+                <a:schemeClr val="tx1"/>
+              </a:solidFill>
+            </a:endParaRPr>
+          </a:p>
+        </p:txBody>
+      </p:sp>
+    </p:spTree>
+    <p:extLst>
+      <p:ext uri="{BB962C8B-B14F-4D97-AF65-F5344CB8AC3E}">
+        <p14:creationId xmlns:p14="http://schemas.microsoft.com/office/powerpoint/2010/main" val="3759879480"/>
+      </p:ext>
+    </p:extLst>
+  </p:cSld>
+  <p:clrMapOvr>
+    <a:masterClrMapping/>
+  </p:clrMapOvr>
+</p:sld>
+</file>
+
+<file path=ppt/slides/slide11.xml><?xml version="1.0" encoding="utf-8"?>
+<p:sld xmlns:a="http://schemas.openxmlformats.org/drawingml/2006/main" xmlns:r="http://schemas.openxmlformats.org/officeDocument/2006/relationships" xmlns:p="http://schemas.openxmlformats.org/presentationml/2006/main">
+  <p:cSld>
+    <p:spTree>
+      <p:nvGrpSpPr>
+        <p:cNvPr id="1" name=""/>
+        <p:cNvGrpSpPr/>
+        <p:nvPr/>
+      </p:nvGrpSpPr>
+      <p:grpSpPr>
+        <a:xfrm>
+          <a:off x="0" y="0"/>
+          <a:ext cx="0" cy="0"/>
+          <a:chOff x="0" y="0"/>
+          <a:chExt cx="0" cy="0"/>
+        </a:xfrm>
+      </p:grpSpPr>
+      <p:sp>
+        <p:nvSpPr>
+          <p:cNvPr id="3" name="제목 2">
+            <a:extLst>
+              <a:ext uri="{FF2B5EF4-FFF2-40B4-BE49-F238E27FC236}">
+                <a16:creationId xmlns:a16="http://schemas.microsoft.com/office/drawing/2014/main" id="{683ED0D4-343F-4AC4-936C-4771ADDE3DEC}"/>
+              </a:ext>
+            </a:extLst>
+          </p:cNvPr>
+          <p:cNvSpPr>
+            <a:spLocks noGrp="1"/>
+          </p:cNvSpPr>
+          <p:nvPr>
+            <p:ph type="title"/>
+          </p:nvPr>
+        </p:nvSpPr>
+        <p:spPr/>
+        <p:txBody>
+          <a:bodyPr/>
+          <a:lstStyle/>
+          <a:p>
+            <a:r>
+              <a:rPr lang="ko-KR" altLang="en-US" dirty="0"/>
+              <a:t>회원 가입</a:t>
+            </a:r>
+          </a:p>
+        </p:txBody>
+      </p:sp>
+      <p:sp>
+        <p:nvSpPr>
+          <p:cNvPr id="4" name="텍스트 개체 틀 3">
+            <a:extLst>
+              <a:ext uri="{FF2B5EF4-FFF2-40B4-BE49-F238E27FC236}">
+                <a16:creationId xmlns:a16="http://schemas.microsoft.com/office/drawing/2014/main" id="{566248F4-75FF-4781-B7FF-A6FE901E2D68}"/>
+              </a:ext>
+            </a:extLst>
+          </p:cNvPr>
+          <p:cNvSpPr>
+            <a:spLocks noGrp="1"/>
+          </p:cNvSpPr>
+          <p:nvPr>
+            <p:ph type="body" sz="quarter" idx="10"/>
+          </p:nvPr>
+        </p:nvSpPr>
+        <p:spPr/>
+        <p:txBody>
+          <a:bodyPr/>
+          <a:lstStyle/>
+          <a:p>
+            <a:r>
+              <a:rPr lang="ko-KR" altLang="en-US" dirty="0"/>
+              <a:t>회원 가입 페이지</a:t>
+            </a:r>
+          </a:p>
+        </p:txBody>
+      </p:sp>
+    </p:spTree>
+    <p:extLst>
+      <p:ext uri="{BB962C8B-B14F-4D97-AF65-F5344CB8AC3E}">
+        <p14:creationId xmlns:p14="http://schemas.microsoft.com/office/powerpoint/2010/main" val="3418483482"/>
+      </p:ext>
+    </p:extLst>
+  </p:cSld>
+  <p:clrMapOvr>
+    <a:masterClrMapping/>
+  </p:clrMapOvr>
+</p:sld>
+</file>
+
+<file path=ppt/slides/slide12.xml><?xml version="1.0" encoding="utf-8"?>
+<p:sld xmlns:a="http://schemas.openxmlformats.org/drawingml/2006/main" xmlns:r="http://schemas.openxmlformats.org/officeDocument/2006/relationships" xmlns:p="http://schemas.openxmlformats.org/presentationml/2006/main">
+  <p:cSld>
+    <p:spTree>
+      <p:nvGrpSpPr>
+        <p:cNvPr id="1" name=""/>
+        <p:cNvGrpSpPr/>
+        <p:nvPr/>
+      </p:nvGrpSpPr>
+      <p:grpSpPr>
+        <a:xfrm>
+          <a:off x="0" y="0"/>
+          <a:ext cx="0" cy="0"/>
+          <a:chOff x="0" y="0"/>
+          <a:chExt cx="0" cy="0"/>
+        </a:xfrm>
+      </p:grpSpPr>
+      <p:sp>
+        <p:nvSpPr>
+          <p:cNvPr id="4" name="텍스트 개체 틀 3">
+            <a:extLst>
+              <a:ext uri="{FF2B5EF4-FFF2-40B4-BE49-F238E27FC236}">
+                <a16:creationId xmlns:a16="http://schemas.microsoft.com/office/drawing/2014/main" id="{32E285E0-25D1-4806-B9DF-3590BD92D435}"/>
+              </a:ext>
+            </a:extLst>
+          </p:cNvPr>
+          <p:cNvSpPr>
+            <a:spLocks noGrp="1"/>
+          </p:cNvSpPr>
+          <p:nvPr>
+            <p:ph type="body" sz="quarter" idx="10"/>
+          </p:nvPr>
+        </p:nvSpPr>
+        <p:spPr/>
+        <p:txBody>
+          <a:bodyPr/>
+          <a:lstStyle/>
+          <a:p>
+            <a:r>
+              <a:rPr lang="en-US" altLang="ko-KR" dirty="0"/>
+              <a:t>join_f.html</a:t>
             </a:r>
             <a:endParaRPr lang="ko-KR" altLang="en-US" dirty="0"/>
           </a:p>
@@ -3339,7 +4424,7 @@
           <p:nvPr>
             <p:extLst>
               <p:ext uri="{D42A27DB-BD31-4B8C-83A1-F6EECF244321}">
-                <p14:modId xmlns:p14="http://schemas.microsoft.com/office/powerpoint/2010/main" val="4026319727"/>
+                <p14:modId xmlns:p14="http://schemas.microsoft.com/office/powerpoint/2010/main" val="1961981547"/>
               </p:ext>
             </p:extLst>
           </p:nvPr>
@@ -3535,7 +4620,7 @@
                           <a:ea typeface="+mn-ea"/>
                           <a:sym typeface="맑은 고딕"/>
                         </a:rPr>
-                        <a:t>3-1, 3-2</a:t>
+                        <a:t>4-1, 4-2</a:t>
                       </a:r>
                     </a:p>
                   </a:txBody>
@@ -3620,7 +4705,7 @@
           <a:p>
             <a:r>
               <a:rPr lang="en-US" altLang="ko-KR" sz="900" dirty="0"/>
-              <a:t>3</a:t>
+              <a:t>4</a:t>
             </a:r>
           </a:p>
         </p:txBody>
@@ -3717,7 +4802,7 @@
 </p:sld>
 </file>
 
-<file path=ppt/slides/slide11.xml><?xml version="1.0" encoding="utf-8"?>
+<file path=ppt/slides/slide13.xml><?xml version="1.0" encoding="utf-8"?>
 <p:sld xmlns:a="http://schemas.openxmlformats.org/drawingml/2006/main" xmlns:r="http://schemas.openxmlformats.org/officeDocument/2006/relationships" xmlns:p="http://schemas.openxmlformats.org/presentationml/2006/main">
   <p:cSld>
     <p:spTree>
@@ -3736,10 +4821,10 @@
       </p:grpSpPr>
       <p:grpSp>
         <p:nvGrpSpPr>
-          <p:cNvPr id="28" name="그룹 27">
+          <p:cNvPr id="12" name="그룹 11">
             <a:extLst>
               <a:ext uri="{FF2B5EF4-FFF2-40B4-BE49-F238E27FC236}">
-                <a16:creationId xmlns:a16="http://schemas.microsoft.com/office/drawing/2014/main" id="{62181D50-955D-4A31-BC6E-7EF3EF728E0B}"/>
+                <a16:creationId xmlns:a16="http://schemas.microsoft.com/office/drawing/2014/main" id="{2F31C619-F5D1-4F5A-AE75-A98C4084DFF1}"/>
               </a:ext>
             </a:extLst>
           </p:cNvPr>
@@ -3748,18 +4833,18 @@
         </p:nvGrpSpPr>
         <p:grpSpPr>
           <a:xfrm>
-            <a:off x="119336" y="980728"/>
-            <a:ext cx="8352231" cy="5364596"/>
-            <a:chOff x="351424" y="908720"/>
-            <a:chExt cx="7998100" cy="5137139"/>
+            <a:off x="335360" y="652382"/>
+            <a:ext cx="8088480" cy="5913276"/>
+            <a:chOff x="555038" y="-36004"/>
+            <a:chExt cx="9615774" cy="7029841"/>
           </a:xfrm>
         </p:grpSpPr>
         <p:pic>
           <p:nvPicPr>
-            <p:cNvPr id="27" name="그림 26">
+            <p:cNvPr id="11" name="그림 10">
               <a:extLst>
                 <a:ext uri="{FF2B5EF4-FFF2-40B4-BE49-F238E27FC236}">
-                  <a16:creationId xmlns:a16="http://schemas.microsoft.com/office/drawing/2014/main" id="{2FF14D53-72F4-484E-AD8F-D15E3E82B075}"/>
+                  <a16:creationId xmlns:a16="http://schemas.microsoft.com/office/drawing/2014/main" id="{4C1091E2-282E-4A32-9458-1B4ED5BF95DD}"/>
                 </a:ext>
               </a:extLst>
             </p:cNvPr>
@@ -3770,13 +4855,13 @@
           </p:nvPicPr>
           <p:blipFill rotWithShape="1">
             <a:blip r:embed="rId2"/>
-            <a:srcRect t="46936" r="1662" b="37400"/>
+            <a:srcRect t="66800" r="1138" b="15351"/>
             <a:stretch/>
           </p:blipFill>
           <p:spPr>
             <a:xfrm>
-              <a:off x="351424" y="5157192"/>
-              <a:ext cx="7998100" cy="888667"/>
+              <a:off x="555038" y="5769701"/>
+              <a:ext cx="9615773" cy="1224136"/>
             </a:xfrm>
             <a:prstGeom prst="rect">
               <a:avLst/>
@@ -3785,10 +4870,10 @@
         </p:pic>
         <p:pic>
           <p:nvPicPr>
-            <p:cNvPr id="23" name="그림 22">
+            <p:cNvPr id="9" name="그림 8">
               <a:extLst>
                 <a:ext uri="{FF2B5EF4-FFF2-40B4-BE49-F238E27FC236}">
-                  <a16:creationId xmlns:a16="http://schemas.microsoft.com/office/drawing/2014/main" id="{7E119D93-CF7C-4DF2-B1D1-A9F4B827357B}"/>
+                  <a16:creationId xmlns:a16="http://schemas.microsoft.com/office/drawing/2014/main" id="{8475D51B-2318-45C0-94B9-A191B5B700A9}"/>
                 </a:ext>
               </a:extLst>
             </p:cNvPr>
@@ -3799,13 +4884,13 @@
           </p:nvPicPr>
           <p:blipFill rotWithShape="1">
             <a:blip r:embed="rId3"/>
-            <a:srcRect t="11151" r="1662"/>
+            <a:srcRect t="11151" r="1138"/>
             <a:stretch/>
           </p:blipFill>
           <p:spPr>
             <a:xfrm>
-              <a:off x="351424" y="908720"/>
-              <a:ext cx="7998100" cy="5040560"/>
+              <a:off x="555039" y="-36004"/>
+              <a:ext cx="9615773" cy="6093296"/>
             </a:xfrm>
             <a:prstGeom prst="rect">
               <a:avLst/>
@@ -3836,7 +4921,7 @@
           <a:p>
             <a:r>
               <a:rPr lang="en-US" altLang="ko-KR" dirty="0"/>
-              <a:t>Join_f.html</a:t>
+              <a:t>join_f.html</a:t>
             </a:r>
             <a:endParaRPr lang="ko-KR" altLang="en-US" dirty="0"/>
           </a:p>
@@ -3885,7 +4970,7 @@
           <p:nvPr>
             <p:extLst>
               <p:ext uri="{D42A27DB-BD31-4B8C-83A1-F6EECF244321}">
-                <p14:modId xmlns:p14="http://schemas.microsoft.com/office/powerpoint/2010/main" val="2700192913"/>
+                <p14:modId xmlns:p14="http://schemas.microsoft.com/office/powerpoint/2010/main" val="2012601247"/>
               </p:ext>
             </p:extLst>
           </p:nvPr>
@@ -4110,7 +5195,7 @@
                           <a:ea typeface="+mn-ea"/>
                           <a:sym typeface="맑은 고딕"/>
                         </a:rPr>
-                        <a:t>사용자의 회원 정보를 입력할 수 있습니다</a:t>
+                        <a:t>서비스를 이용할 회원 정보를 작성하여 로그인할 수 있는 페이지입니다</a:t>
                       </a:r>
                       <a:r>
                         <a:rPr lang="en-US" altLang="ko-KR" sz="800" b="0" dirty="0">
@@ -4579,7 +5664,7 @@
           <a:p>
             <a:r>
               <a:rPr lang="en-US" altLang="ko-KR" sz="900" dirty="0"/>
-              <a:t>3-1</a:t>
+              <a:t>4-1</a:t>
             </a:r>
           </a:p>
         </p:txBody>
@@ -4598,7 +5683,7 @@
         </p:nvSpPr>
         <p:spPr>
           <a:xfrm>
-            <a:off x="2502102" y="3429000"/>
+            <a:off x="2423592" y="3356992"/>
             <a:ext cx="360040" cy="360040"/>
           </a:xfrm>
           <a:prstGeom prst="ellipse">
@@ -4655,10 +5740,10 @@
       </p:sp>
       <p:sp>
         <p:nvSpPr>
-          <p:cNvPr id="25" name="타원 24">
+          <p:cNvPr id="18" name="타원 17">
             <a:extLst>
               <a:ext uri="{FF2B5EF4-FFF2-40B4-BE49-F238E27FC236}">
-                <a16:creationId xmlns:a16="http://schemas.microsoft.com/office/drawing/2014/main" id="{561C656E-4022-4F7E-AD34-6DE11C1B16B8}"/>
+                <a16:creationId xmlns:a16="http://schemas.microsoft.com/office/drawing/2014/main" id="{9E833DC7-0DB8-4EE1-BA61-BF3DB9DBB143}"/>
               </a:ext>
             </a:extLst>
           </p:cNvPr>
@@ -4667,7 +5752,7 @@
         </p:nvSpPr>
         <p:spPr>
           <a:xfrm>
-            <a:off x="2502102" y="5877272"/>
+            <a:off x="2423592" y="6061602"/>
             <a:ext cx="360040" cy="360040"/>
           </a:xfrm>
           <a:prstGeom prst="ellipse">
@@ -4735,7 +5820,7 @@
 </p:sld>
 </file>
 
-<file path=ppt/slides/slide12.xml><?xml version="1.0" encoding="utf-8"?>
+<file path=ppt/slides/slide14.xml><?xml version="1.0" encoding="utf-8"?>
 <p:sld xmlns:a="http://schemas.openxmlformats.org/drawingml/2006/main" xmlns:r="http://schemas.openxmlformats.org/officeDocument/2006/relationships" xmlns:p="http://schemas.openxmlformats.org/presentationml/2006/main">
   <p:cSld>
     <p:spTree>
@@ -4804,7 +5889,7 @@
           <a:p>
             <a:r>
               <a:rPr lang="en-US" altLang="ko-KR" dirty="0"/>
-              <a:t>Join_f.html</a:t>
+              <a:t>join_f.html</a:t>
             </a:r>
             <a:endParaRPr lang="ko-KR" altLang="en-US" dirty="0"/>
           </a:p>
@@ -5511,7 +6596,7 @@
           <a:p>
             <a:r>
               <a:rPr lang="en-US" altLang="ko-KR" sz="900" dirty="0"/>
-              <a:t>3-2</a:t>
+              <a:t>4-2</a:t>
             </a:r>
           </a:p>
         </p:txBody>
@@ -5667,7 +6752,7 @@
 </p:sld>
 </file>
 
-<file path=ppt/slides/slide13.xml><?xml version="1.0" encoding="utf-8"?>
+<file path=ppt/slides/slide15.xml><?xml version="1.0" encoding="utf-8"?>
 <p:sld xmlns:a="http://schemas.openxmlformats.org/drawingml/2006/main" xmlns:r="http://schemas.openxmlformats.org/officeDocument/2006/relationships" xmlns:p="http://schemas.openxmlformats.org/presentationml/2006/main">
   <p:cSld>
     <p:spTree>
@@ -5753,7 +6838,7 @@
 </p:sld>
 </file>
 
-<file path=ppt/slides/slide14.xml><?xml version="1.0" encoding="utf-8"?>
+<file path=ppt/slides/slide16.xml><?xml version="1.0" encoding="utf-8"?>
 <p:sld xmlns:a="http://schemas.openxmlformats.org/drawingml/2006/main" xmlns:r="http://schemas.openxmlformats.org/officeDocument/2006/relationships" xmlns:p="http://schemas.openxmlformats.org/presentationml/2006/main">
   <p:cSld>
     <p:spTree>
@@ -5822,7 +6907,7 @@
           <a:p>
             <a:r>
               <a:rPr lang="en-US" altLang="ko-KR" dirty="0"/>
-              <a:t>Login_f.html</a:t>
+              <a:t>login_f.html</a:t>
             </a:r>
             <a:endParaRPr lang="ko-KR" altLang="en-US" dirty="0"/>
           </a:p>
@@ -5871,7 +6956,7 @@
           <p:nvPr>
             <p:extLst>
               <p:ext uri="{D42A27DB-BD31-4B8C-83A1-F6EECF244321}">
-                <p14:modId xmlns:p14="http://schemas.microsoft.com/office/powerpoint/2010/main" val="89686367"/>
+                <p14:modId xmlns:p14="http://schemas.microsoft.com/office/powerpoint/2010/main" val="2701098933"/>
               </p:ext>
             </p:extLst>
           </p:nvPr>
@@ -6107,7 +7192,7 @@
                           <a:ea typeface="+mn-ea"/>
                           <a:sym typeface="맑은 고딕"/>
                         </a:rPr>
-                        <a:t>아이디  또는 비밀번호 찾기 페이지로 이동합니다</a:t>
+                        <a:t>서비스를 이용할 회원 정보를 작성하여 로그인할 수 있는 페이지입니다</a:t>
                       </a:r>
                       <a:r>
                         <a:rPr lang="en-US" altLang="ko-KR" sz="800" b="0" dirty="0">
@@ -6118,7 +7203,7 @@
                           <a:ea typeface="+mn-ea"/>
                           <a:sym typeface="맑은 고딕"/>
                         </a:rPr>
-                        <a:t>..</a:t>
+                        <a:t>.</a:t>
                       </a:r>
                     </a:p>
                   </a:txBody>
@@ -6280,7 +7365,26 @@
                           </a:solidFill>
                           <a:latin typeface="+mn-ea"/>
                         </a:rPr>
-                        <a:t>클릭 시 아이디와 비밀번호를 찾을 수 있는 페이지로 이동합니다 </a:t>
+                        <a:t>클릭 시 </a:t>
+                      </a:r>
+                      <a:r>
+                        <a:rPr kumimoji="1" lang="ko-KR" altLang="en-US" sz="850" dirty="0">
+                          <a:solidFill>
+                            <a:schemeClr val="tx1"/>
+                          </a:solidFill>
+                          <a:latin typeface="+mn-ea"/>
+                          <a:hlinkClick r:id="rId3" action="ppaction://hlinksldjump"/>
+                        </a:rPr>
+                        <a:t>아이디 또는 비밀번호 찾기</a:t>
+                      </a:r>
+                      <a:r>
+                        <a:rPr kumimoji="1" lang="ko-KR" altLang="en-US" sz="850" dirty="0">
+                          <a:solidFill>
+                            <a:schemeClr val="tx1"/>
+                          </a:solidFill>
+                          <a:latin typeface="+mn-ea"/>
+                        </a:rPr>
+                        <a:t> 페이지로 이동합니다 </a:t>
                       </a:r>
                       <a:r>
                         <a:rPr kumimoji="1" lang="en-US" altLang="ko-KR" sz="850" dirty="0">
@@ -6289,7 +7393,7 @@
                           </a:solidFill>
                           <a:latin typeface="+mn-ea"/>
                         </a:rPr>
-                        <a:t>(5p </a:t>
+                        <a:t>(6-1p </a:t>
                       </a:r>
                       <a:r>
                         <a:rPr kumimoji="1" lang="ko-KR" altLang="en-US" sz="850" dirty="0">
@@ -6624,7 +7728,7 @@
                           <a:latin typeface="+mn-ea"/>
                           <a:ea typeface="+mn-ea"/>
                         </a:rPr>
-                        <a:t>. (3p </a:t>
+                        <a:t>. (4p </a:t>
                       </a:r>
                       <a:r>
                         <a:rPr lang="ko-KR" altLang="en-US" sz="850" b="0" dirty="0">
@@ -6733,7 +7837,7 @@
           <a:p>
             <a:r>
               <a:rPr lang="en-US" altLang="ko-KR" sz="900" dirty="0"/>
-              <a:t>4</a:t>
+              <a:t>5</a:t>
             </a:r>
           </a:p>
         </p:txBody>
@@ -6958,7 +8062,7 @@
 </p:sld>
 </file>
 
-<file path=ppt/slides/slide15.xml><?xml version="1.0" encoding="utf-8"?>
+<file path=ppt/slides/slide17.xml><?xml version="1.0" encoding="utf-8"?>
 <p:sld xmlns:a="http://schemas.openxmlformats.org/drawingml/2006/main" xmlns:r="http://schemas.openxmlformats.org/officeDocument/2006/relationships" xmlns:p="http://schemas.openxmlformats.org/presentationml/2006/main">
   <p:cSld>
     <p:spTree>
@@ -7026,7 +8130,7 @@
           <a:p>
             <a:r>
               <a:rPr lang="ko-KR" altLang="en-US" dirty="0"/>
-              <a:t>회원 정보를 이용해 해당 회원의 아이디와 비밀번호를 찾을 수 있는 페이지 </a:t>
+              <a:t>사용자가 입력한 회원 정보를 바탕으로 해당 회원의 아이디와 비밀번호를 찾을 수 있는 페이지 </a:t>
             </a:r>
           </a:p>
         </p:txBody>
@@ -7044,7 +8148,7 @@
 </p:sld>
 </file>
 
-<file path=ppt/slides/slide16.xml><?xml version="1.0" encoding="utf-8"?>
+<file path=ppt/slides/slide18.xml><?xml version="1.0" encoding="utf-8"?>
 <p:sld xmlns:a="http://schemas.openxmlformats.org/drawingml/2006/main" xmlns:r="http://schemas.openxmlformats.org/officeDocument/2006/relationships" xmlns:p="http://schemas.openxmlformats.org/presentationml/2006/main">
   <p:cSld>
     <p:spTree>
@@ -7162,7 +8266,7 @@
           <p:nvPr>
             <p:extLst>
               <p:ext uri="{D42A27DB-BD31-4B8C-83A1-F6EECF244321}">
-                <p14:modId xmlns:p14="http://schemas.microsoft.com/office/powerpoint/2010/main" val="8172198"/>
+                <p14:modId xmlns:p14="http://schemas.microsoft.com/office/powerpoint/2010/main" val="1824769215"/>
               </p:ext>
             </p:extLst>
           </p:nvPr>
@@ -7390,27 +8494,21 @@
                         <a:defRPr/>
                       </a:pPr>
                       <a:r>
-                        <a:rPr lang="ko-KR" altLang="en-US" sz="800" b="0" dirty="0">
-                          <a:solidFill>
-                            <a:schemeClr val="tx1"/>
-                          </a:solidFill>
-                          <a:latin typeface="+mn-ea"/>
-                          <a:ea typeface="+mn-ea"/>
-                          <a:sym typeface="맑은 고딕"/>
-                        </a:rPr>
-                        <a:t>아이디  또는 비밀번호 찾기 페이지로 이동합니다</a:t>
+                        <a:rPr lang="ko-KR" altLang="en-US" sz="800" dirty="0"/>
+                        <a:t>사용자가 입력한 회원 정보를 바탕으로 해당 회원의 아이디를 찾을 수 있는 페이지입니다</a:t>
                       </a:r>
                       <a:r>
-                        <a:rPr lang="en-US" altLang="ko-KR" sz="800" b="0" dirty="0">
-                          <a:solidFill>
-                            <a:schemeClr val="tx1"/>
-                          </a:solidFill>
-                          <a:latin typeface="+mn-ea"/>
-                          <a:ea typeface="+mn-ea"/>
-                          <a:sym typeface="맑은 고딕"/>
-                        </a:rPr>
-                        <a:t>..</a:t>
+                        <a:rPr lang="en-US" altLang="ko-KR" sz="800" dirty="0"/>
+                        <a:t>.</a:t>
                       </a:r>
+                      <a:endParaRPr lang="en-US" altLang="ko-KR" sz="800" b="0" dirty="0">
+                        <a:solidFill>
+                          <a:schemeClr val="tx1"/>
+                        </a:solidFill>
+                        <a:latin typeface="+mn-ea"/>
+                        <a:ea typeface="+mn-ea"/>
+                        <a:sym typeface="맑은 고딕"/>
+                      </a:endParaRPr>
                     </a:p>
                   </a:txBody>
                   <a:tcPr anchor="ctr">
@@ -7571,7 +8669,7 @@
                           </a:solidFill>
                           <a:latin typeface="+mn-ea"/>
                         </a:rPr>
-                        <a:t>클릭 시 아이디 찾기 양식이 나옵니다</a:t>
+                        <a:t>현재 아이디 찾기 페이지라는 표시입니다</a:t>
                       </a:r>
                       <a:r>
                         <a:rPr kumimoji="1" lang="en-US" altLang="ko-KR" sz="850" dirty="0">
@@ -7736,7 +8834,7 @@
                           <a:latin typeface="+mn-ea"/>
                           <a:ea typeface="+mn-ea"/>
                         </a:rPr>
-                        <a:t>. (5-2p </a:t>
+                        <a:t>. (6-2p </a:t>
                       </a:r>
                       <a:r>
                         <a:rPr lang="ko-KR" altLang="en-US" sz="850" b="0" dirty="0">
@@ -7897,14 +8995,14 @@
                           <a:latin typeface="+mn-ea"/>
                           <a:ea typeface="+mn-ea"/>
                         </a:rPr>
-                        <a:t>클릭 시 입력한 정보를 바탕으로 사용자의 아이디를 알려주는 페이지로 이동합니다</a:t>
+                        <a:t>클릭 시 사용자의 아이디를 알려주는 페이지로 이동합니다</a:t>
                       </a:r>
                       <a:r>
                         <a:rPr lang="en-US" altLang="ko-KR" sz="850" b="0" dirty="0">
                           <a:latin typeface="+mn-ea"/>
                           <a:ea typeface="+mn-ea"/>
                         </a:rPr>
-                        <a:t>. (5-3p </a:t>
+                        <a:t>. (6-3p </a:t>
                       </a:r>
                       <a:r>
                         <a:rPr lang="ko-KR" altLang="en-US" sz="850" b="0" dirty="0">
@@ -8072,7 +9170,7 @@
                           <a:latin typeface="+mn-ea"/>
                           <a:ea typeface="+mn-ea"/>
                         </a:rPr>
-                        <a:t>. (3p </a:t>
+                        <a:t>. (4p </a:t>
                       </a:r>
                       <a:r>
                         <a:rPr lang="ko-KR" altLang="en-US" sz="850" b="0" dirty="0">
@@ -8181,7 +9279,7 @@
           <a:p>
             <a:r>
               <a:rPr lang="en-US" altLang="ko-KR" sz="900" dirty="0"/>
-              <a:t>5-1</a:t>
+              <a:t>6-1</a:t>
             </a:r>
           </a:p>
         </p:txBody>
@@ -8475,7 +9573,7 @@
 </p:sld>
 </file>
 
-<file path=ppt/slides/slide17.xml><?xml version="1.0" encoding="utf-8"?>
+<file path=ppt/slides/slide19.xml><?xml version="1.0" encoding="utf-8"?>
 <p:sld xmlns:a="http://schemas.openxmlformats.org/drawingml/2006/main" xmlns:r="http://schemas.openxmlformats.org/officeDocument/2006/relationships" xmlns:p="http://schemas.openxmlformats.org/presentationml/2006/main">
   <p:cSld>
     <p:spTree>
@@ -8506,8 +9604,8 @@
         </p:nvGrpSpPr>
         <p:grpSpPr>
           <a:xfrm>
-            <a:off x="49450" y="980728"/>
-            <a:ext cx="8429389" cy="5713687"/>
+            <a:off x="86414" y="980729"/>
+            <a:ext cx="8392425" cy="5688632"/>
             <a:chOff x="757680" y="331773"/>
             <a:chExt cx="9668527" cy="6553611"/>
           </a:xfrm>
@@ -8643,7 +9741,7 @@
           <p:nvPr>
             <p:extLst>
               <p:ext uri="{D42A27DB-BD31-4B8C-83A1-F6EECF244321}">
-                <p14:modId xmlns:p14="http://schemas.microsoft.com/office/powerpoint/2010/main" val="2549180993"/>
+                <p14:modId xmlns:p14="http://schemas.microsoft.com/office/powerpoint/2010/main" val="92331121"/>
               </p:ext>
             </p:extLst>
           </p:nvPr>
@@ -8871,27 +9969,21 @@
                         <a:defRPr/>
                       </a:pPr>
                       <a:r>
-                        <a:rPr lang="ko-KR" altLang="en-US" sz="800" b="0" dirty="0">
-                          <a:solidFill>
-                            <a:schemeClr val="tx1"/>
-                          </a:solidFill>
-                          <a:latin typeface="+mn-ea"/>
-                          <a:ea typeface="+mn-ea"/>
-                          <a:sym typeface="맑은 고딕"/>
-                        </a:rPr>
-                        <a:t>아이디  또는 비밀번호를 알려주는 페이지로 이동합니다</a:t>
+                        <a:rPr lang="ko-KR" altLang="en-US" sz="800" dirty="0"/>
+                        <a:t>사용자가 입력한 회원 정보를 바탕으로 해당 회원의 아이디를 찾을 수 있는 페이지입니다</a:t>
                       </a:r>
                       <a:r>
-                        <a:rPr lang="en-US" altLang="ko-KR" sz="800" b="0" dirty="0">
-                          <a:solidFill>
-                            <a:schemeClr val="tx1"/>
-                          </a:solidFill>
-                          <a:latin typeface="+mn-ea"/>
-                          <a:ea typeface="+mn-ea"/>
-                          <a:sym typeface="맑은 고딕"/>
-                        </a:rPr>
+                        <a:rPr lang="en-US" altLang="ko-KR" sz="800" dirty="0"/>
                         <a:t>.</a:t>
                       </a:r>
+                      <a:endParaRPr lang="en-US" altLang="ko-KR" sz="800" b="0" dirty="0">
+                        <a:solidFill>
+                          <a:schemeClr val="tx1"/>
+                        </a:solidFill>
+                        <a:latin typeface="+mn-ea"/>
+                        <a:ea typeface="+mn-ea"/>
+                        <a:sym typeface="맑은 고딕"/>
+                      </a:endParaRPr>
                     </a:p>
                   </a:txBody>
                   <a:tcPr anchor="ctr">
@@ -9061,7 +10153,7 @@
                           </a:solidFill>
                           <a:latin typeface="+mn-ea"/>
                         </a:rPr>
-                        <a:t>. (5-1p </a:t>
+                        <a:t>. (6-1p </a:t>
                       </a:r>
                       <a:r>
                         <a:rPr kumimoji="1" lang="ko-KR" altLang="en-US" sz="850" dirty="0">
@@ -9218,28 +10310,46 @@
                     <a:bodyPr/>
                     <a:lstStyle/>
                     <a:p>
-                      <a:pPr algn="just" latinLnBrk="1">
+                      <a:pPr marL="0" marR="0" lvl="0" indent="0" algn="just" defTabSz="914400" rtl="0" eaLnBrk="1" fontAlgn="auto" latinLnBrk="1" hangingPunct="1">
                         <a:lnSpc>
                           <a:spcPct val="120000"/>
                         </a:lnSpc>
+                        <a:spcBef>
+                          <a:spcPts val="0"/>
+                        </a:spcBef>
+                        <a:spcAft>
+                          <a:spcPts val="0"/>
+                        </a:spcAft>
+                        <a:buClrTx/>
+                        <a:buSzTx/>
+                        <a:buFontTx/>
+                        <a:buNone/>
+                        <a:tabLst/>
+                        <a:defRPr/>
                       </a:pPr>
                       <a:r>
-                        <a:rPr lang="ko-KR" altLang="en-US" sz="850" b="0" dirty="0">
+                        <a:rPr kumimoji="1" lang="ko-KR" altLang="en-US" sz="850" dirty="0">
+                          <a:solidFill>
+                            <a:schemeClr val="tx1"/>
+                          </a:solidFill>
                           <a:latin typeface="+mn-ea"/>
-                          <a:ea typeface="+mn-ea"/>
                         </a:rPr>
-                        <a:t>클릭 시 현재 페이지로 이동합니다</a:t>
+                        <a:t>현재 비밀번호 찾기 페이지라는 표시입니다</a:t>
                       </a:r>
                       <a:r>
-                        <a:rPr lang="en-US" altLang="ko-KR" sz="850" b="0" dirty="0">
+                        <a:rPr kumimoji="1" lang="en-US" altLang="ko-KR" sz="850" dirty="0">
+                          <a:solidFill>
+                            <a:schemeClr val="tx1"/>
+                          </a:solidFill>
                           <a:latin typeface="+mn-ea"/>
-                          <a:ea typeface="+mn-ea"/>
                         </a:rPr>
                         <a:t>.</a:t>
                       </a:r>
-                      <a:endParaRPr lang="ko-KR" altLang="en-US" sz="850" b="0" dirty="0">
+                      <a:endParaRPr kumimoji="1" lang="ko-KR" altLang="en-US" sz="850" dirty="0">
+                        <a:solidFill>
+                          <a:schemeClr val="tx1"/>
+                        </a:solidFill>
                         <a:latin typeface="+mn-ea"/>
-                        <a:ea typeface="+mn-ea"/>
                       </a:endParaRPr>
                     </a:p>
                   </a:txBody>
@@ -9382,14 +10492,14 @@
                           <a:latin typeface="+mn-ea"/>
                           <a:ea typeface="+mn-ea"/>
                         </a:rPr>
-                        <a:t>클릭 시 입력한 정보를 바탕으로 사용자의 아이디를 알려주는 페이지로 이동합니다</a:t>
+                        <a:t>클릭 시 사용자의 비밀번호를 알려주는 페이지로 이동합니다</a:t>
                       </a:r>
                       <a:r>
                         <a:rPr lang="en-US" altLang="ko-KR" sz="850" b="0" dirty="0">
                           <a:latin typeface="+mn-ea"/>
                           <a:ea typeface="+mn-ea"/>
                         </a:rPr>
-                        <a:t>. (5-3p </a:t>
+                        <a:t>. (6-3p </a:t>
                       </a:r>
                       <a:r>
                         <a:rPr lang="ko-KR" altLang="en-US" sz="850" b="0" dirty="0">
@@ -9569,7 +10679,7 @@
                           <a:latin typeface="+mn-ea"/>
                           <a:ea typeface="+mn-ea"/>
                         </a:rPr>
-                        <a:t>. (3p </a:t>
+                        <a:t>. (4p </a:t>
                       </a:r>
                       <a:r>
                         <a:rPr lang="ko-KR" altLang="en-US" sz="850" b="0" dirty="0">
@@ -9678,7 +10788,7 @@
           <a:p>
             <a:r>
               <a:rPr lang="en-US" altLang="ko-KR" sz="900" dirty="0"/>
-              <a:t>5-2</a:t>
+              <a:t>6-2</a:t>
             </a:r>
           </a:p>
         </p:txBody>
@@ -9972,1713 +11082,6 @@
 </p:sld>
 </file>
 
-<file path=ppt/slides/slide18.xml><?xml version="1.0" encoding="utf-8"?>
-<p:sld xmlns:a="http://schemas.openxmlformats.org/drawingml/2006/main" xmlns:r="http://schemas.openxmlformats.org/officeDocument/2006/relationships" xmlns:p="http://schemas.openxmlformats.org/presentationml/2006/main">
-  <p:cSld>
-    <p:spTree>
-      <p:nvGrpSpPr>
-        <p:cNvPr id="1" name=""/>
-        <p:cNvGrpSpPr/>
-        <p:nvPr/>
-      </p:nvGrpSpPr>
-      <p:grpSpPr>
-        <a:xfrm>
-          <a:off x="0" y="0"/>
-          <a:ext cx="0" cy="0"/>
-          <a:chOff x="0" y="0"/>
-          <a:chExt cx="0" cy="0"/>
-        </a:xfrm>
-      </p:grpSpPr>
-      <p:pic>
-        <p:nvPicPr>
-          <p:cNvPr id="10" name="그림 9">
-            <a:extLst>
-              <a:ext uri="{FF2B5EF4-FFF2-40B4-BE49-F238E27FC236}">
-                <a16:creationId xmlns:a16="http://schemas.microsoft.com/office/drawing/2014/main" id="{F8AEBE39-006E-43EF-A7DC-95A46B0B3E4F}"/>
-              </a:ext>
-            </a:extLst>
-          </p:cNvPr>
-          <p:cNvPicPr>
-            <a:picLocks noChangeAspect="1"/>
-          </p:cNvPicPr>
-          <p:nvPr/>
-        </p:nvPicPr>
-        <p:blipFill rotWithShape="1">
-          <a:blip r:embed="rId2"/>
-          <a:srcRect l="-1" t="10101" r="766"/>
-          <a:stretch/>
-        </p:blipFill>
-        <p:spPr>
-          <a:xfrm>
-            <a:off x="280746" y="1052736"/>
-            <a:ext cx="8191518" cy="5193638"/>
-          </a:xfrm>
-          <a:prstGeom prst="rect">
-            <a:avLst/>
-          </a:prstGeom>
-        </p:spPr>
-      </p:pic>
-      <p:sp>
-        <p:nvSpPr>
-          <p:cNvPr id="4" name="텍스트 개체 틀 3">
-            <a:extLst>
-              <a:ext uri="{FF2B5EF4-FFF2-40B4-BE49-F238E27FC236}">
-                <a16:creationId xmlns:a16="http://schemas.microsoft.com/office/drawing/2014/main" id="{32E285E0-25D1-4806-B9DF-3590BD92D435}"/>
-              </a:ext>
-            </a:extLst>
-          </p:cNvPr>
-          <p:cNvSpPr>
-            <a:spLocks noGrp="1"/>
-          </p:cNvSpPr>
-          <p:nvPr>
-            <p:ph type="body" sz="quarter" idx="10"/>
-          </p:nvPr>
-        </p:nvSpPr>
-        <p:spPr/>
-        <p:txBody>
-          <a:bodyPr/>
-          <a:lstStyle/>
-          <a:p>
-            <a:r>
-              <a:rPr lang="en-US" altLang="ko-KR" dirty="0"/>
-              <a:t>findId_p.html</a:t>
-            </a:r>
-            <a:endParaRPr lang="ko-KR" altLang="en-US" dirty="0"/>
-          </a:p>
-        </p:txBody>
-      </p:sp>
-      <p:sp>
-        <p:nvSpPr>
-          <p:cNvPr id="5" name="텍스트 개체 틀 4">
-            <a:extLst>
-              <a:ext uri="{FF2B5EF4-FFF2-40B4-BE49-F238E27FC236}">
-                <a16:creationId xmlns:a16="http://schemas.microsoft.com/office/drawing/2014/main" id="{181CE6EC-43A5-4409-9C12-1C3782E8CB22}"/>
-              </a:ext>
-            </a:extLst>
-          </p:cNvPr>
-          <p:cNvSpPr>
-            <a:spLocks noGrp="1"/>
-          </p:cNvSpPr>
-          <p:nvPr>
-            <p:ph type="body" sz="quarter" idx="11"/>
-          </p:nvPr>
-        </p:nvSpPr>
-        <p:spPr/>
-        <p:txBody>
-          <a:bodyPr/>
-          <a:lstStyle/>
-          <a:p>
-            <a:r>
-              <a:rPr lang="ko-KR" altLang="en-US" dirty="0"/>
-              <a:t>회원 계정 찾기</a:t>
-            </a:r>
-          </a:p>
-        </p:txBody>
-      </p:sp>
-      <p:graphicFrame>
-        <p:nvGraphicFramePr>
-          <p:cNvPr id="7" name="표 6">
-            <a:extLst>
-              <a:ext uri="{FF2B5EF4-FFF2-40B4-BE49-F238E27FC236}">
-                <a16:creationId xmlns:a16="http://schemas.microsoft.com/office/drawing/2014/main" id="{EE672C9C-2796-4CD4-B138-FB14ECB9EFA6}"/>
-              </a:ext>
-            </a:extLst>
-          </p:cNvPr>
-          <p:cNvGraphicFramePr>
-            <a:graphicFrameLocks noGrp="1"/>
-          </p:cNvGraphicFramePr>
-          <p:nvPr>
-            <p:extLst>
-              <p:ext uri="{D42A27DB-BD31-4B8C-83A1-F6EECF244321}">
-                <p14:modId xmlns:p14="http://schemas.microsoft.com/office/powerpoint/2010/main" val="4266802960"/>
-              </p:ext>
-            </p:extLst>
-          </p:nvPr>
-        </p:nvGraphicFramePr>
-        <p:xfrm>
-          <a:off x="8688288" y="476672"/>
-          <a:ext cx="3384376" cy="1528341"/>
-        </p:xfrm>
-        <a:graphic>
-          <a:graphicData uri="http://schemas.openxmlformats.org/drawingml/2006/table">
-            <a:tbl>
-              <a:tblPr firstRow="1" bandRow="1">
-                <a:tableStyleId>{5C22544A-7EE6-4342-B048-85BDC9FD1C3A}</a:tableStyleId>
-              </a:tblPr>
-              <a:tblGrid>
-                <a:gridCol w="403256">
-                  <a:extLst>
-                    <a:ext uri="{9D8B030D-6E8A-4147-A177-3AD203B41FA5}">
-                      <a16:colId xmlns:a16="http://schemas.microsoft.com/office/drawing/2014/main" val="74772085"/>
-                    </a:ext>
-                  </a:extLst>
-                </a:gridCol>
-                <a:gridCol w="2981120">
-                  <a:extLst>
-                    <a:ext uri="{9D8B030D-6E8A-4147-A177-3AD203B41FA5}">
-                      <a16:colId xmlns:a16="http://schemas.microsoft.com/office/drawing/2014/main" val="2572474025"/>
-                    </a:ext>
-                  </a:extLst>
-                </a:gridCol>
-              </a:tblGrid>
-              <a:tr h="258850">
-                <a:tc gridSpan="2">
-                  <a:txBody>
-                    <a:bodyPr/>
-                    <a:lstStyle/>
-                    <a:p>
-                      <a:pPr marL="0" marR="0" lvl="0" indent="0" algn="l" defTabSz="914400" rtl="0" eaLnBrk="1" fontAlgn="auto" latinLnBrk="1" hangingPunct="1">
-                        <a:lnSpc>
-                          <a:spcPct val="100000"/>
-                        </a:lnSpc>
-                        <a:spcBef>
-                          <a:spcPts val="0"/>
-                        </a:spcBef>
-                        <a:spcAft>
-                          <a:spcPts val="0"/>
-                        </a:spcAft>
-                        <a:buClrTx/>
-                        <a:buSzTx/>
-                        <a:buFontTx/>
-                        <a:buNone/>
-                        <a:tabLst/>
-                        <a:defRPr/>
-                      </a:pPr>
-                      <a:r>
-                        <a:rPr lang="en-US" altLang="ko-KR" sz="900" b="1" dirty="0">
-                          <a:solidFill>
-                            <a:srgbClr val="4E5263"/>
-                          </a:solidFill>
-                          <a:latin typeface="+mn-ea"/>
-                          <a:ea typeface="+mn-ea"/>
-                          <a:sym typeface="맑은 고딕"/>
-                        </a:rPr>
-                        <a:t>Summery. </a:t>
-                      </a:r>
-                      <a:r>
-                        <a:rPr lang="ko-KR" altLang="en-US" sz="900" b="1" dirty="0">
-                          <a:solidFill>
-                            <a:srgbClr val="4E5263"/>
-                          </a:solidFill>
-                          <a:latin typeface="+mn-ea"/>
-                          <a:ea typeface="+mn-ea"/>
-                          <a:sym typeface="맑은 고딕"/>
-                        </a:rPr>
-                        <a:t>사용자의 아이디 출력</a:t>
-                      </a:r>
-                      <a:endParaRPr lang="en" altLang="ko-KR" sz="900" b="1" dirty="0">
-                        <a:solidFill>
-                          <a:srgbClr val="4E5263"/>
-                        </a:solidFill>
-                        <a:latin typeface="+mn-ea"/>
-                        <a:ea typeface="+mn-ea"/>
-                        <a:sym typeface="맑은 고딕"/>
-                      </a:endParaRPr>
-                    </a:p>
-                  </a:txBody>
-                  <a:tcPr anchor="ctr">
-                    <a:lnL w="3175" cap="flat" cmpd="sng" algn="ctr">
-                      <a:noFill/>
-                      <a:prstDash val="solid"/>
-                      <a:round/>
-                      <a:headEnd type="none" w="med" len="med"/>
-                      <a:tailEnd type="none" w="med" len="med"/>
-                    </a:lnL>
-                    <a:lnR w="3175" cap="flat" cmpd="sng" algn="ctr">
-                      <a:noFill/>
-                      <a:prstDash val="solid"/>
-                      <a:round/>
-                      <a:headEnd type="none" w="med" len="med"/>
-                      <a:tailEnd type="none" w="med" len="med"/>
-                    </a:lnR>
-                    <a:lnT w="3175" cap="flat" cmpd="sng" algn="ctr">
-                      <a:noFill/>
-                      <a:prstDash val="solid"/>
-                      <a:round/>
-                      <a:headEnd type="none" w="med" len="med"/>
-                      <a:tailEnd type="none" w="med" len="med"/>
-                    </a:lnT>
-                    <a:lnB w="3175" cap="flat" cmpd="sng" algn="ctr">
-                      <a:solidFill>
-                        <a:schemeClr val="bg1">
-                          <a:lumMod val="65000"/>
-                        </a:schemeClr>
-                      </a:solidFill>
-                      <a:prstDash val="solid"/>
-                      <a:round/>
-                      <a:headEnd type="none" w="med" len="med"/>
-                      <a:tailEnd type="none" w="med" len="med"/>
-                    </a:lnB>
-                    <a:solidFill>
-                      <a:schemeClr val="bg1"/>
-                    </a:solidFill>
-                  </a:tcPr>
-                </a:tc>
-                <a:tc hMerge="1">
-                  <a:txBody>
-                    <a:bodyPr/>
-                    <a:lstStyle/>
-                    <a:p>
-                      <a:pPr marL="0" marR="0" lvl="0" indent="0" algn="l" defTabSz="914400" rtl="0" eaLnBrk="1" fontAlgn="auto" latinLnBrk="1" hangingPunct="1">
-                        <a:lnSpc>
-                          <a:spcPct val="100000"/>
-                        </a:lnSpc>
-                        <a:spcBef>
-                          <a:spcPts val="0"/>
-                        </a:spcBef>
-                        <a:spcAft>
-                          <a:spcPts val="0"/>
-                        </a:spcAft>
-                        <a:buClrTx/>
-                        <a:buSzTx/>
-                        <a:buFontTx/>
-                        <a:buNone/>
-                        <a:tabLst/>
-                        <a:defRPr/>
-                      </a:pPr>
-                      <a:endParaRPr lang="en" altLang="ko-KR" sz="900" b="1" dirty="0">
-                        <a:solidFill>
-                          <a:srgbClr val="4E5263"/>
-                        </a:solidFill>
-                        <a:latin typeface="SF Pro Text" pitchFamily="2" charset="0"/>
-                        <a:ea typeface="SF Pro Text" pitchFamily="2" charset="0"/>
-                        <a:sym typeface="맑은 고딕"/>
-                      </a:endParaRPr>
-                    </a:p>
-                  </a:txBody>
-                  <a:tcPr anchor="ctr">
-                    <a:lnL w="3175" cap="flat" cmpd="sng" algn="ctr">
-                      <a:solidFill>
-                        <a:schemeClr val="tx1">
-                          <a:lumMod val="50000"/>
-                          <a:lumOff val="50000"/>
-                        </a:schemeClr>
-                      </a:solidFill>
-                      <a:prstDash val="solid"/>
-                      <a:round/>
-                      <a:headEnd type="none" w="med" len="med"/>
-                      <a:tailEnd type="none" w="med" len="med"/>
-                    </a:lnL>
-                    <a:lnR w="3175" cap="flat" cmpd="sng" algn="ctr">
-                      <a:noFill/>
-                      <a:prstDash val="solid"/>
-                      <a:round/>
-                      <a:headEnd type="none" w="med" len="med"/>
-                      <a:tailEnd type="none" w="med" len="med"/>
-                    </a:lnR>
-                    <a:lnT w="3175" cap="flat" cmpd="sng" algn="ctr">
-                      <a:noFill/>
-                      <a:prstDash val="solid"/>
-                      <a:round/>
-                      <a:headEnd type="none" w="med" len="med"/>
-                      <a:tailEnd type="none" w="med" len="med"/>
-                    </a:lnT>
-                    <a:lnB w="3175" cap="flat" cmpd="sng" algn="ctr">
-                      <a:solidFill>
-                        <a:schemeClr val="tx1">
-                          <a:lumMod val="50000"/>
-                          <a:lumOff val="50000"/>
-                        </a:schemeClr>
-                      </a:solidFill>
-                      <a:prstDash val="solid"/>
-                      <a:round/>
-                      <a:headEnd type="none" w="med" len="med"/>
-                      <a:tailEnd type="none" w="med" len="med"/>
-                    </a:lnB>
-                    <a:noFill/>
-                  </a:tcPr>
-                </a:tc>
-                <a:extLst>
-                  <a:ext uri="{0D108BD9-81ED-4DB2-BD59-A6C34878D82A}">
-                    <a16:rowId xmlns:a16="http://schemas.microsoft.com/office/drawing/2014/main" val="1283880267"/>
-                  </a:ext>
-                </a:extLst>
-              </a:tr>
-              <a:tr h="786307">
-                <a:tc gridSpan="2">
-                  <a:txBody>
-                    <a:bodyPr/>
-                    <a:lstStyle/>
-                    <a:p>
-                      <a:pPr marL="108000" marR="0" lvl="0" indent="-108000" algn="just" defTabSz="914400" rtl="0" eaLnBrk="1" fontAlgn="auto" latinLnBrk="1" hangingPunct="1">
-                        <a:lnSpc>
-                          <a:spcPct val="120000"/>
-                        </a:lnSpc>
-                        <a:spcBef>
-                          <a:spcPts val="0"/>
-                        </a:spcBef>
-                        <a:spcAft>
-                          <a:spcPts val="0"/>
-                        </a:spcAft>
-                        <a:buClrTx/>
-                        <a:buSzTx/>
-                        <a:buFont typeface="Arial" panose="020B0604020202020204" pitchFamily="34" charset="0"/>
-                        <a:buChar char="•"/>
-                        <a:tabLst/>
-                        <a:defRPr/>
-                      </a:pPr>
-                      <a:r>
-                        <a:rPr lang="en-US" altLang="ko-KR" sz="800" b="0" dirty="0">
-                          <a:solidFill>
-                            <a:schemeClr val="tx1"/>
-                          </a:solidFill>
-                          <a:latin typeface="+mn-ea"/>
-                          <a:ea typeface="+mn-ea"/>
-                          <a:sym typeface="맑은 고딕"/>
-                        </a:rPr>
-                        <a:t>5-1 </a:t>
-                      </a:r>
-                      <a:r>
-                        <a:rPr lang="ko-KR" altLang="en-US" sz="800" b="0" dirty="0">
-                          <a:solidFill>
-                            <a:schemeClr val="tx1"/>
-                          </a:solidFill>
-                          <a:latin typeface="+mn-ea"/>
-                          <a:ea typeface="+mn-ea"/>
-                          <a:sym typeface="맑은 고딕"/>
-                        </a:rPr>
-                        <a:t>페이지에서 입력한 정보를 바탕으로 해당 사용자의 아이디를 출력합니다</a:t>
-                      </a:r>
-                      <a:r>
-                        <a:rPr lang="en-US" altLang="ko-KR" sz="800" b="0" dirty="0">
-                          <a:solidFill>
-                            <a:schemeClr val="tx1"/>
-                          </a:solidFill>
-                          <a:latin typeface="+mn-ea"/>
-                          <a:ea typeface="+mn-ea"/>
-                          <a:sym typeface="맑은 고딕"/>
-                        </a:rPr>
-                        <a:t>.</a:t>
-                      </a:r>
-                    </a:p>
-                  </a:txBody>
-                  <a:tcPr anchor="ctr">
-                    <a:lnL w="3175" cap="flat" cmpd="sng" algn="ctr">
-                      <a:noFill/>
-                      <a:prstDash val="solid"/>
-                      <a:round/>
-                      <a:headEnd type="none" w="med" len="med"/>
-                      <a:tailEnd type="none" w="med" len="med"/>
-                    </a:lnL>
-                    <a:lnR w="3175" cap="flat" cmpd="sng" algn="ctr">
-                      <a:noFill/>
-                      <a:prstDash val="solid"/>
-                      <a:round/>
-                      <a:headEnd type="none" w="med" len="med"/>
-                      <a:tailEnd type="none" w="med" len="med"/>
-                    </a:lnR>
-                    <a:lnT w="3175" cap="flat" cmpd="sng" algn="ctr">
-                      <a:solidFill>
-                        <a:schemeClr val="bg1">
-                          <a:lumMod val="65000"/>
-                        </a:schemeClr>
-                      </a:solidFill>
-                      <a:prstDash val="solid"/>
-                      <a:round/>
-                      <a:headEnd type="none" w="med" len="med"/>
-                      <a:tailEnd type="none" w="med" len="med"/>
-                    </a:lnT>
-                    <a:lnB w="3175" cap="flat" cmpd="sng" algn="ctr">
-                      <a:solidFill>
-                        <a:schemeClr val="tx1">
-                          <a:lumMod val="50000"/>
-                          <a:lumOff val="50000"/>
-                        </a:schemeClr>
-                      </a:solidFill>
-                      <a:prstDash val="solid"/>
-                      <a:round/>
-                      <a:headEnd type="none" w="med" len="med"/>
-                      <a:tailEnd type="none" w="med" len="med"/>
-                    </a:lnB>
-                    <a:noFill/>
-                  </a:tcPr>
-                </a:tc>
-                <a:tc hMerge="1">
-                  <a:txBody>
-                    <a:bodyPr/>
-                    <a:lstStyle/>
-                    <a:p>
-                      <a:pPr latinLnBrk="1"/>
-                      <a:endParaRPr lang="ko-KR" altLang="en-US"/>
-                    </a:p>
-                  </a:txBody>
-                  <a:tcPr/>
-                </a:tc>
-                <a:extLst>
-                  <a:ext uri="{0D108BD9-81ED-4DB2-BD59-A6C34878D82A}">
-                    <a16:rowId xmlns:a16="http://schemas.microsoft.com/office/drawing/2014/main" val="3072083066"/>
-                  </a:ext>
-                </a:extLst>
-              </a:tr>
-              <a:tr h="241592">
-                <a:tc>
-                  <a:txBody>
-                    <a:bodyPr/>
-                    <a:lstStyle/>
-                    <a:p>
-                      <a:pPr algn="ctr" latinLnBrk="1">
-                        <a:lnSpc>
-                          <a:spcPct val="120000"/>
-                        </a:lnSpc>
-                      </a:pPr>
-                      <a:r>
-                        <a:rPr lang="en-US" altLang="ko-KR" sz="850" b="0" dirty="0">
-                          <a:latin typeface="+mn-ea"/>
-                          <a:ea typeface="+mn-ea"/>
-                        </a:rPr>
-                        <a:t>1</a:t>
-                      </a:r>
-                      <a:endParaRPr lang="ko-KR" altLang="en-US" sz="850" b="0" dirty="0">
-                        <a:latin typeface="+mn-ea"/>
-                        <a:ea typeface="+mn-ea"/>
-                      </a:endParaRPr>
-                    </a:p>
-                  </a:txBody>
-                  <a:tcPr anchor="ctr">
-                    <a:lnL w="3175" cap="flat" cmpd="sng" algn="ctr">
-                      <a:noFill/>
-                      <a:prstDash val="solid"/>
-                      <a:round/>
-                      <a:headEnd type="none" w="med" len="med"/>
-                      <a:tailEnd type="none" w="med" len="med"/>
-                    </a:lnL>
-                    <a:lnR w="3175" cap="flat" cmpd="sng" algn="ctr">
-                      <a:solidFill>
-                        <a:schemeClr val="tx1">
-                          <a:lumMod val="50000"/>
-                          <a:lumOff val="50000"/>
-                        </a:schemeClr>
-                      </a:solidFill>
-                      <a:prstDash val="solid"/>
-                      <a:round/>
-                      <a:headEnd type="none" w="med" len="med"/>
-                      <a:tailEnd type="none" w="med" len="med"/>
-                    </a:lnR>
-                    <a:lnT w="3175" cap="flat" cmpd="sng" algn="ctr">
-                      <a:solidFill>
-                        <a:schemeClr val="tx1">
-                          <a:lumMod val="50000"/>
-                          <a:lumOff val="50000"/>
-                        </a:schemeClr>
-                      </a:solidFill>
-                      <a:prstDash val="solid"/>
-                      <a:round/>
-                      <a:headEnd type="none" w="med" len="med"/>
-                      <a:tailEnd type="none" w="med" len="med"/>
-                    </a:lnT>
-                    <a:lnB w="3175" cap="flat" cmpd="sng" algn="ctr">
-                      <a:solidFill>
-                        <a:schemeClr val="tx1">
-                          <a:lumMod val="50000"/>
-                          <a:lumOff val="50000"/>
-                        </a:schemeClr>
-                      </a:solidFill>
-                      <a:prstDash val="solid"/>
-                      <a:round/>
-                      <a:headEnd type="none" w="med" len="med"/>
-                      <a:tailEnd type="none" w="med" len="med"/>
-                    </a:lnB>
-                    <a:noFill/>
-                  </a:tcPr>
-                </a:tc>
-                <a:tc>
-                  <a:txBody>
-                    <a:bodyPr/>
-                    <a:lstStyle/>
-                    <a:p>
-                      <a:pPr marL="0" marR="0" lvl="0" indent="0" algn="just" defTabSz="914400" rtl="0" eaLnBrk="1" fontAlgn="auto" latinLnBrk="1" hangingPunct="1">
-                        <a:lnSpc>
-                          <a:spcPct val="120000"/>
-                        </a:lnSpc>
-                        <a:spcBef>
-                          <a:spcPts val="0"/>
-                        </a:spcBef>
-                        <a:spcAft>
-                          <a:spcPts val="0"/>
-                        </a:spcAft>
-                        <a:buClrTx/>
-                        <a:buSzTx/>
-                        <a:buFontTx/>
-                        <a:buNone/>
-                        <a:tabLst/>
-                        <a:defRPr/>
-                      </a:pPr>
-                      <a:r>
-                        <a:rPr kumimoji="1" lang="ko-KR" altLang="en-US" sz="850" dirty="0">
-                          <a:solidFill>
-                            <a:schemeClr val="tx1"/>
-                          </a:solidFill>
-                          <a:latin typeface="+mn-ea"/>
-                        </a:rPr>
-                        <a:t>클릭 시 로그인 됩니다</a:t>
-                      </a:r>
-                      <a:r>
-                        <a:rPr kumimoji="1" lang="en-US" altLang="ko-KR" sz="850" dirty="0">
-                          <a:solidFill>
-                            <a:schemeClr val="tx1"/>
-                          </a:solidFill>
-                          <a:latin typeface="+mn-ea"/>
-                        </a:rPr>
-                        <a:t>.</a:t>
-                      </a:r>
-                      <a:endParaRPr lang="ko-KR" altLang="en-US" sz="850" b="0" dirty="0">
-                        <a:latin typeface="+mn-ea"/>
-                        <a:ea typeface="+mn-ea"/>
-                      </a:endParaRPr>
-                    </a:p>
-                  </a:txBody>
-                  <a:tcPr anchor="ctr">
-                    <a:lnL w="3175" cap="flat" cmpd="sng" algn="ctr">
-                      <a:solidFill>
-                        <a:schemeClr val="tx1">
-                          <a:lumMod val="50000"/>
-                          <a:lumOff val="50000"/>
-                        </a:schemeClr>
-                      </a:solidFill>
-                      <a:prstDash val="solid"/>
-                      <a:round/>
-                      <a:headEnd type="none" w="med" len="med"/>
-                      <a:tailEnd type="none" w="med" len="med"/>
-                    </a:lnL>
-                    <a:lnR w="3175" cap="flat" cmpd="sng" algn="ctr">
-                      <a:noFill/>
-                      <a:prstDash val="solid"/>
-                      <a:round/>
-                      <a:headEnd type="none" w="med" len="med"/>
-                      <a:tailEnd type="none" w="med" len="med"/>
-                    </a:lnR>
-                    <a:lnT w="3175" cap="flat" cmpd="sng" algn="ctr">
-                      <a:solidFill>
-                        <a:schemeClr val="tx1">
-                          <a:lumMod val="50000"/>
-                          <a:lumOff val="50000"/>
-                        </a:schemeClr>
-                      </a:solidFill>
-                      <a:prstDash val="solid"/>
-                      <a:round/>
-                      <a:headEnd type="none" w="med" len="med"/>
-                      <a:tailEnd type="none" w="med" len="med"/>
-                    </a:lnT>
-                    <a:lnB w="3175" cap="flat" cmpd="sng" algn="ctr">
-                      <a:solidFill>
-                        <a:schemeClr val="tx1">
-                          <a:lumMod val="50000"/>
-                          <a:lumOff val="50000"/>
-                        </a:schemeClr>
-                      </a:solidFill>
-                      <a:prstDash val="solid"/>
-                      <a:round/>
-                      <a:headEnd type="none" w="med" len="med"/>
-                      <a:tailEnd type="none" w="med" len="med"/>
-                    </a:lnB>
-                    <a:noFill/>
-                  </a:tcPr>
-                </a:tc>
-                <a:extLst>
-                  <a:ext uri="{0D108BD9-81ED-4DB2-BD59-A6C34878D82A}">
-                    <a16:rowId xmlns:a16="http://schemas.microsoft.com/office/drawing/2014/main" val="2972133637"/>
-                  </a:ext>
-                </a:extLst>
-              </a:tr>
-              <a:tr h="241592">
-                <a:tc>
-                  <a:txBody>
-                    <a:bodyPr/>
-                    <a:lstStyle/>
-                    <a:p>
-                      <a:pPr algn="ctr" latinLnBrk="1">
-                        <a:lnSpc>
-                          <a:spcPct val="120000"/>
-                        </a:lnSpc>
-                      </a:pPr>
-                      <a:r>
-                        <a:rPr lang="en-US" altLang="ko-KR" sz="850" b="0" dirty="0">
-                          <a:latin typeface="+mn-ea"/>
-                          <a:ea typeface="+mn-ea"/>
-                        </a:rPr>
-                        <a:t>2</a:t>
-                      </a:r>
-                      <a:endParaRPr lang="ko-KR" altLang="en-US" sz="850" b="0" dirty="0">
-                        <a:latin typeface="+mn-ea"/>
-                        <a:ea typeface="+mn-ea"/>
-                      </a:endParaRPr>
-                    </a:p>
-                  </a:txBody>
-                  <a:tcPr anchor="ctr">
-                    <a:lnL w="3175" cap="flat" cmpd="sng" algn="ctr">
-                      <a:noFill/>
-                      <a:prstDash val="solid"/>
-                      <a:round/>
-                      <a:headEnd type="none" w="med" len="med"/>
-                      <a:tailEnd type="none" w="med" len="med"/>
-                    </a:lnL>
-                    <a:lnR w="3175" cap="flat" cmpd="sng" algn="ctr">
-                      <a:solidFill>
-                        <a:schemeClr val="tx1">
-                          <a:lumMod val="50000"/>
-                          <a:lumOff val="50000"/>
-                        </a:schemeClr>
-                      </a:solidFill>
-                      <a:prstDash val="solid"/>
-                      <a:round/>
-                      <a:headEnd type="none" w="med" len="med"/>
-                      <a:tailEnd type="none" w="med" len="med"/>
-                    </a:lnR>
-                    <a:lnT w="3175" cap="flat" cmpd="sng" algn="ctr">
-                      <a:solidFill>
-                        <a:schemeClr val="tx1">
-                          <a:lumMod val="50000"/>
-                          <a:lumOff val="50000"/>
-                        </a:schemeClr>
-                      </a:solidFill>
-                      <a:prstDash val="solid"/>
-                      <a:round/>
-                      <a:headEnd type="none" w="med" len="med"/>
-                      <a:tailEnd type="none" w="med" len="med"/>
-                    </a:lnT>
-                    <a:lnB w="3175" cap="flat" cmpd="sng" algn="ctr">
-                      <a:solidFill>
-                        <a:schemeClr val="tx1">
-                          <a:lumMod val="50000"/>
-                          <a:lumOff val="50000"/>
-                        </a:schemeClr>
-                      </a:solidFill>
-                      <a:prstDash val="solid"/>
-                      <a:round/>
-                      <a:headEnd type="none" w="med" len="med"/>
-                      <a:tailEnd type="none" w="med" len="med"/>
-                    </a:lnB>
-                    <a:noFill/>
-                  </a:tcPr>
-                </a:tc>
-                <a:tc>
-                  <a:txBody>
-                    <a:bodyPr/>
-                    <a:lstStyle/>
-                    <a:p>
-                      <a:pPr marL="0" marR="0" lvl="0" indent="0" algn="just" defTabSz="914400" rtl="0" eaLnBrk="1" fontAlgn="auto" latinLnBrk="1" hangingPunct="1">
-                        <a:lnSpc>
-                          <a:spcPct val="120000"/>
-                        </a:lnSpc>
-                        <a:spcBef>
-                          <a:spcPts val="0"/>
-                        </a:spcBef>
-                        <a:spcAft>
-                          <a:spcPts val="0"/>
-                        </a:spcAft>
-                        <a:buClrTx/>
-                        <a:buSzTx/>
-                        <a:buFontTx/>
-                        <a:buNone/>
-                        <a:tabLst/>
-                        <a:defRPr/>
-                      </a:pPr>
-                      <a:r>
-                        <a:rPr lang="ko-KR" altLang="en-US" sz="850" b="0" dirty="0">
-                          <a:latin typeface="+mn-ea"/>
-                          <a:ea typeface="+mn-ea"/>
-                        </a:rPr>
-                        <a:t>클릭 시 회원 계정 찾기 페이지로 이동합니다</a:t>
-                      </a:r>
-                      <a:r>
-                        <a:rPr lang="en-US" altLang="ko-KR" sz="850" b="0" dirty="0">
-                          <a:latin typeface="+mn-ea"/>
-                          <a:ea typeface="+mn-ea"/>
-                        </a:rPr>
-                        <a:t>. (5-1p </a:t>
-                      </a:r>
-                      <a:r>
-                        <a:rPr lang="ko-KR" altLang="en-US" sz="850" b="0" dirty="0">
-                          <a:latin typeface="+mn-ea"/>
-                          <a:ea typeface="+mn-ea"/>
-                        </a:rPr>
-                        <a:t>참조</a:t>
-                      </a:r>
-                      <a:r>
-                        <a:rPr lang="en-US" altLang="ko-KR" sz="850" b="0" dirty="0">
-                          <a:latin typeface="+mn-ea"/>
-                          <a:ea typeface="+mn-ea"/>
-                        </a:rPr>
-                        <a:t>)</a:t>
-                      </a:r>
-                      <a:endParaRPr lang="ko-KR" altLang="en-US" sz="850" b="0" dirty="0">
-                        <a:latin typeface="+mn-ea"/>
-                        <a:ea typeface="+mn-ea"/>
-                      </a:endParaRPr>
-                    </a:p>
-                  </a:txBody>
-                  <a:tcPr anchor="ctr">
-                    <a:lnL w="3175" cap="flat" cmpd="sng" algn="ctr">
-                      <a:solidFill>
-                        <a:schemeClr val="tx1">
-                          <a:lumMod val="50000"/>
-                          <a:lumOff val="50000"/>
-                        </a:schemeClr>
-                      </a:solidFill>
-                      <a:prstDash val="solid"/>
-                      <a:round/>
-                      <a:headEnd type="none" w="med" len="med"/>
-                      <a:tailEnd type="none" w="med" len="med"/>
-                    </a:lnL>
-                    <a:lnR w="3175" cap="flat" cmpd="sng" algn="ctr">
-                      <a:noFill/>
-                      <a:prstDash val="solid"/>
-                      <a:round/>
-                      <a:headEnd type="none" w="med" len="med"/>
-                      <a:tailEnd type="none" w="med" len="med"/>
-                    </a:lnR>
-                    <a:lnT w="3175" cap="flat" cmpd="sng" algn="ctr">
-                      <a:solidFill>
-                        <a:schemeClr val="tx1">
-                          <a:lumMod val="50000"/>
-                          <a:lumOff val="50000"/>
-                        </a:schemeClr>
-                      </a:solidFill>
-                      <a:prstDash val="solid"/>
-                      <a:round/>
-                      <a:headEnd type="none" w="med" len="med"/>
-                      <a:tailEnd type="none" w="med" len="med"/>
-                    </a:lnT>
-                    <a:lnB w="3175" cap="flat" cmpd="sng" algn="ctr">
-                      <a:solidFill>
-                        <a:schemeClr val="tx1">
-                          <a:lumMod val="50000"/>
-                          <a:lumOff val="50000"/>
-                        </a:schemeClr>
-                      </a:solidFill>
-                      <a:prstDash val="solid"/>
-                      <a:round/>
-                      <a:headEnd type="none" w="med" len="med"/>
-                      <a:tailEnd type="none" w="med" len="med"/>
-                    </a:lnB>
-                    <a:noFill/>
-                  </a:tcPr>
-                </a:tc>
-                <a:extLst>
-                  <a:ext uri="{0D108BD9-81ED-4DB2-BD59-A6C34878D82A}">
-                    <a16:rowId xmlns:a16="http://schemas.microsoft.com/office/drawing/2014/main" val="2075783758"/>
-                  </a:ext>
-                </a:extLst>
-              </a:tr>
-            </a:tbl>
-          </a:graphicData>
-        </a:graphic>
-      </p:graphicFrame>
-      <p:sp>
-        <p:nvSpPr>
-          <p:cNvPr id="8" name="TextBox 7">
-            <a:extLst>
-              <a:ext uri="{FF2B5EF4-FFF2-40B4-BE49-F238E27FC236}">
-                <a16:creationId xmlns:a16="http://schemas.microsoft.com/office/drawing/2014/main" id="{DDF58C48-5157-4FFA-B714-C02B198B9885}"/>
-              </a:ext>
-            </a:extLst>
-          </p:cNvPr>
-          <p:cNvSpPr txBox="1"/>
-          <p:nvPr/>
-        </p:nvSpPr>
-        <p:spPr>
-          <a:xfrm>
-            <a:off x="11780252" y="106980"/>
-            <a:ext cx="360996" cy="230832"/>
-          </a:xfrm>
-          <a:prstGeom prst="rect">
-            <a:avLst/>
-          </a:prstGeom>
-          <a:noFill/>
-        </p:spPr>
-        <p:txBody>
-          <a:bodyPr wrap="none" rtlCol="0">
-            <a:spAutoFit/>
-          </a:bodyPr>
-          <a:lstStyle/>
-          <a:p>
-            <a:r>
-              <a:rPr lang="en-US" altLang="ko-KR" sz="900" dirty="0"/>
-              <a:t>5-3</a:t>
-            </a:r>
-          </a:p>
-        </p:txBody>
-      </p:sp>
-      <p:sp>
-        <p:nvSpPr>
-          <p:cNvPr id="25" name="타원 24">
-            <a:extLst>
-              <a:ext uri="{FF2B5EF4-FFF2-40B4-BE49-F238E27FC236}">
-                <a16:creationId xmlns:a16="http://schemas.microsoft.com/office/drawing/2014/main" id="{390D51B2-A77D-48BB-9FDB-B3A961816211}"/>
-              </a:ext>
-            </a:extLst>
-          </p:cNvPr>
-          <p:cNvSpPr/>
-          <p:nvPr/>
-        </p:nvSpPr>
-        <p:spPr>
-          <a:xfrm>
-            <a:off x="3719736" y="5157192"/>
-            <a:ext cx="360040" cy="360040"/>
-          </a:xfrm>
-          <a:prstGeom prst="ellipse">
-            <a:avLst/>
-          </a:prstGeom>
-          <a:solidFill>
-            <a:schemeClr val="accent2">
-              <a:lumMod val="40000"/>
-              <a:lumOff val="60000"/>
-            </a:schemeClr>
-          </a:solidFill>
-          <a:ln w="38100">
-            <a:solidFill>
-              <a:srgbClr val="CF4352"/>
-            </a:solidFill>
-          </a:ln>
-        </p:spPr>
-        <p:style>
-          <a:lnRef idx="2">
-            <a:schemeClr val="accent1">
-              <a:shade val="50000"/>
-            </a:schemeClr>
-          </a:lnRef>
-          <a:fillRef idx="1">
-            <a:schemeClr val="accent1"/>
-          </a:fillRef>
-          <a:effectRef idx="0">
-            <a:schemeClr val="accent1"/>
-          </a:effectRef>
-          <a:fontRef idx="minor">
-            <a:schemeClr val="lt1"/>
-          </a:fontRef>
-        </p:style>
-        <p:txBody>
-          <a:bodyPr rtlCol="0" anchor="ctr"/>
-          <a:lstStyle/>
-          <a:p>
-            <a:pPr algn="ctr"/>
-            <a:r>
-              <a:rPr lang="en-US" altLang="ko-KR" dirty="0">
-                <a:solidFill>
-                  <a:schemeClr val="tx1"/>
-                </a:solidFill>
-              </a:rPr>
-              <a:t>1</a:t>
-            </a:r>
-            <a:endParaRPr lang="ko-KR" altLang="en-US" dirty="0">
-              <a:solidFill>
-                <a:schemeClr val="tx1"/>
-              </a:solidFill>
-            </a:endParaRPr>
-          </a:p>
-        </p:txBody>
-      </p:sp>
-      <p:sp>
-        <p:nvSpPr>
-          <p:cNvPr id="27" name="타원 26">
-            <a:extLst>
-              <a:ext uri="{FF2B5EF4-FFF2-40B4-BE49-F238E27FC236}">
-                <a16:creationId xmlns:a16="http://schemas.microsoft.com/office/drawing/2014/main" id="{88FC4EE2-394C-4A9A-9F52-2EFAC514A3E7}"/>
-              </a:ext>
-            </a:extLst>
-          </p:cNvPr>
-          <p:cNvSpPr/>
-          <p:nvPr/>
-        </p:nvSpPr>
-        <p:spPr>
-          <a:xfrm>
-            <a:off x="4583832" y="5157192"/>
-            <a:ext cx="360040" cy="360040"/>
-          </a:xfrm>
-          <a:prstGeom prst="ellipse">
-            <a:avLst/>
-          </a:prstGeom>
-          <a:solidFill>
-            <a:schemeClr val="accent2">
-              <a:lumMod val="40000"/>
-              <a:lumOff val="60000"/>
-            </a:schemeClr>
-          </a:solidFill>
-          <a:ln w="38100">
-            <a:solidFill>
-              <a:srgbClr val="CF4352"/>
-            </a:solidFill>
-          </a:ln>
-        </p:spPr>
-        <p:style>
-          <a:lnRef idx="2">
-            <a:schemeClr val="accent1">
-              <a:shade val="50000"/>
-            </a:schemeClr>
-          </a:lnRef>
-          <a:fillRef idx="1">
-            <a:schemeClr val="accent1"/>
-          </a:fillRef>
-          <a:effectRef idx="0">
-            <a:schemeClr val="accent1"/>
-          </a:effectRef>
-          <a:fontRef idx="minor">
-            <a:schemeClr val="lt1"/>
-          </a:fontRef>
-        </p:style>
-        <p:txBody>
-          <a:bodyPr rtlCol="0" anchor="ctr"/>
-          <a:lstStyle/>
-          <a:p>
-            <a:pPr algn="ctr"/>
-            <a:r>
-              <a:rPr lang="en-US" altLang="ko-KR" dirty="0">
-                <a:solidFill>
-                  <a:schemeClr val="tx1"/>
-                </a:solidFill>
-              </a:rPr>
-              <a:t>2</a:t>
-            </a:r>
-            <a:endParaRPr lang="ko-KR" altLang="en-US" dirty="0">
-              <a:solidFill>
-                <a:schemeClr val="tx1"/>
-              </a:solidFill>
-            </a:endParaRPr>
-          </a:p>
-        </p:txBody>
-      </p:sp>
-    </p:spTree>
-    <p:extLst>
-      <p:ext uri="{BB962C8B-B14F-4D97-AF65-F5344CB8AC3E}">
-        <p14:creationId xmlns:p14="http://schemas.microsoft.com/office/powerpoint/2010/main" val="1831796066"/>
-      </p:ext>
-    </p:extLst>
-  </p:cSld>
-  <p:clrMapOvr>
-    <a:masterClrMapping/>
-  </p:clrMapOvr>
-</p:sld>
-</file>
-
-<file path=ppt/slides/slide19.xml><?xml version="1.0" encoding="utf-8"?>
-<p:sld xmlns:a="http://schemas.openxmlformats.org/drawingml/2006/main" xmlns:r="http://schemas.openxmlformats.org/officeDocument/2006/relationships" xmlns:p="http://schemas.openxmlformats.org/presentationml/2006/main">
-  <p:cSld>
-    <p:spTree>
-      <p:nvGrpSpPr>
-        <p:cNvPr id="1" name=""/>
-        <p:cNvGrpSpPr/>
-        <p:nvPr/>
-      </p:nvGrpSpPr>
-      <p:grpSpPr>
-        <a:xfrm>
-          <a:off x="0" y="0"/>
-          <a:ext cx="0" cy="0"/>
-          <a:chOff x="0" y="0"/>
-          <a:chExt cx="0" cy="0"/>
-        </a:xfrm>
-      </p:grpSpPr>
-      <p:pic>
-        <p:nvPicPr>
-          <p:cNvPr id="3" name="그림 2">
-            <a:extLst>
-              <a:ext uri="{FF2B5EF4-FFF2-40B4-BE49-F238E27FC236}">
-                <a16:creationId xmlns:a16="http://schemas.microsoft.com/office/drawing/2014/main" id="{B03172D7-D415-4199-91A0-DB4B444C80C5}"/>
-              </a:ext>
-            </a:extLst>
-          </p:cNvPr>
-          <p:cNvPicPr>
-            <a:picLocks noChangeAspect="1"/>
-          </p:cNvPicPr>
-          <p:nvPr/>
-        </p:nvPicPr>
-        <p:blipFill rotWithShape="1">
-          <a:blip r:embed="rId2"/>
-          <a:srcRect l="-1" t="10101" r="766"/>
-          <a:stretch/>
-        </p:blipFill>
-        <p:spPr>
-          <a:xfrm>
-            <a:off x="254649" y="980728"/>
-            <a:ext cx="8217615" cy="5210184"/>
-          </a:xfrm>
-          <a:prstGeom prst="rect">
-            <a:avLst/>
-          </a:prstGeom>
-        </p:spPr>
-      </p:pic>
-      <p:sp>
-        <p:nvSpPr>
-          <p:cNvPr id="4" name="텍스트 개체 틀 3">
-            <a:extLst>
-              <a:ext uri="{FF2B5EF4-FFF2-40B4-BE49-F238E27FC236}">
-                <a16:creationId xmlns:a16="http://schemas.microsoft.com/office/drawing/2014/main" id="{32E285E0-25D1-4806-B9DF-3590BD92D435}"/>
-              </a:ext>
-            </a:extLst>
-          </p:cNvPr>
-          <p:cNvSpPr>
-            <a:spLocks noGrp="1"/>
-          </p:cNvSpPr>
-          <p:nvPr>
-            <p:ph type="body" sz="quarter" idx="10"/>
-          </p:nvPr>
-        </p:nvSpPr>
-        <p:spPr/>
-        <p:txBody>
-          <a:bodyPr/>
-          <a:lstStyle/>
-          <a:p>
-            <a:r>
-              <a:rPr lang="en-US" altLang="ko-KR" dirty="0"/>
-              <a:t>findPw_p.html</a:t>
-            </a:r>
-            <a:endParaRPr lang="ko-KR" altLang="en-US" dirty="0"/>
-          </a:p>
-        </p:txBody>
-      </p:sp>
-      <p:sp>
-        <p:nvSpPr>
-          <p:cNvPr id="5" name="텍스트 개체 틀 4">
-            <a:extLst>
-              <a:ext uri="{FF2B5EF4-FFF2-40B4-BE49-F238E27FC236}">
-                <a16:creationId xmlns:a16="http://schemas.microsoft.com/office/drawing/2014/main" id="{181CE6EC-43A5-4409-9C12-1C3782E8CB22}"/>
-              </a:ext>
-            </a:extLst>
-          </p:cNvPr>
-          <p:cNvSpPr>
-            <a:spLocks noGrp="1"/>
-          </p:cNvSpPr>
-          <p:nvPr>
-            <p:ph type="body" sz="quarter" idx="11"/>
-          </p:nvPr>
-        </p:nvSpPr>
-        <p:spPr/>
-        <p:txBody>
-          <a:bodyPr/>
-          <a:lstStyle/>
-          <a:p>
-            <a:r>
-              <a:rPr lang="ko-KR" altLang="en-US" dirty="0"/>
-              <a:t>회원 계정 찾기</a:t>
-            </a:r>
-          </a:p>
-        </p:txBody>
-      </p:sp>
-      <p:graphicFrame>
-        <p:nvGraphicFramePr>
-          <p:cNvPr id="7" name="표 6">
-            <a:extLst>
-              <a:ext uri="{FF2B5EF4-FFF2-40B4-BE49-F238E27FC236}">
-                <a16:creationId xmlns:a16="http://schemas.microsoft.com/office/drawing/2014/main" id="{EE672C9C-2796-4CD4-B138-FB14ECB9EFA6}"/>
-              </a:ext>
-            </a:extLst>
-          </p:cNvPr>
-          <p:cNvGraphicFramePr>
-            <a:graphicFrameLocks noGrp="1"/>
-          </p:cNvGraphicFramePr>
-          <p:nvPr>
-            <p:extLst>
-              <p:ext uri="{D42A27DB-BD31-4B8C-83A1-F6EECF244321}">
-                <p14:modId xmlns:p14="http://schemas.microsoft.com/office/powerpoint/2010/main" val="3663236011"/>
-              </p:ext>
-            </p:extLst>
-          </p:nvPr>
-        </p:nvGraphicFramePr>
-        <p:xfrm>
-          <a:off x="8688288" y="476672"/>
-          <a:ext cx="3384376" cy="1286749"/>
-        </p:xfrm>
-        <a:graphic>
-          <a:graphicData uri="http://schemas.openxmlformats.org/drawingml/2006/table">
-            <a:tbl>
-              <a:tblPr firstRow="1" bandRow="1">
-                <a:tableStyleId>{5C22544A-7EE6-4342-B048-85BDC9FD1C3A}</a:tableStyleId>
-              </a:tblPr>
-              <a:tblGrid>
-                <a:gridCol w="403256">
-                  <a:extLst>
-                    <a:ext uri="{9D8B030D-6E8A-4147-A177-3AD203B41FA5}">
-                      <a16:colId xmlns:a16="http://schemas.microsoft.com/office/drawing/2014/main" val="74772085"/>
-                    </a:ext>
-                  </a:extLst>
-                </a:gridCol>
-                <a:gridCol w="2981120">
-                  <a:extLst>
-                    <a:ext uri="{9D8B030D-6E8A-4147-A177-3AD203B41FA5}">
-                      <a16:colId xmlns:a16="http://schemas.microsoft.com/office/drawing/2014/main" val="2572474025"/>
-                    </a:ext>
-                  </a:extLst>
-                </a:gridCol>
-              </a:tblGrid>
-              <a:tr h="258850">
-                <a:tc gridSpan="2">
-                  <a:txBody>
-                    <a:bodyPr/>
-                    <a:lstStyle/>
-                    <a:p>
-                      <a:pPr marL="0" marR="0" lvl="0" indent="0" algn="l" defTabSz="914400" rtl="0" eaLnBrk="1" fontAlgn="auto" latinLnBrk="1" hangingPunct="1">
-                        <a:lnSpc>
-                          <a:spcPct val="100000"/>
-                        </a:lnSpc>
-                        <a:spcBef>
-                          <a:spcPts val="0"/>
-                        </a:spcBef>
-                        <a:spcAft>
-                          <a:spcPts val="0"/>
-                        </a:spcAft>
-                        <a:buClrTx/>
-                        <a:buSzTx/>
-                        <a:buFontTx/>
-                        <a:buNone/>
-                        <a:tabLst/>
-                        <a:defRPr/>
-                      </a:pPr>
-                      <a:r>
-                        <a:rPr lang="en-US" altLang="ko-KR" sz="900" b="1" dirty="0">
-                          <a:solidFill>
-                            <a:srgbClr val="4E5263"/>
-                          </a:solidFill>
-                          <a:latin typeface="+mn-ea"/>
-                          <a:ea typeface="+mn-ea"/>
-                          <a:sym typeface="맑은 고딕"/>
-                        </a:rPr>
-                        <a:t>Summery. </a:t>
-                      </a:r>
-                      <a:r>
-                        <a:rPr lang="ko-KR" altLang="en-US" sz="900" b="1" dirty="0">
-                          <a:solidFill>
-                            <a:srgbClr val="4E5263"/>
-                          </a:solidFill>
-                          <a:latin typeface="+mn-ea"/>
-                          <a:ea typeface="+mn-ea"/>
-                          <a:sym typeface="맑은 고딕"/>
-                        </a:rPr>
-                        <a:t>사용자의 비밀번호 이메일로 발송</a:t>
-                      </a:r>
-                      <a:endParaRPr lang="en" altLang="ko-KR" sz="900" b="1" dirty="0">
-                        <a:solidFill>
-                          <a:srgbClr val="4E5263"/>
-                        </a:solidFill>
-                        <a:latin typeface="+mn-ea"/>
-                        <a:ea typeface="+mn-ea"/>
-                        <a:sym typeface="맑은 고딕"/>
-                      </a:endParaRPr>
-                    </a:p>
-                  </a:txBody>
-                  <a:tcPr anchor="ctr">
-                    <a:lnL w="3175" cap="flat" cmpd="sng" algn="ctr">
-                      <a:noFill/>
-                      <a:prstDash val="solid"/>
-                      <a:round/>
-                      <a:headEnd type="none" w="med" len="med"/>
-                      <a:tailEnd type="none" w="med" len="med"/>
-                    </a:lnL>
-                    <a:lnR w="3175" cap="flat" cmpd="sng" algn="ctr">
-                      <a:noFill/>
-                      <a:prstDash val="solid"/>
-                      <a:round/>
-                      <a:headEnd type="none" w="med" len="med"/>
-                      <a:tailEnd type="none" w="med" len="med"/>
-                    </a:lnR>
-                    <a:lnT w="3175" cap="flat" cmpd="sng" algn="ctr">
-                      <a:noFill/>
-                      <a:prstDash val="solid"/>
-                      <a:round/>
-                      <a:headEnd type="none" w="med" len="med"/>
-                      <a:tailEnd type="none" w="med" len="med"/>
-                    </a:lnT>
-                    <a:lnB w="3175" cap="flat" cmpd="sng" algn="ctr">
-                      <a:solidFill>
-                        <a:schemeClr val="bg1">
-                          <a:lumMod val="65000"/>
-                        </a:schemeClr>
-                      </a:solidFill>
-                      <a:prstDash val="solid"/>
-                      <a:round/>
-                      <a:headEnd type="none" w="med" len="med"/>
-                      <a:tailEnd type="none" w="med" len="med"/>
-                    </a:lnB>
-                    <a:solidFill>
-                      <a:schemeClr val="bg1"/>
-                    </a:solidFill>
-                  </a:tcPr>
-                </a:tc>
-                <a:tc hMerge="1">
-                  <a:txBody>
-                    <a:bodyPr/>
-                    <a:lstStyle/>
-                    <a:p>
-                      <a:pPr marL="0" marR="0" lvl="0" indent="0" algn="l" defTabSz="914400" rtl="0" eaLnBrk="1" fontAlgn="auto" latinLnBrk="1" hangingPunct="1">
-                        <a:lnSpc>
-                          <a:spcPct val="100000"/>
-                        </a:lnSpc>
-                        <a:spcBef>
-                          <a:spcPts val="0"/>
-                        </a:spcBef>
-                        <a:spcAft>
-                          <a:spcPts val="0"/>
-                        </a:spcAft>
-                        <a:buClrTx/>
-                        <a:buSzTx/>
-                        <a:buFontTx/>
-                        <a:buNone/>
-                        <a:tabLst/>
-                        <a:defRPr/>
-                      </a:pPr>
-                      <a:endParaRPr lang="en" altLang="ko-KR" sz="900" b="1" dirty="0">
-                        <a:solidFill>
-                          <a:srgbClr val="4E5263"/>
-                        </a:solidFill>
-                        <a:latin typeface="SF Pro Text" pitchFamily="2" charset="0"/>
-                        <a:ea typeface="SF Pro Text" pitchFamily="2" charset="0"/>
-                        <a:sym typeface="맑은 고딕"/>
-                      </a:endParaRPr>
-                    </a:p>
-                  </a:txBody>
-                  <a:tcPr anchor="ctr">
-                    <a:lnL w="3175" cap="flat" cmpd="sng" algn="ctr">
-                      <a:solidFill>
-                        <a:schemeClr val="tx1">
-                          <a:lumMod val="50000"/>
-                          <a:lumOff val="50000"/>
-                        </a:schemeClr>
-                      </a:solidFill>
-                      <a:prstDash val="solid"/>
-                      <a:round/>
-                      <a:headEnd type="none" w="med" len="med"/>
-                      <a:tailEnd type="none" w="med" len="med"/>
-                    </a:lnL>
-                    <a:lnR w="3175" cap="flat" cmpd="sng" algn="ctr">
-                      <a:noFill/>
-                      <a:prstDash val="solid"/>
-                      <a:round/>
-                      <a:headEnd type="none" w="med" len="med"/>
-                      <a:tailEnd type="none" w="med" len="med"/>
-                    </a:lnR>
-                    <a:lnT w="3175" cap="flat" cmpd="sng" algn="ctr">
-                      <a:noFill/>
-                      <a:prstDash val="solid"/>
-                      <a:round/>
-                      <a:headEnd type="none" w="med" len="med"/>
-                      <a:tailEnd type="none" w="med" len="med"/>
-                    </a:lnT>
-                    <a:lnB w="3175" cap="flat" cmpd="sng" algn="ctr">
-                      <a:solidFill>
-                        <a:schemeClr val="tx1">
-                          <a:lumMod val="50000"/>
-                          <a:lumOff val="50000"/>
-                        </a:schemeClr>
-                      </a:solidFill>
-                      <a:prstDash val="solid"/>
-                      <a:round/>
-                      <a:headEnd type="none" w="med" len="med"/>
-                      <a:tailEnd type="none" w="med" len="med"/>
-                    </a:lnB>
-                    <a:noFill/>
-                  </a:tcPr>
-                </a:tc>
-                <a:extLst>
-                  <a:ext uri="{0D108BD9-81ED-4DB2-BD59-A6C34878D82A}">
-                    <a16:rowId xmlns:a16="http://schemas.microsoft.com/office/drawing/2014/main" val="1283880267"/>
-                  </a:ext>
-                </a:extLst>
-              </a:tr>
-              <a:tr h="786307">
-                <a:tc gridSpan="2">
-                  <a:txBody>
-                    <a:bodyPr/>
-                    <a:lstStyle/>
-                    <a:p>
-                      <a:pPr marL="108000" marR="0" lvl="0" indent="-108000" algn="just" defTabSz="914400" rtl="0" eaLnBrk="1" fontAlgn="auto" latinLnBrk="1" hangingPunct="1">
-                        <a:lnSpc>
-                          <a:spcPct val="120000"/>
-                        </a:lnSpc>
-                        <a:spcBef>
-                          <a:spcPts val="0"/>
-                        </a:spcBef>
-                        <a:spcAft>
-                          <a:spcPts val="0"/>
-                        </a:spcAft>
-                        <a:buClrTx/>
-                        <a:buSzTx/>
-                        <a:buFont typeface="Arial" panose="020B0604020202020204" pitchFamily="34" charset="0"/>
-                        <a:buChar char="•"/>
-                        <a:tabLst/>
-                        <a:defRPr/>
-                      </a:pPr>
-                      <a:r>
-                        <a:rPr lang="en-US" altLang="ko-KR" sz="800" b="0" dirty="0">
-                          <a:solidFill>
-                            <a:schemeClr val="tx1"/>
-                          </a:solidFill>
-                          <a:latin typeface="+mn-ea"/>
-                          <a:ea typeface="+mn-ea"/>
-                          <a:sym typeface="맑은 고딕"/>
-                        </a:rPr>
-                        <a:t>5-2 </a:t>
-                      </a:r>
-                      <a:r>
-                        <a:rPr lang="ko-KR" altLang="en-US" sz="800" b="0" dirty="0">
-                          <a:solidFill>
-                            <a:schemeClr val="tx1"/>
-                          </a:solidFill>
-                          <a:latin typeface="+mn-ea"/>
-                          <a:ea typeface="+mn-ea"/>
-                          <a:sym typeface="맑은 고딕"/>
-                        </a:rPr>
-                        <a:t>페이지에서 입력한 정보를 바탕으로 해당 사용자의 임시 비밀번호를 보안상의 이유로 이메일로 전송합니다</a:t>
-                      </a:r>
-                      <a:r>
-                        <a:rPr lang="en-US" altLang="ko-KR" sz="800" b="0" dirty="0">
-                          <a:solidFill>
-                            <a:schemeClr val="tx1"/>
-                          </a:solidFill>
-                          <a:latin typeface="+mn-ea"/>
-                          <a:ea typeface="+mn-ea"/>
-                          <a:sym typeface="맑은 고딕"/>
-                        </a:rPr>
-                        <a:t>.</a:t>
-                      </a:r>
-                    </a:p>
-                  </a:txBody>
-                  <a:tcPr anchor="ctr">
-                    <a:lnL w="3175" cap="flat" cmpd="sng" algn="ctr">
-                      <a:noFill/>
-                      <a:prstDash val="solid"/>
-                      <a:round/>
-                      <a:headEnd type="none" w="med" len="med"/>
-                      <a:tailEnd type="none" w="med" len="med"/>
-                    </a:lnL>
-                    <a:lnR w="3175" cap="flat" cmpd="sng" algn="ctr">
-                      <a:noFill/>
-                      <a:prstDash val="solid"/>
-                      <a:round/>
-                      <a:headEnd type="none" w="med" len="med"/>
-                      <a:tailEnd type="none" w="med" len="med"/>
-                    </a:lnR>
-                    <a:lnT w="3175" cap="flat" cmpd="sng" algn="ctr">
-                      <a:solidFill>
-                        <a:schemeClr val="bg1">
-                          <a:lumMod val="65000"/>
-                        </a:schemeClr>
-                      </a:solidFill>
-                      <a:prstDash val="solid"/>
-                      <a:round/>
-                      <a:headEnd type="none" w="med" len="med"/>
-                      <a:tailEnd type="none" w="med" len="med"/>
-                    </a:lnT>
-                    <a:lnB w="3175" cap="flat" cmpd="sng" algn="ctr">
-                      <a:solidFill>
-                        <a:schemeClr val="tx1">
-                          <a:lumMod val="50000"/>
-                          <a:lumOff val="50000"/>
-                        </a:schemeClr>
-                      </a:solidFill>
-                      <a:prstDash val="solid"/>
-                      <a:round/>
-                      <a:headEnd type="none" w="med" len="med"/>
-                      <a:tailEnd type="none" w="med" len="med"/>
-                    </a:lnB>
-                    <a:noFill/>
-                  </a:tcPr>
-                </a:tc>
-                <a:tc hMerge="1">
-                  <a:txBody>
-                    <a:bodyPr/>
-                    <a:lstStyle/>
-                    <a:p>
-                      <a:pPr latinLnBrk="1"/>
-                      <a:endParaRPr lang="ko-KR" altLang="en-US"/>
-                    </a:p>
-                  </a:txBody>
-                  <a:tcPr/>
-                </a:tc>
-                <a:extLst>
-                  <a:ext uri="{0D108BD9-81ED-4DB2-BD59-A6C34878D82A}">
-                    <a16:rowId xmlns:a16="http://schemas.microsoft.com/office/drawing/2014/main" val="3072083066"/>
-                  </a:ext>
-                </a:extLst>
-              </a:tr>
-              <a:tr h="241592">
-                <a:tc>
-                  <a:txBody>
-                    <a:bodyPr/>
-                    <a:lstStyle/>
-                    <a:p>
-                      <a:pPr algn="ctr" latinLnBrk="1">
-                        <a:lnSpc>
-                          <a:spcPct val="120000"/>
-                        </a:lnSpc>
-                      </a:pPr>
-                      <a:r>
-                        <a:rPr lang="en-US" altLang="ko-KR" sz="850" b="0" dirty="0">
-                          <a:latin typeface="+mn-ea"/>
-                          <a:ea typeface="+mn-ea"/>
-                        </a:rPr>
-                        <a:t>1</a:t>
-                      </a:r>
-                      <a:endParaRPr lang="ko-KR" altLang="en-US" sz="850" b="0" dirty="0">
-                        <a:latin typeface="+mn-ea"/>
-                        <a:ea typeface="+mn-ea"/>
-                      </a:endParaRPr>
-                    </a:p>
-                  </a:txBody>
-                  <a:tcPr anchor="ctr">
-                    <a:lnL w="3175" cap="flat" cmpd="sng" algn="ctr">
-                      <a:noFill/>
-                      <a:prstDash val="solid"/>
-                      <a:round/>
-                      <a:headEnd type="none" w="med" len="med"/>
-                      <a:tailEnd type="none" w="med" len="med"/>
-                    </a:lnL>
-                    <a:lnR w="3175" cap="flat" cmpd="sng" algn="ctr">
-                      <a:solidFill>
-                        <a:schemeClr val="tx1">
-                          <a:lumMod val="50000"/>
-                          <a:lumOff val="50000"/>
-                        </a:schemeClr>
-                      </a:solidFill>
-                      <a:prstDash val="solid"/>
-                      <a:round/>
-                      <a:headEnd type="none" w="med" len="med"/>
-                      <a:tailEnd type="none" w="med" len="med"/>
-                    </a:lnR>
-                    <a:lnT w="3175" cap="flat" cmpd="sng" algn="ctr">
-                      <a:solidFill>
-                        <a:schemeClr val="tx1">
-                          <a:lumMod val="50000"/>
-                          <a:lumOff val="50000"/>
-                        </a:schemeClr>
-                      </a:solidFill>
-                      <a:prstDash val="solid"/>
-                      <a:round/>
-                      <a:headEnd type="none" w="med" len="med"/>
-                      <a:tailEnd type="none" w="med" len="med"/>
-                    </a:lnT>
-                    <a:lnB w="3175" cap="flat" cmpd="sng" algn="ctr">
-                      <a:solidFill>
-                        <a:schemeClr val="tx1">
-                          <a:lumMod val="50000"/>
-                          <a:lumOff val="50000"/>
-                        </a:schemeClr>
-                      </a:solidFill>
-                      <a:prstDash val="solid"/>
-                      <a:round/>
-                      <a:headEnd type="none" w="med" len="med"/>
-                      <a:tailEnd type="none" w="med" len="med"/>
-                    </a:lnB>
-                    <a:noFill/>
-                  </a:tcPr>
-                </a:tc>
-                <a:tc>
-                  <a:txBody>
-                    <a:bodyPr/>
-                    <a:lstStyle/>
-                    <a:p>
-                      <a:pPr marL="0" marR="0" lvl="0" indent="0" algn="just" defTabSz="914400" rtl="0" eaLnBrk="1" fontAlgn="auto" latinLnBrk="1" hangingPunct="1">
-                        <a:lnSpc>
-                          <a:spcPct val="120000"/>
-                        </a:lnSpc>
-                        <a:spcBef>
-                          <a:spcPts val="0"/>
-                        </a:spcBef>
-                        <a:spcAft>
-                          <a:spcPts val="0"/>
-                        </a:spcAft>
-                        <a:buClrTx/>
-                        <a:buSzTx/>
-                        <a:buFontTx/>
-                        <a:buNone/>
-                        <a:tabLst/>
-                        <a:defRPr/>
-                      </a:pPr>
-                      <a:r>
-                        <a:rPr kumimoji="1" lang="ko-KR" altLang="en-US" sz="850" dirty="0">
-                          <a:solidFill>
-                            <a:schemeClr val="tx1"/>
-                          </a:solidFill>
-                          <a:latin typeface="+mn-ea"/>
-                        </a:rPr>
-                        <a:t>클릭 시 로그인 됩니다</a:t>
-                      </a:r>
-                      <a:r>
-                        <a:rPr kumimoji="1" lang="en-US" altLang="ko-KR" sz="850" dirty="0">
-                          <a:solidFill>
-                            <a:schemeClr val="tx1"/>
-                          </a:solidFill>
-                          <a:latin typeface="+mn-ea"/>
-                        </a:rPr>
-                        <a:t>.</a:t>
-                      </a:r>
-                      <a:endParaRPr lang="ko-KR" altLang="en-US" sz="850" b="0" dirty="0">
-                        <a:latin typeface="+mn-ea"/>
-                        <a:ea typeface="+mn-ea"/>
-                      </a:endParaRPr>
-                    </a:p>
-                  </a:txBody>
-                  <a:tcPr anchor="ctr">
-                    <a:lnL w="3175" cap="flat" cmpd="sng" algn="ctr">
-                      <a:solidFill>
-                        <a:schemeClr val="tx1">
-                          <a:lumMod val="50000"/>
-                          <a:lumOff val="50000"/>
-                        </a:schemeClr>
-                      </a:solidFill>
-                      <a:prstDash val="solid"/>
-                      <a:round/>
-                      <a:headEnd type="none" w="med" len="med"/>
-                      <a:tailEnd type="none" w="med" len="med"/>
-                    </a:lnL>
-                    <a:lnR w="3175" cap="flat" cmpd="sng" algn="ctr">
-                      <a:noFill/>
-                      <a:prstDash val="solid"/>
-                      <a:round/>
-                      <a:headEnd type="none" w="med" len="med"/>
-                      <a:tailEnd type="none" w="med" len="med"/>
-                    </a:lnR>
-                    <a:lnT w="3175" cap="flat" cmpd="sng" algn="ctr">
-                      <a:solidFill>
-                        <a:schemeClr val="tx1">
-                          <a:lumMod val="50000"/>
-                          <a:lumOff val="50000"/>
-                        </a:schemeClr>
-                      </a:solidFill>
-                      <a:prstDash val="solid"/>
-                      <a:round/>
-                      <a:headEnd type="none" w="med" len="med"/>
-                      <a:tailEnd type="none" w="med" len="med"/>
-                    </a:lnT>
-                    <a:lnB w="3175" cap="flat" cmpd="sng" algn="ctr">
-                      <a:solidFill>
-                        <a:schemeClr val="tx1">
-                          <a:lumMod val="50000"/>
-                          <a:lumOff val="50000"/>
-                        </a:schemeClr>
-                      </a:solidFill>
-                      <a:prstDash val="solid"/>
-                      <a:round/>
-                      <a:headEnd type="none" w="med" len="med"/>
-                      <a:tailEnd type="none" w="med" len="med"/>
-                    </a:lnB>
-                    <a:noFill/>
-                  </a:tcPr>
-                </a:tc>
-                <a:extLst>
-                  <a:ext uri="{0D108BD9-81ED-4DB2-BD59-A6C34878D82A}">
-                    <a16:rowId xmlns:a16="http://schemas.microsoft.com/office/drawing/2014/main" val="2972133637"/>
-                  </a:ext>
-                </a:extLst>
-              </a:tr>
-            </a:tbl>
-          </a:graphicData>
-        </a:graphic>
-      </p:graphicFrame>
-      <p:sp>
-        <p:nvSpPr>
-          <p:cNvPr id="8" name="TextBox 7">
-            <a:extLst>
-              <a:ext uri="{FF2B5EF4-FFF2-40B4-BE49-F238E27FC236}">
-                <a16:creationId xmlns:a16="http://schemas.microsoft.com/office/drawing/2014/main" id="{DDF58C48-5157-4FFA-B714-C02B198B9885}"/>
-              </a:ext>
-            </a:extLst>
-          </p:cNvPr>
-          <p:cNvSpPr txBox="1"/>
-          <p:nvPr/>
-        </p:nvSpPr>
-        <p:spPr>
-          <a:xfrm>
-            <a:off x="11780252" y="106980"/>
-            <a:ext cx="360996" cy="230832"/>
-          </a:xfrm>
-          <a:prstGeom prst="rect">
-            <a:avLst/>
-          </a:prstGeom>
-          <a:noFill/>
-        </p:spPr>
-        <p:txBody>
-          <a:bodyPr wrap="none" rtlCol="0">
-            <a:spAutoFit/>
-          </a:bodyPr>
-          <a:lstStyle/>
-          <a:p>
-            <a:r>
-              <a:rPr lang="en-US" altLang="ko-KR" sz="900" dirty="0"/>
-              <a:t>5-4</a:t>
-            </a:r>
-          </a:p>
-        </p:txBody>
-      </p:sp>
-      <p:sp>
-        <p:nvSpPr>
-          <p:cNvPr id="25" name="타원 24">
-            <a:extLst>
-              <a:ext uri="{FF2B5EF4-FFF2-40B4-BE49-F238E27FC236}">
-                <a16:creationId xmlns:a16="http://schemas.microsoft.com/office/drawing/2014/main" id="{390D51B2-A77D-48BB-9FDB-B3A961816211}"/>
-              </a:ext>
-            </a:extLst>
-          </p:cNvPr>
-          <p:cNvSpPr/>
-          <p:nvPr/>
-        </p:nvSpPr>
-        <p:spPr>
-          <a:xfrm>
-            <a:off x="4164788" y="5085184"/>
-            <a:ext cx="360040" cy="360040"/>
-          </a:xfrm>
-          <a:prstGeom prst="ellipse">
-            <a:avLst/>
-          </a:prstGeom>
-          <a:solidFill>
-            <a:schemeClr val="accent2">
-              <a:lumMod val="40000"/>
-              <a:lumOff val="60000"/>
-            </a:schemeClr>
-          </a:solidFill>
-          <a:ln w="38100">
-            <a:solidFill>
-              <a:srgbClr val="CF4352"/>
-            </a:solidFill>
-          </a:ln>
-        </p:spPr>
-        <p:style>
-          <a:lnRef idx="2">
-            <a:schemeClr val="accent1">
-              <a:shade val="50000"/>
-            </a:schemeClr>
-          </a:lnRef>
-          <a:fillRef idx="1">
-            <a:schemeClr val="accent1"/>
-          </a:fillRef>
-          <a:effectRef idx="0">
-            <a:schemeClr val="accent1"/>
-          </a:effectRef>
-          <a:fontRef idx="minor">
-            <a:schemeClr val="lt1"/>
-          </a:fontRef>
-        </p:style>
-        <p:txBody>
-          <a:bodyPr rtlCol="0" anchor="ctr"/>
-          <a:lstStyle/>
-          <a:p>
-            <a:pPr algn="ctr"/>
-            <a:r>
-              <a:rPr lang="en-US" altLang="ko-KR" dirty="0">
-                <a:solidFill>
-                  <a:schemeClr val="tx1"/>
-                </a:solidFill>
-              </a:rPr>
-              <a:t>1</a:t>
-            </a:r>
-            <a:endParaRPr lang="ko-KR" altLang="en-US" dirty="0">
-              <a:solidFill>
-                <a:schemeClr val="tx1"/>
-              </a:solidFill>
-            </a:endParaRPr>
-          </a:p>
-        </p:txBody>
-      </p:sp>
-    </p:spTree>
-    <p:extLst>
-      <p:ext uri="{BB962C8B-B14F-4D97-AF65-F5344CB8AC3E}">
-        <p14:creationId xmlns:p14="http://schemas.microsoft.com/office/powerpoint/2010/main" val="19259351"/>
-      </p:ext>
-    </p:extLst>
-  </p:cSld>
-  <p:clrMapOvr>
-    <a:masterClrMapping/>
-  </p:clrMapOvr>
-</p:sld>
-</file>
-
 <file path=ppt/slides/slide2.xml><?xml version="1.0" encoding="utf-8"?>
 <p:sld xmlns:a="http://schemas.openxmlformats.org/drawingml/2006/main" xmlns:r="http://schemas.openxmlformats.org/officeDocument/2006/relationships" xmlns:p="http://schemas.openxmlformats.org/presentationml/2006/main">
   <p:cSld>
@@ -11739,7 +11142,7 @@
           <p:nvPr>
             <p:extLst>
               <p:ext uri="{D42A27DB-BD31-4B8C-83A1-F6EECF244321}">
-                <p14:modId xmlns:p14="http://schemas.microsoft.com/office/powerpoint/2010/main" val="1805400535"/>
+                <p14:modId xmlns:p14="http://schemas.microsoft.com/office/powerpoint/2010/main" val="3341480176"/>
               </p:ext>
             </p:extLst>
           </p:nvPr>
@@ -13962,18 +13365,15 @@
                           <a:latin typeface="+mn-ea"/>
                           <a:ea typeface="+mn-ea"/>
                         </a:rPr>
-                        <a:t>범위 내 주요 기능 및 서비스의 내용을 요약 정리합니다</a:t>
+                        <a:t>회원가입 및 로그인</a:t>
                       </a:r>
-                      <a:r>
-                        <a:rPr lang="en-US" altLang="ko-KR" sz="900" dirty="0">
-                          <a:solidFill>
-                            <a:schemeClr val="tx1"/>
-                          </a:solidFill>
-                          <a:latin typeface="+mn-ea"/>
-                          <a:ea typeface="+mn-ea"/>
-                        </a:rPr>
-                        <a:t>.</a:t>
-                      </a:r>
+                      <a:endParaRPr lang="en-US" altLang="ko-KR" sz="900" dirty="0">
+                        <a:solidFill>
+                          <a:schemeClr val="tx1"/>
+                        </a:solidFill>
+                        <a:latin typeface="+mn-ea"/>
+                        <a:ea typeface="+mn-ea"/>
+                      </a:endParaRPr>
                     </a:p>
                   </a:txBody>
                   <a:tcPr anchor="ctr">
@@ -14414,16 +13814,6 @@
                         <a:buChar char="•"/>
                       </a:pPr>
                       <a:r>
-                        <a:rPr lang="ko-KR" altLang="en-US" sz="900" dirty="0">
-                          <a:solidFill>
-                            <a:schemeClr val="tx1"/>
-                          </a:solidFill>
-                          <a:latin typeface="+mn-ea"/>
-                          <a:ea typeface="+mn-ea"/>
-                        </a:rPr>
-                        <a:t>서비스 구현에 사용된 </a:t>
-                      </a:r>
-                      <a:r>
                         <a:rPr lang="en-US" altLang="ko-KR" sz="900" dirty="0">
                           <a:solidFill>
                             <a:schemeClr val="tx1"/>
@@ -14431,47 +13821,7 @@
                           <a:latin typeface="+mn-ea"/>
                           <a:ea typeface="+mn-ea"/>
                         </a:rPr>
-                        <a:t>IDE </a:t>
-                      </a:r>
-                      <a:r>
-                        <a:rPr lang="ko-KR" altLang="en-US" sz="900" dirty="0">
-                          <a:solidFill>
-                            <a:schemeClr val="tx1"/>
-                          </a:solidFill>
-                          <a:latin typeface="+mn-ea"/>
-                          <a:ea typeface="+mn-ea"/>
-                        </a:rPr>
-                        <a:t>및 </a:t>
-                      </a:r>
-                      <a:r>
-                        <a:rPr lang="en-US" altLang="ko-KR" sz="900" dirty="0">
-                          <a:solidFill>
-                            <a:schemeClr val="tx1"/>
-                          </a:solidFill>
-                          <a:latin typeface="+mn-ea"/>
-                          <a:ea typeface="+mn-ea"/>
-                        </a:rPr>
-                        <a:t>API</a:t>
-                      </a:r>
-                      <a:r>
-                        <a:rPr lang="ko-KR" altLang="en-US" sz="900" dirty="0">
-                          <a:solidFill>
-                            <a:schemeClr val="tx1"/>
-                          </a:solidFill>
-                          <a:latin typeface="+mn-ea"/>
-                          <a:ea typeface="+mn-ea"/>
-                        </a:rPr>
-                        <a:t>를 기록합니다</a:t>
-                      </a:r>
-                      <a:r>
-                        <a:rPr lang="en-US" altLang="ko-KR" sz="900" dirty="0">
-                          <a:solidFill>
-                            <a:schemeClr val="tx1"/>
-                          </a:solidFill>
-                          <a:latin typeface="+mn-ea"/>
-                          <a:ea typeface="+mn-ea"/>
-                        </a:rPr>
-                        <a:t>.</a:t>
+                        <a:t>Tomcat 8.5, JDK8, Eclipse photon</a:t>
                       </a:r>
                     </a:p>
                   </a:txBody>
@@ -32781,6 +32131,1713 @@
     <p:extLst>
       <p:ext uri="{BB962C8B-B14F-4D97-AF65-F5344CB8AC3E}">
         <p14:creationId xmlns:p14="http://schemas.microsoft.com/office/powerpoint/2010/main" val="3982823181"/>
+      </p:ext>
+    </p:extLst>
+  </p:cSld>
+  <p:clrMapOvr>
+    <a:masterClrMapping/>
+  </p:clrMapOvr>
+</p:sld>
+</file>
+
+<file path=ppt/slides/slide20.xml><?xml version="1.0" encoding="utf-8"?>
+<p:sld xmlns:a="http://schemas.openxmlformats.org/drawingml/2006/main" xmlns:r="http://schemas.openxmlformats.org/officeDocument/2006/relationships" xmlns:p="http://schemas.openxmlformats.org/presentationml/2006/main">
+  <p:cSld>
+    <p:spTree>
+      <p:nvGrpSpPr>
+        <p:cNvPr id="1" name=""/>
+        <p:cNvGrpSpPr/>
+        <p:nvPr/>
+      </p:nvGrpSpPr>
+      <p:grpSpPr>
+        <a:xfrm>
+          <a:off x="0" y="0"/>
+          <a:ext cx="0" cy="0"/>
+          <a:chOff x="0" y="0"/>
+          <a:chExt cx="0" cy="0"/>
+        </a:xfrm>
+      </p:grpSpPr>
+      <p:pic>
+        <p:nvPicPr>
+          <p:cNvPr id="10" name="그림 9">
+            <a:extLst>
+              <a:ext uri="{FF2B5EF4-FFF2-40B4-BE49-F238E27FC236}">
+                <a16:creationId xmlns:a16="http://schemas.microsoft.com/office/drawing/2014/main" id="{F8AEBE39-006E-43EF-A7DC-95A46B0B3E4F}"/>
+              </a:ext>
+            </a:extLst>
+          </p:cNvPr>
+          <p:cNvPicPr>
+            <a:picLocks noChangeAspect="1"/>
+          </p:cNvPicPr>
+          <p:nvPr/>
+        </p:nvPicPr>
+        <p:blipFill rotWithShape="1">
+          <a:blip r:embed="rId2"/>
+          <a:srcRect l="-1" t="10101" r="766"/>
+          <a:stretch/>
+        </p:blipFill>
+        <p:spPr>
+          <a:xfrm>
+            <a:off x="280746" y="1052736"/>
+            <a:ext cx="8191518" cy="5193638"/>
+          </a:xfrm>
+          <a:prstGeom prst="rect">
+            <a:avLst/>
+          </a:prstGeom>
+        </p:spPr>
+      </p:pic>
+      <p:sp>
+        <p:nvSpPr>
+          <p:cNvPr id="4" name="텍스트 개체 틀 3">
+            <a:extLst>
+              <a:ext uri="{FF2B5EF4-FFF2-40B4-BE49-F238E27FC236}">
+                <a16:creationId xmlns:a16="http://schemas.microsoft.com/office/drawing/2014/main" id="{32E285E0-25D1-4806-B9DF-3590BD92D435}"/>
+              </a:ext>
+            </a:extLst>
+          </p:cNvPr>
+          <p:cNvSpPr>
+            <a:spLocks noGrp="1"/>
+          </p:cNvSpPr>
+          <p:nvPr>
+            <p:ph type="body" sz="quarter" idx="10"/>
+          </p:nvPr>
+        </p:nvSpPr>
+        <p:spPr/>
+        <p:txBody>
+          <a:bodyPr/>
+          <a:lstStyle/>
+          <a:p>
+            <a:r>
+              <a:rPr lang="en-US" altLang="ko-KR" dirty="0"/>
+              <a:t>findId_p.html</a:t>
+            </a:r>
+            <a:endParaRPr lang="ko-KR" altLang="en-US" dirty="0"/>
+          </a:p>
+        </p:txBody>
+      </p:sp>
+      <p:sp>
+        <p:nvSpPr>
+          <p:cNvPr id="5" name="텍스트 개체 틀 4">
+            <a:extLst>
+              <a:ext uri="{FF2B5EF4-FFF2-40B4-BE49-F238E27FC236}">
+                <a16:creationId xmlns:a16="http://schemas.microsoft.com/office/drawing/2014/main" id="{181CE6EC-43A5-4409-9C12-1C3782E8CB22}"/>
+              </a:ext>
+            </a:extLst>
+          </p:cNvPr>
+          <p:cNvSpPr>
+            <a:spLocks noGrp="1"/>
+          </p:cNvSpPr>
+          <p:nvPr>
+            <p:ph type="body" sz="quarter" idx="11"/>
+          </p:nvPr>
+        </p:nvSpPr>
+        <p:spPr/>
+        <p:txBody>
+          <a:bodyPr/>
+          <a:lstStyle/>
+          <a:p>
+            <a:r>
+              <a:rPr lang="ko-KR" altLang="en-US" dirty="0"/>
+              <a:t>회원 계정 찾기</a:t>
+            </a:r>
+          </a:p>
+        </p:txBody>
+      </p:sp>
+      <p:graphicFrame>
+        <p:nvGraphicFramePr>
+          <p:cNvPr id="7" name="표 6">
+            <a:extLst>
+              <a:ext uri="{FF2B5EF4-FFF2-40B4-BE49-F238E27FC236}">
+                <a16:creationId xmlns:a16="http://schemas.microsoft.com/office/drawing/2014/main" id="{EE672C9C-2796-4CD4-B138-FB14ECB9EFA6}"/>
+              </a:ext>
+            </a:extLst>
+          </p:cNvPr>
+          <p:cNvGraphicFramePr>
+            <a:graphicFrameLocks noGrp="1"/>
+          </p:cNvGraphicFramePr>
+          <p:nvPr>
+            <p:extLst>
+              <p:ext uri="{D42A27DB-BD31-4B8C-83A1-F6EECF244321}">
+                <p14:modId xmlns:p14="http://schemas.microsoft.com/office/powerpoint/2010/main" val="2952936841"/>
+              </p:ext>
+            </p:extLst>
+          </p:nvPr>
+        </p:nvGraphicFramePr>
+        <p:xfrm>
+          <a:off x="8688288" y="476672"/>
+          <a:ext cx="3384376" cy="1673782"/>
+        </p:xfrm>
+        <a:graphic>
+          <a:graphicData uri="http://schemas.openxmlformats.org/drawingml/2006/table">
+            <a:tbl>
+              <a:tblPr firstRow="1" bandRow="1">
+                <a:tableStyleId>{5C22544A-7EE6-4342-B048-85BDC9FD1C3A}</a:tableStyleId>
+              </a:tblPr>
+              <a:tblGrid>
+                <a:gridCol w="403256">
+                  <a:extLst>
+                    <a:ext uri="{9D8B030D-6E8A-4147-A177-3AD203B41FA5}">
+                      <a16:colId xmlns:a16="http://schemas.microsoft.com/office/drawing/2014/main" val="74772085"/>
+                    </a:ext>
+                  </a:extLst>
+                </a:gridCol>
+                <a:gridCol w="2981120">
+                  <a:extLst>
+                    <a:ext uri="{9D8B030D-6E8A-4147-A177-3AD203B41FA5}">
+                      <a16:colId xmlns:a16="http://schemas.microsoft.com/office/drawing/2014/main" val="2572474025"/>
+                    </a:ext>
+                  </a:extLst>
+                </a:gridCol>
+              </a:tblGrid>
+              <a:tr h="258850">
+                <a:tc gridSpan="2">
+                  <a:txBody>
+                    <a:bodyPr/>
+                    <a:lstStyle/>
+                    <a:p>
+                      <a:pPr marL="0" marR="0" lvl="0" indent="0" algn="l" defTabSz="914400" rtl="0" eaLnBrk="1" fontAlgn="auto" latinLnBrk="1" hangingPunct="1">
+                        <a:lnSpc>
+                          <a:spcPct val="100000"/>
+                        </a:lnSpc>
+                        <a:spcBef>
+                          <a:spcPts val="0"/>
+                        </a:spcBef>
+                        <a:spcAft>
+                          <a:spcPts val="0"/>
+                        </a:spcAft>
+                        <a:buClrTx/>
+                        <a:buSzTx/>
+                        <a:buFontTx/>
+                        <a:buNone/>
+                        <a:tabLst/>
+                        <a:defRPr/>
+                      </a:pPr>
+                      <a:r>
+                        <a:rPr lang="en-US" altLang="ko-KR" sz="900" b="1" dirty="0">
+                          <a:solidFill>
+                            <a:srgbClr val="4E5263"/>
+                          </a:solidFill>
+                          <a:latin typeface="+mn-ea"/>
+                          <a:ea typeface="+mn-ea"/>
+                          <a:sym typeface="맑은 고딕"/>
+                        </a:rPr>
+                        <a:t>Summery. </a:t>
+                      </a:r>
+                      <a:r>
+                        <a:rPr lang="ko-KR" altLang="en-US" sz="900" b="1" dirty="0">
+                          <a:solidFill>
+                            <a:srgbClr val="4E5263"/>
+                          </a:solidFill>
+                          <a:latin typeface="+mn-ea"/>
+                          <a:ea typeface="+mn-ea"/>
+                          <a:sym typeface="맑은 고딕"/>
+                        </a:rPr>
+                        <a:t>사용자의 아이디 출력</a:t>
+                      </a:r>
+                      <a:endParaRPr lang="en" altLang="ko-KR" sz="900" b="1" dirty="0">
+                        <a:solidFill>
+                          <a:srgbClr val="4E5263"/>
+                        </a:solidFill>
+                        <a:latin typeface="+mn-ea"/>
+                        <a:ea typeface="+mn-ea"/>
+                        <a:sym typeface="맑은 고딕"/>
+                      </a:endParaRPr>
+                    </a:p>
+                  </a:txBody>
+                  <a:tcPr anchor="ctr">
+                    <a:lnL w="3175" cap="flat" cmpd="sng" algn="ctr">
+                      <a:noFill/>
+                      <a:prstDash val="solid"/>
+                      <a:round/>
+                      <a:headEnd type="none" w="med" len="med"/>
+                      <a:tailEnd type="none" w="med" len="med"/>
+                    </a:lnL>
+                    <a:lnR w="3175" cap="flat" cmpd="sng" algn="ctr">
+                      <a:noFill/>
+                      <a:prstDash val="solid"/>
+                      <a:round/>
+                      <a:headEnd type="none" w="med" len="med"/>
+                      <a:tailEnd type="none" w="med" len="med"/>
+                    </a:lnR>
+                    <a:lnT w="3175" cap="flat" cmpd="sng" algn="ctr">
+                      <a:noFill/>
+                      <a:prstDash val="solid"/>
+                      <a:round/>
+                      <a:headEnd type="none" w="med" len="med"/>
+                      <a:tailEnd type="none" w="med" len="med"/>
+                    </a:lnT>
+                    <a:lnB w="3175" cap="flat" cmpd="sng" algn="ctr">
+                      <a:solidFill>
+                        <a:schemeClr val="bg1">
+                          <a:lumMod val="65000"/>
+                        </a:schemeClr>
+                      </a:solidFill>
+                      <a:prstDash val="solid"/>
+                      <a:round/>
+                      <a:headEnd type="none" w="med" len="med"/>
+                      <a:tailEnd type="none" w="med" len="med"/>
+                    </a:lnB>
+                    <a:solidFill>
+                      <a:schemeClr val="bg1"/>
+                    </a:solidFill>
+                  </a:tcPr>
+                </a:tc>
+                <a:tc hMerge="1">
+                  <a:txBody>
+                    <a:bodyPr/>
+                    <a:lstStyle/>
+                    <a:p>
+                      <a:pPr marL="0" marR="0" lvl="0" indent="0" algn="l" defTabSz="914400" rtl="0" eaLnBrk="1" fontAlgn="auto" latinLnBrk="1" hangingPunct="1">
+                        <a:lnSpc>
+                          <a:spcPct val="100000"/>
+                        </a:lnSpc>
+                        <a:spcBef>
+                          <a:spcPts val="0"/>
+                        </a:spcBef>
+                        <a:spcAft>
+                          <a:spcPts val="0"/>
+                        </a:spcAft>
+                        <a:buClrTx/>
+                        <a:buSzTx/>
+                        <a:buFontTx/>
+                        <a:buNone/>
+                        <a:tabLst/>
+                        <a:defRPr/>
+                      </a:pPr>
+                      <a:endParaRPr lang="en" altLang="ko-KR" sz="900" b="1" dirty="0">
+                        <a:solidFill>
+                          <a:srgbClr val="4E5263"/>
+                        </a:solidFill>
+                        <a:latin typeface="SF Pro Text" pitchFamily="2" charset="0"/>
+                        <a:ea typeface="SF Pro Text" pitchFamily="2" charset="0"/>
+                        <a:sym typeface="맑은 고딕"/>
+                      </a:endParaRPr>
+                    </a:p>
+                  </a:txBody>
+                  <a:tcPr anchor="ctr">
+                    <a:lnL w="3175" cap="flat" cmpd="sng" algn="ctr">
+                      <a:solidFill>
+                        <a:schemeClr val="tx1">
+                          <a:lumMod val="50000"/>
+                          <a:lumOff val="50000"/>
+                        </a:schemeClr>
+                      </a:solidFill>
+                      <a:prstDash val="solid"/>
+                      <a:round/>
+                      <a:headEnd type="none" w="med" len="med"/>
+                      <a:tailEnd type="none" w="med" len="med"/>
+                    </a:lnL>
+                    <a:lnR w="3175" cap="flat" cmpd="sng" algn="ctr">
+                      <a:noFill/>
+                      <a:prstDash val="solid"/>
+                      <a:round/>
+                      <a:headEnd type="none" w="med" len="med"/>
+                      <a:tailEnd type="none" w="med" len="med"/>
+                    </a:lnR>
+                    <a:lnT w="3175" cap="flat" cmpd="sng" algn="ctr">
+                      <a:noFill/>
+                      <a:prstDash val="solid"/>
+                      <a:round/>
+                      <a:headEnd type="none" w="med" len="med"/>
+                      <a:tailEnd type="none" w="med" len="med"/>
+                    </a:lnT>
+                    <a:lnB w="3175" cap="flat" cmpd="sng" algn="ctr">
+                      <a:solidFill>
+                        <a:schemeClr val="tx1">
+                          <a:lumMod val="50000"/>
+                          <a:lumOff val="50000"/>
+                        </a:schemeClr>
+                      </a:solidFill>
+                      <a:prstDash val="solid"/>
+                      <a:round/>
+                      <a:headEnd type="none" w="med" len="med"/>
+                      <a:tailEnd type="none" w="med" len="med"/>
+                    </a:lnB>
+                    <a:noFill/>
+                  </a:tcPr>
+                </a:tc>
+                <a:extLst>
+                  <a:ext uri="{0D108BD9-81ED-4DB2-BD59-A6C34878D82A}">
+                    <a16:rowId xmlns:a16="http://schemas.microsoft.com/office/drawing/2014/main" val="1283880267"/>
+                  </a:ext>
+                </a:extLst>
+              </a:tr>
+              <a:tr h="786307">
+                <a:tc gridSpan="2">
+                  <a:txBody>
+                    <a:bodyPr/>
+                    <a:lstStyle/>
+                    <a:p>
+                      <a:pPr marL="108000" marR="0" lvl="0" indent="-108000" algn="just" defTabSz="914400" rtl="0" eaLnBrk="1" fontAlgn="auto" latinLnBrk="1" hangingPunct="1">
+                        <a:lnSpc>
+                          <a:spcPct val="120000"/>
+                        </a:lnSpc>
+                        <a:spcBef>
+                          <a:spcPts val="0"/>
+                        </a:spcBef>
+                        <a:spcAft>
+                          <a:spcPts val="0"/>
+                        </a:spcAft>
+                        <a:buClrTx/>
+                        <a:buSzTx/>
+                        <a:buFont typeface="Arial" panose="020B0604020202020204" pitchFamily="34" charset="0"/>
+                        <a:buChar char="•"/>
+                        <a:tabLst/>
+                        <a:defRPr/>
+                      </a:pPr>
+                      <a:r>
+                        <a:rPr lang="en-US" altLang="ko-KR" sz="800" b="0" dirty="0">
+                          <a:solidFill>
+                            <a:schemeClr val="tx1"/>
+                          </a:solidFill>
+                          <a:latin typeface="+mn-ea"/>
+                          <a:ea typeface="+mn-ea"/>
+                          <a:sym typeface="맑은 고딕"/>
+                        </a:rPr>
+                        <a:t>6-1 </a:t>
+                      </a:r>
+                      <a:r>
+                        <a:rPr lang="ko-KR" altLang="en-US" sz="800" b="0" dirty="0">
+                          <a:solidFill>
+                            <a:schemeClr val="tx1"/>
+                          </a:solidFill>
+                          <a:latin typeface="+mn-ea"/>
+                          <a:ea typeface="+mn-ea"/>
+                          <a:sym typeface="맑은 고딕"/>
+                        </a:rPr>
+                        <a:t>페이지에서 입력한 정보를 바탕으로 해당 사용자의 아이디를 출력합니다</a:t>
+                      </a:r>
+                      <a:r>
+                        <a:rPr lang="en-US" altLang="ko-KR" sz="800" b="0" dirty="0">
+                          <a:solidFill>
+                            <a:schemeClr val="tx1"/>
+                          </a:solidFill>
+                          <a:latin typeface="+mn-ea"/>
+                          <a:ea typeface="+mn-ea"/>
+                          <a:sym typeface="맑은 고딕"/>
+                        </a:rPr>
+                        <a:t>.</a:t>
+                      </a:r>
+                    </a:p>
+                  </a:txBody>
+                  <a:tcPr anchor="ctr">
+                    <a:lnL w="3175" cap="flat" cmpd="sng" algn="ctr">
+                      <a:noFill/>
+                      <a:prstDash val="solid"/>
+                      <a:round/>
+                      <a:headEnd type="none" w="med" len="med"/>
+                      <a:tailEnd type="none" w="med" len="med"/>
+                    </a:lnL>
+                    <a:lnR w="3175" cap="flat" cmpd="sng" algn="ctr">
+                      <a:noFill/>
+                      <a:prstDash val="solid"/>
+                      <a:round/>
+                      <a:headEnd type="none" w="med" len="med"/>
+                      <a:tailEnd type="none" w="med" len="med"/>
+                    </a:lnR>
+                    <a:lnT w="3175" cap="flat" cmpd="sng" algn="ctr">
+                      <a:solidFill>
+                        <a:schemeClr val="bg1">
+                          <a:lumMod val="65000"/>
+                        </a:schemeClr>
+                      </a:solidFill>
+                      <a:prstDash val="solid"/>
+                      <a:round/>
+                      <a:headEnd type="none" w="med" len="med"/>
+                      <a:tailEnd type="none" w="med" len="med"/>
+                    </a:lnT>
+                    <a:lnB w="3175" cap="flat" cmpd="sng" algn="ctr">
+                      <a:solidFill>
+                        <a:schemeClr val="tx1">
+                          <a:lumMod val="50000"/>
+                          <a:lumOff val="50000"/>
+                        </a:schemeClr>
+                      </a:solidFill>
+                      <a:prstDash val="solid"/>
+                      <a:round/>
+                      <a:headEnd type="none" w="med" len="med"/>
+                      <a:tailEnd type="none" w="med" len="med"/>
+                    </a:lnB>
+                    <a:noFill/>
+                  </a:tcPr>
+                </a:tc>
+                <a:tc hMerge="1">
+                  <a:txBody>
+                    <a:bodyPr/>
+                    <a:lstStyle/>
+                    <a:p>
+                      <a:pPr latinLnBrk="1"/>
+                      <a:endParaRPr lang="ko-KR" altLang="en-US"/>
+                    </a:p>
+                  </a:txBody>
+                  <a:tcPr/>
+                </a:tc>
+                <a:extLst>
+                  <a:ext uri="{0D108BD9-81ED-4DB2-BD59-A6C34878D82A}">
+                    <a16:rowId xmlns:a16="http://schemas.microsoft.com/office/drawing/2014/main" val="3072083066"/>
+                  </a:ext>
+                </a:extLst>
+              </a:tr>
+              <a:tr h="241592">
+                <a:tc>
+                  <a:txBody>
+                    <a:bodyPr/>
+                    <a:lstStyle/>
+                    <a:p>
+                      <a:pPr algn="ctr" latinLnBrk="1">
+                        <a:lnSpc>
+                          <a:spcPct val="120000"/>
+                        </a:lnSpc>
+                      </a:pPr>
+                      <a:r>
+                        <a:rPr lang="en-US" altLang="ko-KR" sz="850" b="0" dirty="0">
+                          <a:latin typeface="+mn-ea"/>
+                          <a:ea typeface="+mn-ea"/>
+                        </a:rPr>
+                        <a:t>1</a:t>
+                      </a:r>
+                      <a:endParaRPr lang="ko-KR" altLang="en-US" sz="850" b="0" dirty="0">
+                        <a:latin typeface="+mn-ea"/>
+                        <a:ea typeface="+mn-ea"/>
+                      </a:endParaRPr>
+                    </a:p>
+                  </a:txBody>
+                  <a:tcPr anchor="ctr">
+                    <a:lnL w="3175" cap="flat" cmpd="sng" algn="ctr">
+                      <a:noFill/>
+                      <a:prstDash val="solid"/>
+                      <a:round/>
+                      <a:headEnd type="none" w="med" len="med"/>
+                      <a:tailEnd type="none" w="med" len="med"/>
+                    </a:lnL>
+                    <a:lnR w="3175" cap="flat" cmpd="sng" algn="ctr">
+                      <a:solidFill>
+                        <a:schemeClr val="tx1">
+                          <a:lumMod val="50000"/>
+                          <a:lumOff val="50000"/>
+                        </a:schemeClr>
+                      </a:solidFill>
+                      <a:prstDash val="solid"/>
+                      <a:round/>
+                      <a:headEnd type="none" w="med" len="med"/>
+                      <a:tailEnd type="none" w="med" len="med"/>
+                    </a:lnR>
+                    <a:lnT w="3175" cap="flat" cmpd="sng" algn="ctr">
+                      <a:solidFill>
+                        <a:schemeClr val="tx1">
+                          <a:lumMod val="50000"/>
+                          <a:lumOff val="50000"/>
+                        </a:schemeClr>
+                      </a:solidFill>
+                      <a:prstDash val="solid"/>
+                      <a:round/>
+                      <a:headEnd type="none" w="med" len="med"/>
+                      <a:tailEnd type="none" w="med" len="med"/>
+                    </a:lnT>
+                    <a:lnB w="3175" cap="flat" cmpd="sng" algn="ctr">
+                      <a:solidFill>
+                        <a:schemeClr val="tx1">
+                          <a:lumMod val="50000"/>
+                          <a:lumOff val="50000"/>
+                        </a:schemeClr>
+                      </a:solidFill>
+                      <a:prstDash val="solid"/>
+                      <a:round/>
+                      <a:headEnd type="none" w="med" len="med"/>
+                      <a:tailEnd type="none" w="med" len="med"/>
+                    </a:lnB>
+                    <a:noFill/>
+                  </a:tcPr>
+                </a:tc>
+                <a:tc>
+                  <a:txBody>
+                    <a:bodyPr/>
+                    <a:lstStyle/>
+                    <a:p>
+                      <a:pPr marL="0" marR="0" lvl="0" indent="0" algn="just" defTabSz="914400" rtl="0" eaLnBrk="1" fontAlgn="auto" latinLnBrk="1" hangingPunct="1">
+                        <a:lnSpc>
+                          <a:spcPct val="120000"/>
+                        </a:lnSpc>
+                        <a:spcBef>
+                          <a:spcPts val="0"/>
+                        </a:spcBef>
+                        <a:spcAft>
+                          <a:spcPts val="0"/>
+                        </a:spcAft>
+                        <a:buClrTx/>
+                        <a:buSzTx/>
+                        <a:buFontTx/>
+                        <a:buNone/>
+                        <a:tabLst/>
+                        <a:defRPr/>
+                      </a:pPr>
+                      <a:r>
+                        <a:rPr kumimoji="1" lang="ko-KR" altLang="en-US" sz="850" dirty="0">
+                          <a:solidFill>
+                            <a:schemeClr val="tx1"/>
+                          </a:solidFill>
+                          <a:latin typeface="+mn-ea"/>
+                        </a:rPr>
+                        <a:t>편의성을 위해 로그인 페이지로 이동할 수 있는 버튼입니다</a:t>
+                      </a:r>
+                      <a:r>
+                        <a:rPr kumimoji="1" lang="en-US" altLang="ko-KR" sz="850" dirty="0">
+                          <a:solidFill>
+                            <a:schemeClr val="tx1"/>
+                          </a:solidFill>
+                          <a:latin typeface="+mn-ea"/>
+                        </a:rPr>
+                        <a:t>.</a:t>
+                      </a:r>
+                      <a:endParaRPr lang="ko-KR" altLang="en-US" sz="850" b="0" dirty="0">
+                        <a:latin typeface="+mn-ea"/>
+                        <a:ea typeface="+mn-ea"/>
+                      </a:endParaRPr>
+                    </a:p>
+                  </a:txBody>
+                  <a:tcPr anchor="ctr">
+                    <a:lnL w="3175" cap="flat" cmpd="sng" algn="ctr">
+                      <a:solidFill>
+                        <a:schemeClr val="tx1">
+                          <a:lumMod val="50000"/>
+                          <a:lumOff val="50000"/>
+                        </a:schemeClr>
+                      </a:solidFill>
+                      <a:prstDash val="solid"/>
+                      <a:round/>
+                      <a:headEnd type="none" w="med" len="med"/>
+                      <a:tailEnd type="none" w="med" len="med"/>
+                    </a:lnL>
+                    <a:lnR w="3175" cap="flat" cmpd="sng" algn="ctr">
+                      <a:noFill/>
+                      <a:prstDash val="solid"/>
+                      <a:round/>
+                      <a:headEnd type="none" w="med" len="med"/>
+                      <a:tailEnd type="none" w="med" len="med"/>
+                    </a:lnR>
+                    <a:lnT w="3175" cap="flat" cmpd="sng" algn="ctr">
+                      <a:solidFill>
+                        <a:schemeClr val="tx1">
+                          <a:lumMod val="50000"/>
+                          <a:lumOff val="50000"/>
+                        </a:schemeClr>
+                      </a:solidFill>
+                      <a:prstDash val="solid"/>
+                      <a:round/>
+                      <a:headEnd type="none" w="med" len="med"/>
+                      <a:tailEnd type="none" w="med" len="med"/>
+                    </a:lnT>
+                    <a:lnB w="3175" cap="flat" cmpd="sng" algn="ctr">
+                      <a:solidFill>
+                        <a:schemeClr val="tx1">
+                          <a:lumMod val="50000"/>
+                          <a:lumOff val="50000"/>
+                        </a:schemeClr>
+                      </a:solidFill>
+                      <a:prstDash val="solid"/>
+                      <a:round/>
+                      <a:headEnd type="none" w="med" len="med"/>
+                      <a:tailEnd type="none" w="med" len="med"/>
+                    </a:lnB>
+                    <a:noFill/>
+                  </a:tcPr>
+                </a:tc>
+                <a:extLst>
+                  <a:ext uri="{0D108BD9-81ED-4DB2-BD59-A6C34878D82A}">
+                    <a16:rowId xmlns:a16="http://schemas.microsoft.com/office/drawing/2014/main" val="2972133637"/>
+                  </a:ext>
+                </a:extLst>
+              </a:tr>
+              <a:tr h="241592">
+                <a:tc>
+                  <a:txBody>
+                    <a:bodyPr/>
+                    <a:lstStyle/>
+                    <a:p>
+                      <a:pPr algn="ctr" latinLnBrk="1">
+                        <a:lnSpc>
+                          <a:spcPct val="120000"/>
+                        </a:lnSpc>
+                      </a:pPr>
+                      <a:r>
+                        <a:rPr lang="en-US" altLang="ko-KR" sz="850" b="0" dirty="0">
+                          <a:latin typeface="+mn-ea"/>
+                          <a:ea typeface="+mn-ea"/>
+                        </a:rPr>
+                        <a:t>2</a:t>
+                      </a:r>
+                      <a:endParaRPr lang="ko-KR" altLang="en-US" sz="850" b="0" dirty="0">
+                        <a:latin typeface="+mn-ea"/>
+                        <a:ea typeface="+mn-ea"/>
+                      </a:endParaRPr>
+                    </a:p>
+                  </a:txBody>
+                  <a:tcPr anchor="ctr">
+                    <a:lnL w="3175" cap="flat" cmpd="sng" algn="ctr">
+                      <a:noFill/>
+                      <a:prstDash val="solid"/>
+                      <a:round/>
+                      <a:headEnd type="none" w="med" len="med"/>
+                      <a:tailEnd type="none" w="med" len="med"/>
+                    </a:lnL>
+                    <a:lnR w="3175" cap="flat" cmpd="sng" algn="ctr">
+                      <a:solidFill>
+                        <a:schemeClr val="tx1">
+                          <a:lumMod val="50000"/>
+                          <a:lumOff val="50000"/>
+                        </a:schemeClr>
+                      </a:solidFill>
+                      <a:prstDash val="solid"/>
+                      <a:round/>
+                      <a:headEnd type="none" w="med" len="med"/>
+                      <a:tailEnd type="none" w="med" len="med"/>
+                    </a:lnR>
+                    <a:lnT w="3175" cap="flat" cmpd="sng" algn="ctr">
+                      <a:solidFill>
+                        <a:schemeClr val="tx1">
+                          <a:lumMod val="50000"/>
+                          <a:lumOff val="50000"/>
+                        </a:schemeClr>
+                      </a:solidFill>
+                      <a:prstDash val="solid"/>
+                      <a:round/>
+                      <a:headEnd type="none" w="med" len="med"/>
+                      <a:tailEnd type="none" w="med" len="med"/>
+                    </a:lnT>
+                    <a:lnB w="3175" cap="flat" cmpd="sng" algn="ctr">
+                      <a:solidFill>
+                        <a:schemeClr val="tx1">
+                          <a:lumMod val="50000"/>
+                          <a:lumOff val="50000"/>
+                        </a:schemeClr>
+                      </a:solidFill>
+                      <a:prstDash val="solid"/>
+                      <a:round/>
+                      <a:headEnd type="none" w="med" len="med"/>
+                      <a:tailEnd type="none" w="med" len="med"/>
+                    </a:lnB>
+                    <a:noFill/>
+                  </a:tcPr>
+                </a:tc>
+                <a:tc>
+                  <a:txBody>
+                    <a:bodyPr/>
+                    <a:lstStyle/>
+                    <a:p>
+                      <a:pPr marL="0" marR="0" lvl="0" indent="0" algn="just" defTabSz="914400" rtl="0" eaLnBrk="1" fontAlgn="auto" latinLnBrk="1" hangingPunct="1">
+                        <a:lnSpc>
+                          <a:spcPct val="120000"/>
+                        </a:lnSpc>
+                        <a:spcBef>
+                          <a:spcPts val="0"/>
+                        </a:spcBef>
+                        <a:spcAft>
+                          <a:spcPts val="0"/>
+                        </a:spcAft>
+                        <a:buClrTx/>
+                        <a:buSzTx/>
+                        <a:buFontTx/>
+                        <a:buNone/>
+                        <a:tabLst/>
+                        <a:defRPr/>
+                      </a:pPr>
+                      <a:r>
+                        <a:rPr lang="ko-KR" altLang="en-US" sz="850" b="0" dirty="0">
+                          <a:latin typeface="+mn-ea"/>
+                          <a:ea typeface="+mn-ea"/>
+                        </a:rPr>
+                        <a:t>클릭 시 회원 계정 찾기 페이지로 이동합니다</a:t>
+                      </a:r>
+                      <a:r>
+                        <a:rPr lang="en-US" altLang="ko-KR" sz="850" b="0" dirty="0">
+                          <a:latin typeface="+mn-ea"/>
+                          <a:ea typeface="+mn-ea"/>
+                        </a:rPr>
+                        <a:t>. (6-1p </a:t>
+                      </a:r>
+                      <a:r>
+                        <a:rPr lang="ko-KR" altLang="en-US" sz="850" b="0" dirty="0">
+                          <a:latin typeface="+mn-ea"/>
+                          <a:ea typeface="+mn-ea"/>
+                        </a:rPr>
+                        <a:t>참조</a:t>
+                      </a:r>
+                      <a:r>
+                        <a:rPr lang="en-US" altLang="ko-KR" sz="850" b="0" dirty="0">
+                          <a:latin typeface="+mn-ea"/>
+                          <a:ea typeface="+mn-ea"/>
+                        </a:rPr>
+                        <a:t>)</a:t>
+                      </a:r>
+                      <a:endParaRPr lang="ko-KR" altLang="en-US" sz="850" b="0" dirty="0">
+                        <a:latin typeface="+mn-ea"/>
+                        <a:ea typeface="+mn-ea"/>
+                      </a:endParaRPr>
+                    </a:p>
+                  </a:txBody>
+                  <a:tcPr anchor="ctr">
+                    <a:lnL w="3175" cap="flat" cmpd="sng" algn="ctr">
+                      <a:solidFill>
+                        <a:schemeClr val="tx1">
+                          <a:lumMod val="50000"/>
+                          <a:lumOff val="50000"/>
+                        </a:schemeClr>
+                      </a:solidFill>
+                      <a:prstDash val="solid"/>
+                      <a:round/>
+                      <a:headEnd type="none" w="med" len="med"/>
+                      <a:tailEnd type="none" w="med" len="med"/>
+                    </a:lnL>
+                    <a:lnR w="3175" cap="flat" cmpd="sng" algn="ctr">
+                      <a:noFill/>
+                      <a:prstDash val="solid"/>
+                      <a:round/>
+                      <a:headEnd type="none" w="med" len="med"/>
+                      <a:tailEnd type="none" w="med" len="med"/>
+                    </a:lnR>
+                    <a:lnT w="3175" cap="flat" cmpd="sng" algn="ctr">
+                      <a:solidFill>
+                        <a:schemeClr val="tx1">
+                          <a:lumMod val="50000"/>
+                          <a:lumOff val="50000"/>
+                        </a:schemeClr>
+                      </a:solidFill>
+                      <a:prstDash val="solid"/>
+                      <a:round/>
+                      <a:headEnd type="none" w="med" len="med"/>
+                      <a:tailEnd type="none" w="med" len="med"/>
+                    </a:lnT>
+                    <a:lnB w="3175" cap="flat" cmpd="sng" algn="ctr">
+                      <a:solidFill>
+                        <a:schemeClr val="tx1">
+                          <a:lumMod val="50000"/>
+                          <a:lumOff val="50000"/>
+                        </a:schemeClr>
+                      </a:solidFill>
+                      <a:prstDash val="solid"/>
+                      <a:round/>
+                      <a:headEnd type="none" w="med" len="med"/>
+                      <a:tailEnd type="none" w="med" len="med"/>
+                    </a:lnB>
+                    <a:noFill/>
+                  </a:tcPr>
+                </a:tc>
+                <a:extLst>
+                  <a:ext uri="{0D108BD9-81ED-4DB2-BD59-A6C34878D82A}">
+                    <a16:rowId xmlns:a16="http://schemas.microsoft.com/office/drawing/2014/main" val="2075783758"/>
+                  </a:ext>
+                </a:extLst>
+              </a:tr>
+            </a:tbl>
+          </a:graphicData>
+        </a:graphic>
+      </p:graphicFrame>
+      <p:sp>
+        <p:nvSpPr>
+          <p:cNvPr id="8" name="TextBox 7">
+            <a:extLst>
+              <a:ext uri="{FF2B5EF4-FFF2-40B4-BE49-F238E27FC236}">
+                <a16:creationId xmlns:a16="http://schemas.microsoft.com/office/drawing/2014/main" id="{DDF58C48-5157-4FFA-B714-C02B198B9885}"/>
+              </a:ext>
+            </a:extLst>
+          </p:cNvPr>
+          <p:cNvSpPr txBox="1"/>
+          <p:nvPr/>
+        </p:nvSpPr>
+        <p:spPr>
+          <a:xfrm>
+            <a:off x="11780252" y="106980"/>
+            <a:ext cx="360996" cy="230832"/>
+          </a:xfrm>
+          <a:prstGeom prst="rect">
+            <a:avLst/>
+          </a:prstGeom>
+          <a:noFill/>
+        </p:spPr>
+        <p:txBody>
+          <a:bodyPr wrap="none" rtlCol="0">
+            <a:spAutoFit/>
+          </a:bodyPr>
+          <a:lstStyle/>
+          <a:p>
+            <a:r>
+              <a:rPr lang="en-US" altLang="ko-KR" sz="900" dirty="0"/>
+              <a:t>6-3</a:t>
+            </a:r>
+          </a:p>
+        </p:txBody>
+      </p:sp>
+      <p:sp>
+        <p:nvSpPr>
+          <p:cNvPr id="25" name="타원 24">
+            <a:extLst>
+              <a:ext uri="{FF2B5EF4-FFF2-40B4-BE49-F238E27FC236}">
+                <a16:creationId xmlns:a16="http://schemas.microsoft.com/office/drawing/2014/main" id="{390D51B2-A77D-48BB-9FDB-B3A961816211}"/>
+              </a:ext>
+            </a:extLst>
+          </p:cNvPr>
+          <p:cNvSpPr/>
+          <p:nvPr/>
+        </p:nvSpPr>
+        <p:spPr>
+          <a:xfrm>
+            <a:off x="3719736" y="5157192"/>
+            <a:ext cx="360040" cy="360040"/>
+          </a:xfrm>
+          <a:prstGeom prst="ellipse">
+            <a:avLst/>
+          </a:prstGeom>
+          <a:solidFill>
+            <a:schemeClr val="accent2">
+              <a:lumMod val="40000"/>
+              <a:lumOff val="60000"/>
+            </a:schemeClr>
+          </a:solidFill>
+          <a:ln w="38100">
+            <a:solidFill>
+              <a:srgbClr val="CF4352"/>
+            </a:solidFill>
+          </a:ln>
+        </p:spPr>
+        <p:style>
+          <a:lnRef idx="2">
+            <a:schemeClr val="accent1">
+              <a:shade val="50000"/>
+            </a:schemeClr>
+          </a:lnRef>
+          <a:fillRef idx="1">
+            <a:schemeClr val="accent1"/>
+          </a:fillRef>
+          <a:effectRef idx="0">
+            <a:schemeClr val="accent1"/>
+          </a:effectRef>
+          <a:fontRef idx="minor">
+            <a:schemeClr val="lt1"/>
+          </a:fontRef>
+        </p:style>
+        <p:txBody>
+          <a:bodyPr rtlCol="0" anchor="ctr"/>
+          <a:lstStyle/>
+          <a:p>
+            <a:pPr algn="ctr"/>
+            <a:r>
+              <a:rPr lang="en-US" altLang="ko-KR" dirty="0">
+                <a:solidFill>
+                  <a:schemeClr val="tx1"/>
+                </a:solidFill>
+              </a:rPr>
+              <a:t>1</a:t>
+            </a:r>
+            <a:endParaRPr lang="ko-KR" altLang="en-US" dirty="0">
+              <a:solidFill>
+                <a:schemeClr val="tx1"/>
+              </a:solidFill>
+            </a:endParaRPr>
+          </a:p>
+        </p:txBody>
+      </p:sp>
+      <p:sp>
+        <p:nvSpPr>
+          <p:cNvPr id="27" name="타원 26">
+            <a:extLst>
+              <a:ext uri="{FF2B5EF4-FFF2-40B4-BE49-F238E27FC236}">
+                <a16:creationId xmlns:a16="http://schemas.microsoft.com/office/drawing/2014/main" id="{88FC4EE2-394C-4A9A-9F52-2EFAC514A3E7}"/>
+              </a:ext>
+            </a:extLst>
+          </p:cNvPr>
+          <p:cNvSpPr/>
+          <p:nvPr/>
+        </p:nvSpPr>
+        <p:spPr>
+          <a:xfrm>
+            <a:off x="4583832" y="5157192"/>
+            <a:ext cx="360040" cy="360040"/>
+          </a:xfrm>
+          <a:prstGeom prst="ellipse">
+            <a:avLst/>
+          </a:prstGeom>
+          <a:solidFill>
+            <a:schemeClr val="accent2">
+              <a:lumMod val="40000"/>
+              <a:lumOff val="60000"/>
+            </a:schemeClr>
+          </a:solidFill>
+          <a:ln w="38100">
+            <a:solidFill>
+              <a:srgbClr val="CF4352"/>
+            </a:solidFill>
+          </a:ln>
+        </p:spPr>
+        <p:style>
+          <a:lnRef idx="2">
+            <a:schemeClr val="accent1">
+              <a:shade val="50000"/>
+            </a:schemeClr>
+          </a:lnRef>
+          <a:fillRef idx="1">
+            <a:schemeClr val="accent1"/>
+          </a:fillRef>
+          <a:effectRef idx="0">
+            <a:schemeClr val="accent1"/>
+          </a:effectRef>
+          <a:fontRef idx="minor">
+            <a:schemeClr val="lt1"/>
+          </a:fontRef>
+        </p:style>
+        <p:txBody>
+          <a:bodyPr rtlCol="0" anchor="ctr"/>
+          <a:lstStyle/>
+          <a:p>
+            <a:pPr algn="ctr"/>
+            <a:r>
+              <a:rPr lang="en-US" altLang="ko-KR" dirty="0">
+                <a:solidFill>
+                  <a:schemeClr val="tx1"/>
+                </a:solidFill>
+              </a:rPr>
+              <a:t>2</a:t>
+            </a:r>
+            <a:endParaRPr lang="ko-KR" altLang="en-US" dirty="0">
+              <a:solidFill>
+                <a:schemeClr val="tx1"/>
+              </a:solidFill>
+            </a:endParaRPr>
+          </a:p>
+        </p:txBody>
+      </p:sp>
+    </p:spTree>
+    <p:extLst>
+      <p:ext uri="{BB962C8B-B14F-4D97-AF65-F5344CB8AC3E}">
+        <p14:creationId xmlns:p14="http://schemas.microsoft.com/office/powerpoint/2010/main" val="1831796066"/>
+      </p:ext>
+    </p:extLst>
+  </p:cSld>
+  <p:clrMapOvr>
+    <a:masterClrMapping/>
+  </p:clrMapOvr>
+</p:sld>
+</file>
+
+<file path=ppt/slides/slide21.xml><?xml version="1.0" encoding="utf-8"?>
+<p:sld xmlns:a="http://schemas.openxmlformats.org/drawingml/2006/main" xmlns:r="http://schemas.openxmlformats.org/officeDocument/2006/relationships" xmlns:p="http://schemas.openxmlformats.org/presentationml/2006/main">
+  <p:cSld>
+    <p:spTree>
+      <p:nvGrpSpPr>
+        <p:cNvPr id="1" name=""/>
+        <p:cNvGrpSpPr/>
+        <p:nvPr/>
+      </p:nvGrpSpPr>
+      <p:grpSpPr>
+        <a:xfrm>
+          <a:off x="0" y="0"/>
+          <a:ext cx="0" cy="0"/>
+          <a:chOff x="0" y="0"/>
+          <a:chExt cx="0" cy="0"/>
+        </a:xfrm>
+      </p:grpSpPr>
+      <p:pic>
+        <p:nvPicPr>
+          <p:cNvPr id="3" name="그림 2">
+            <a:extLst>
+              <a:ext uri="{FF2B5EF4-FFF2-40B4-BE49-F238E27FC236}">
+                <a16:creationId xmlns:a16="http://schemas.microsoft.com/office/drawing/2014/main" id="{B03172D7-D415-4199-91A0-DB4B444C80C5}"/>
+              </a:ext>
+            </a:extLst>
+          </p:cNvPr>
+          <p:cNvPicPr>
+            <a:picLocks noChangeAspect="1"/>
+          </p:cNvPicPr>
+          <p:nvPr/>
+        </p:nvPicPr>
+        <p:blipFill rotWithShape="1">
+          <a:blip r:embed="rId2"/>
+          <a:srcRect l="-1" t="10101" r="766"/>
+          <a:stretch/>
+        </p:blipFill>
+        <p:spPr>
+          <a:xfrm>
+            <a:off x="254649" y="980728"/>
+            <a:ext cx="8217615" cy="5210184"/>
+          </a:xfrm>
+          <a:prstGeom prst="rect">
+            <a:avLst/>
+          </a:prstGeom>
+        </p:spPr>
+      </p:pic>
+      <p:sp>
+        <p:nvSpPr>
+          <p:cNvPr id="4" name="텍스트 개체 틀 3">
+            <a:extLst>
+              <a:ext uri="{FF2B5EF4-FFF2-40B4-BE49-F238E27FC236}">
+                <a16:creationId xmlns:a16="http://schemas.microsoft.com/office/drawing/2014/main" id="{32E285E0-25D1-4806-B9DF-3590BD92D435}"/>
+              </a:ext>
+            </a:extLst>
+          </p:cNvPr>
+          <p:cNvSpPr>
+            <a:spLocks noGrp="1"/>
+          </p:cNvSpPr>
+          <p:nvPr>
+            <p:ph type="body" sz="quarter" idx="10"/>
+          </p:nvPr>
+        </p:nvSpPr>
+        <p:spPr/>
+        <p:txBody>
+          <a:bodyPr/>
+          <a:lstStyle/>
+          <a:p>
+            <a:r>
+              <a:rPr lang="en-US" altLang="ko-KR" dirty="0"/>
+              <a:t>findPw_p.html</a:t>
+            </a:r>
+            <a:endParaRPr lang="ko-KR" altLang="en-US" dirty="0"/>
+          </a:p>
+        </p:txBody>
+      </p:sp>
+      <p:sp>
+        <p:nvSpPr>
+          <p:cNvPr id="5" name="텍스트 개체 틀 4">
+            <a:extLst>
+              <a:ext uri="{FF2B5EF4-FFF2-40B4-BE49-F238E27FC236}">
+                <a16:creationId xmlns:a16="http://schemas.microsoft.com/office/drawing/2014/main" id="{181CE6EC-43A5-4409-9C12-1C3782E8CB22}"/>
+              </a:ext>
+            </a:extLst>
+          </p:cNvPr>
+          <p:cNvSpPr>
+            <a:spLocks noGrp="1"/>
+          </p:cNvSpPr>
+          <p:nvPr>
+            <p:ph type="body" sz="quarter" idx="11"/>
+          </p:nvPr>
+        </p:nvSpPr>
+        <p:spPr/>
+        <p:txBody>
+          <a:bodyPr/>
+          <a:lstStyle/>
+          <a:p>
+            <a:r>
+              <a:rPr lang="ko-KR" altLang="en-US" dirty="0"/>
+              <a:t>회원 계정 찾기</a:t>
+            </a:r>
+          </a:p>
+        </p:txBody>
+      </p:sp>
+      <p:graphicFrame>
+        <p:nvGraphicFramePr>
+          <p:cNvPr id="7" name="표 6">
+            <a:extLst>
+              <a:ext uri="{FF2B5EF4-FFF2-40B4-BE49-F238E27FC236}">
+                <a16:creationId xmlns:a16="http://schemas.microsoft.com/office/drawing/2014/main" id="{EE672C9C-2796-4CD4-B138-FB14ECB9EFA6}"/>
+              </a:ext>
+            </a:extLst>
+          </p:cNvPr>
+          <p:cNvGraphicFramePr>
+            <a:graphicFrameLocks noGrp="1"/>
+          </p:cNvGraphicFramePr>
+          <p:nvPr>
+            <p:extLst>
+              <p:ext uri="{D42A27DB-BD31-4B8C-83A1-F6EECF244321}">
+                <p14:modId xmlns:p14="http://schemas.microsoft.com/office/powerpoint/2010/main" val="97652341"/>
+              </p:ext>
+            </p:extLst>
+          </p:nvPr>
+        </p:nvGraphicFramePr>
+        <p:xfrm>
+          <a:off x="8688288" y="476672"/>
+          <a:ext cx="3384376" cy="1432190"/>
+        </p:xfrm>
+        <a:graphic>
+          <a:graphicData uri="http://schemas.openxmlformats.org/drawingml/2006/table">
+            <a:tbl>
+              <a:tblPr firstRow="1" bandRow="1">
+                <a:tableStyleId>{5C22544A-7EE6-4342-B048-85BDC9FD1C3A}</a:tableStyleId>
+              </a:tblPr>
+              <a:tblGrid>
+                <a:gridCol w="403256">
+                  <a:extLst>
+                    <a:ext uri="{9D8B030D-6E8A-4147-A177-3AD203B41FA5}">
+                      <a16:colId xmlns:a16="http://schemas.microsoft.com/office/drawing/2014/main" val="74772085"/>
+                    </a:ext>
+                  </a:extLst>
+                </a:gridCol>
+                <a:gridCol w="2981120">
+                  <a:extLst>
+                    <a:ext uri="{9D8B030D-6E8A-4147-A177-3AD203B41FA5}">
+                      <a16:colId xmlns:a16="http://schemas.microsoft.com/office/drawing/2014/main" val="2572474025"/>
+                    </a:ext>
+                  </a:extLst>
+                </a:gridCol>
+              </a:tblGrid>
+              <a:tr h="258850">
+                <a:tc gridSpan="2">
+                  <a:txBody>
+                    <a:bodyPr/>
+                    <a:lstStyle/>
+                    <a:p>
+                      <a:pPr marL="0" marR="0" lvl="0" indent="0" algn="l" defTabSz="914400" rtl="0" eaLnBrk="1" fontAlgn="auto" latinLnBrk="1" hangingPunct="1">
+                        <a:lnSpc>
+                          <a:spcPct val="100000"/>
+                        </a:lnSpc>
+                        <a:spcBef>
+                          <a:spcPts val="0"/>
+                        </a:spcBef>
+                        <a:spcAft>
+                          <a:spcPts val="0"/>
+                        </a:spcAft>
+                        <a:buClrTx/>
+                        <a:buSzTx/>
+                        <a:buFontTx/>
+                        <a:buNone/>
+                        <a:tabLst/>
+                        <a:defRPr/>
+                      </a:pPr>
+                      <a:r>
+                        <a:rPr lang="en-US" altLang="ko-KR" sz="900" b="1" dirty="0">
+                          <a:solidFill>
+                            <a:srgbClr val="4E5263"/>
+                          </a:solidFill>
+                          <a:latin typeface="+mn-ea"/>
+                          <a:ea typeface="+mn-ea"/>
+                          <a:sym typeface="맑은 고딕"/>
+                        </a:rPr>
+                        <a:t>Summery. </a:t>
+                      </a:r>
+                      <a:r>
+                        <a:rPr lang="ko-KR" altLang="en-US" sz="900" b="1" dirty="0">
+                          <a:solidFill>
+                            <a:srgbClr val="4E5263"/>
+                          </a:solidFill>
+                          <a:latin typeface="+mn-ea"/>
+                          <a:ea typeface="+mn-ea"/>
+                          <a:sym typeface="맑은 고딕"/>
+                        </a:rPr>
+                        <a:t>사용자의 비밀번호 이메일로 발송</a:t>
+                      </a:r>
+                      <a:endParaRPr lang="en" altLang="ko-KR" sz="900" b="1" dirty="0">
+                        <a:solidFill>
+                          <a:srgbClr val="4E5263"/>
+                        </a:solidFill>
+                        <a:latin typeface="+mn-ea"/>
+                        <a:ea typeface="+mn-ea"/>
+                        <a:sym typeface="맑은 고딕"/>
+                      </a:endParaRPr>
+                    </a:p>
+                  </a:txBody>
+                  <a:tcPr anchor="ctr">
+                    <a:lnL w="3175" cap="flat" cmpd="sng" algn="ctr">
+                      <a:noFill/>
+                      <a:prstDash val="solid"/>
+                      <a:round/>
+                      <a:headEnd type="none" w="med" len="med"/>
+                      <a:tailEnd type="none" w="med" len="med"/>
+                    </a:lnL>
+                    <a:lnR w="3175" cap="flat" cmpd="sng" algn="ctr">
+                      <a:noFill/>
+                      <a:prstDash val="solid"/>
+                      <a:round/>
+                      <a:headEnd type="none" w="med" len="med"/>
+                      <a:tailEnd type="none" w="med" len="med"/>
+                    </a:lnR>
+                    <a:lnT w="3175" cap="flat" cmpd="sng" algn="ctr">
+                      <a:noFill/>
+                      <a:prstDash val="solid"/>
+                      <a:round/>
+                      <a:headEnd type="none" w="med" len="med"/>
+                      <a:tailEnd type="none" w="med" len="med"/>
+                    </a:lnT>
+                    <a:lnB w="3175" cap="flat" cmpd="sng" algn="ctr">
+                      <a:solidFill>
+                        <a:schemeClr val="bg1">
+                          <a:lumMod val="65000"/>
+                        </a:schemeClr>
+                      </a:solidFill>
+                      <a:prstDash val="solid"/>
+                      <a:round/>
+                      <a:headEnd type="none" w="med" len="med"/>
+                      <a:tailEnd type="none" w="med" len="med"/>
+                    </a:lnB>
+                    <a:solidFill>
+                      <a:schemeClr val="bg1"/>
+                    </a:solidFill>
+                  </a:tcPr>
+                </a:tc>
+                <a:tc hMerge="1">
+                  <a:txBody>
+                    <a:bodyPr/>
+                    <a:lstStyle/>
+                    <a:p>
+                      <a:pPr marL="0" marR="0" lvl="0" indent="0" algn="l" defTabSz="914400" rtl="0" eaLnBrk="1" fontAlgn="auto" latinLnBrk="1" hangingPunct="1">
+                        <a:lnSpc>
+                          <a:spcPct val="100000"/>
+                        </a:lnSpc>
+                        <a:spcBef>
+                          <a:spcPts val="0"/>
+                        </a:spcBef>
+                        <a:spcAft>
+                          <a:spcPts val="0"/>
+                        </a:spcAft>
+                        <a:buClrTx/>
+                        <a:buSzTx/>
+                        <a:buFontTx/>
+                        <a:buNone/>
+                        <a:tabLst/>
+                        <a:defRPr/>
+                      </a:pPr>
+                      <a:endParaRPr lang="en" altLang="ko-KR" sz="900" b="1" dirty="0">
+                        <a:solidFill>
+                          <a:srgbClr val="4E5263"/>
+                        </a:solidFill>
+                        <a:latin typeface="SF Pro Text" pitchFamily="2" charset="0"/>
+                        <a:ea typeface="SF Pro Text" pitchFamily="2" charset="0"/>
+                        <a:sym typeface="맑은 고딕"/>
+                      </a:endParaRPr>
+                    </a:p>
+                  </a:txBody>
+                  <a:tcPr anchor="ctr">
+                    <a:lnL w="3175" cap="flat" cmpd="sng" algn="ctr">
+                      <a:solidFill>
+                        <a:schemeClr val="tx1">
+                          <a:lumMod val="50000"/>
+                          <a:lumOff val="50000"/>
+                        </a:schemeClr>
+                      </a:solidFill>
+                      <a:prstDash val="solid"/>
+                      <a:round/>
+                      <a:headEnd type="none" w="med" len="med"/>
+                      <a:tailEnd type="none" w="med" len="med"/>
+                    </a:lnL>
+                    <a:lnR w="3175" cap="flat" cmpd="sng" algn="ctr">
+                      <a:noFill/>
+                      <a:prstDash val="solid"/>
+                      <a:round/>
+                      <a:headEnd type="none" w="med" len="med"/>
+                      <a:tailEnd type="none" w="med" len="med"/>
+                    </a:lnR>
+                    <a:lnT w="3175" cap="flat" cmpd="sng" algn="ctr">
+                      <a:noFill/>
+                      <a:prstDash val="solid"/>
+                      <a:round/>
+                      <a:headEnd type="none" w="med" len="med"/>
+                      <a:tailEnd type="none" w="med" len="med"/>
+                    </a:lnT>
+                    <a:lnB w="3175" cap="flat" cmpd="sng" algn="ctr">
+                      <a:solidFill>
+                        <a:schemeClr val="tx1">
+                          <a:lumMod val="50000"/>
+                          <a:lumOff val="50000"/>
+                        </a:schemeClr>
+                      </a:solidFill>
+                      <a:prstDash val="solid"/>
+                      <a:round/>
+                      <a:headEnd type="none" w="med" len="med"/>
+                      <a:tailEnd type="none" w="med" len="med"/>
+                    </a:lnB>
+                    <a:noFill/>
+                  </a:tcPr>
+                </a:tc>
+                <a:extLst>
+                  <a:ext uri="{0D108BD9-81ED-4DB2-BD59-A6C34878D82A}">
+                    <a16:rowId xmlns:a16="http://schemas.microsoft.com/office/drawing/2014/main" val="1283880267"/>
+                  </a:ext>
+                </a:extLst>
+              </a:tr>
+              <a:tr h="786307">
+                <a:tc gridSpan="2">
+                  <a:txBody>
+                    <a:bodyPr/>
+                    <a:lstStyle/>
+                    <a:p>
+                      <a:pPr marL="108000" marR="0" lvl="0" indent="-108000" algn="just" defTabSz="914400" rtl="0" eaLnBrk="1" fontAlgn="auto" latinLnBrk="1" hangingPunct="1">
+                        <a:lnSpc>
+                          <a:spcPct val="120000"/>
+                        </a:lnSpc>
+                        <a:spcBef>
+                          <a:spcPts val="0"/>
+                        </a:spcBef>
+                        <a:spcAft>
+                          <a:spcPts val="0"/>
+                        </a:spcAft>
+                        <a:buClrTx/>
+                        <a:buSzTx/>
+                        <a:buFont typeface="Arial" panose="020B0604020202020204" pitchFamily="34" charset="0"/>
+                        <a:buChar char="•"/>
+                        <a:tabLst/>
+                        <a:defRPr/>
+                      </a:pPr>
+                      <a:r>
+                        <a:rPr lang="en-US" altLang="ko-KR" sz="800" b="0" dirty="0">
+                          <a:solidFill>
+                            <a:schemeClr val="tx1"/>
+                          </a:solidFill>
+                          <a:latin typeface="+mn-ea"/>
+                          <a:ea typeface="+mn-ea"/>
+                          <a:sym typeface="맑은 고딕"/>
+                        </a:rPr>
+                        <a:t>6-2 </a:t>
+                      </a:r>
+                      <a:r>
+                        <a:rPr lang="ko-KR" altLang="en-US" sz="800" b="0" dirty="0">
+                          <a:solidFill>
+                            <a:schemeClr val="tx1"/>
+                          </a:solidFill>
+                          <a:latin typeface="+mn-ea"/>
+                          <a:ea typeface="+mn-ea"/>
+                          <a:sym typeface="맑은 고딕"/>
+                        </a:rPr>
+                        <a:t>페이지에서 입력한 정보를 바탕으로 해당 사용자의 임시 비밀번호를 이메일로 전송합으로써 보안성을 강화하였습니다</a:t>
+                      </a:r>
+                      <a:r>
+                        <a:rPr lang="en-US" altLang="ko-KR" sz="800" b="0" dirty="0">
+                          <a:solidFill>
+                            <a:schemeClr val="tx1"/>
+                          </a:solidFill>
+                          <a:latin typeface="+mn-ea"/>
+                          <a:ea typeface="+mn-ea"/>
+                          <a:sym typeface="맑은 고딕"/>
+                        </a:rPr>
+                        <a:t>.</a:t>
+                      </a:r>
+                    </a:p>
+                  </a:txBody>
+                  <a:tcPr anchor="ctr">
+                    <a:lnL w="3175" cap="flat" cmpd="sng" algn="ctr">
+                      <a:noFill/>
+                      <a:prstDash val="solid"/>
+                      <a:round/>
+                      <a:headEnd type="none" w="med" len="med"/>
+                      <a:tailEnd type="none" w="med" len="med"/>
+                    </a:lnL>
+                    <a:lnR w="3175" cap="flat" cmpd="sng" algn="ctr">
+                      <a:noFill/>
+                      <a:prstDash val="solid"/>
+                      <a:round/>
+                      <a:headEnd type="none" w="med" len="med"/>
+                      <a:tailEnd type="none" w="med" len="med"/>
+                    </a:lnR>
+                    <a:lnT w="3175" cap="flat" cmpd="sng" algn="ctr">
+                      <a:solidFill>
+                        <a:schemeClr val="bg1">
+                          <a:lumMod val="65000"/>
+                        </a:schemeClr>
+                      </a:solidFill>
+                      <a:prstDash val="solid"/>
+                      <a:round/>
+                      <a:headEnd type="none" w="med" len="med"/>
+                      <a:tailEnd type="none" w="med" len="med"/>
+                    </a:lnT>
+                    <a:lnB w="3175" cap="flat" cmpd="sng" algn="ctr">
+                      <a:solidFill>
+                        <a:schemeClr val="tx1">
+                          <a:lumMod val="50000"/>
+                          <a:lumOff val="50000"/>
+                        </a:schemeClr>
+                      </a:solidFill>
+                      <a:prstDash val="solid"/>
+                      <a:round/>
+                      <a:headEnd type="none" w="med" len="med"/>
+                      <a:tailEnd type="none" w="med" len="med"/>
+                    </a:lnB>
+                    <a:noFill/>
+                  </a:tcPr>
+                </a:tc>
+                <a:tc hMerge="1">
+                  <a:txBody>
+                    <a:bodyPr/>
+                    <a:lstStyle/>
+                    <a:p>
+                      <a:pPr latinLnBrk="1"/>
+                      <a:endParaRPr lang="ko-KR" altLang="en-US"/>
+                    </a:p>
+                  </a:txBody>
+                  <a:tcPr/>
+                </a:tc>
+                <a:extLst>
+                  <a:ext uri="{0D108BD9-81ED-4DB2-BD59-A6C34878D82A}">
+                    <a16:rowId xmlns:a16="http://schemas.microsoft.com/office/drawing/2014/main" val="3072083066"/>
+                  </a:ext>
+                </a:extLst>
+              </a:tr>
+              <a:tr h="241592">
+                <a:tc>
+                  <a:txBody>
+                    <a:bodyPr/>
+                    <a:lstStyle/>
+                    <a:p>
+                      <a:pPr algn="ctr" latinLnBrk="1">
+                        <a:lnSpc>
+                          <a:spcPct val="120000"/>
+                        </a:lnSpc>
+                      </a:pPr>
+                      <a:r>
+                        <a:rPr lang="en-US" altLang="ko-KR" sz="850" b="0" dirty="0">
+                          <a:latin typeface="+mn-ea"/>
+                          <a:ea typeface="+mn-ea"/>
+                        </a:rPr>
+                        <a:t>1</a:t>
+                      </a:r>
+                      <a:endParaRPr lang="ko-KR" altLang="en-US" sz="850" b="0" dirty="0">
+                        <a:latin typeface="+mn-ea"/>
+                        <a:ea typeface="+mn-ea"/>
+                      </a:endParaRPr>
+                    </a:p>
+                  </a:txBody>
+                  <a:tcPr anchor="ctr">
+                    <a:lnL w="3175" cap="flat" cmpd="sng" algn="ctr">
+                      <a:noFill/>
+                      <a:prstDash val="solid"/>
+                      <a:round/>
+                      <a:headEnd type="none" w="med" len="med"/>
+                      <a:tailEnd type="none" w="med" len="med"/>
+                    </a:lnL>
+                    <a:lnR w="3175" cap="flat" cmpd="sng" algn="ctr">
+                      <a:solidFill>
+                        <a:schemeClr val="tx1">
+                          <a:lumMod val="50000"/>
+                          <a:lumOff val="50000"/>
+                        </a:schemeClr>
+                      </a:solidFill>
+                      <a:prstDash val="solid"/>
+                      <a:round/>
+                      <a:headEnd type="none" w="med" len="med"/>
+                      <a:tailEnd type="none" w="med" len="med"/>
+                    </a:lnR>
+                    <a:lnT w="3175" cap="flat" cmpd="sng" algn="ctr">
+                      <a:solidFill>
+                        <a:schemeClr val="tx1">
+                          <a:lumMod val="50000"/>
+                          <a:lumOff val="50000"/>
+                        </a:schemeClr>
+                      </a:solidFill>
+                      <a:prstDash val="solid"/>
+                      <a:round/>
+                      <a:headEnd type="none" w="med" len="med"/>
+                      <a:tailEnd type="none" w="med" len="med"/>
+                    </a:lnT>
+                    <a:lnB w="3175" cap="flat" cmpd="sng" algn="ctr">
+                      <a:solidFill>
+                        <a:schemeClr val="tx1">
+                          <a:lumMod val="50000"/>
+                          <a:lumOff val="50000"/>
+                        </a:schemeClr>
+                      </a:solidFill>
+                      <a:prstDash val="solid"/>
+                      <a:round/>
+                      <a:headEnd type="none" w="med" len="med"/>
+                      <a:tailEnd type="none" w="med" len="med"/>
+                    </a:lnB>
+                    <a:noFill/>
+                  </a:tcPr>
+                </a:tc>
+                <a:tc>
+                  <a:txBody>
+                    <a:bodyPr/>
+                    <a:lstStyle/>
+                    <a:p>
+                      <a:pPr marL="0" marR="0" lvl="0" indent="0" algn="just" defTabSz="914400" rtl="0" eaLnBrk="1" fontAlgn="auto" latinLnBrk="1" hangingPunct="1">
+                        <a:lnSpc>
+                          <a:spcPct val="120000"/>
+                        </a:lnSpc>
+                        <a:spcBef>
+                          <a:spcPts val="0"/>
+                        </a:spcBef>
+                        <a:spcAft>
+                          <a:spcPts val="0"/>
+                        </a:spcAft>
+                        <a:buClrTx/>
+                        <a:buSzTx/>
+                        <a:buFontTx/>
+                        <a:buNone/>
+                        <a:tabLst/>
+                        <a:defRPr/>
+                      </a:pPr>
+                      <a:r>
+                        <a:rPr kumimoji="1" lang="ko-KR" altLang="en-US" sz="850" dirty="0">
+                          <a:solidFill>
+                            <a:schemeClr val="tx1"/>
+                          </a:solidFill>
+                          <a:latin typeface="+mn-ea"/>
+                        </a:rPr>
+                        <a:t>편의성을 위해 로그인 페이지로 이동할 수 있는 버튼입니다</a:t>
+                      </a:r>
+                      <a:r>
+                        <a:rPr kumimoji="1" lang="en-US" altLang="ko-KR" sz="850" dirty="0">
+                          <a:solidFill>
+                            <a:schemeClr val="tx1"/>
+                          </a:solidFill>
+                          <a:latin typeface="+mn-ea"/>
+                        </a:rPr>
+                        <a:t>.</a:t>
+                      </a:r>
+                      <a:endParaRPr lang="ko-KR" altLang="en-US" sz="850" b="0" dirty="0">
+                        <a:latin typeface="+mn-ea"/>
+                        <a:ea typeface="+mn-ea"/>
+                      </a:endParaRPr>
+                    </a:p>
+                  </a:txBody>
+                  <a:tcPr anchor="ctr">
+                    <a:lnL w="3175" cap="flat" cmpd="sng" algn="ctr">
+                      <a:solidFill>
+                        <a:schemeClr val="tx1">
+                          <a:lumMod val="50000"/>
+                          <a:lumOff val="50000"/>
+                        </a:schemeClr>
+                      </a:solidFill>
+                      <a:prstDash val="solid"/>
+                      <a:round/>
+                      <a:headEnd type="none" w="med" len="med"/>
+                      <a:tailEnd type="none" w="med" len="med"/>
+                    </a:lnL>
+                    <a:lnR w="3175" cap="flat" cmpd="sng" algn="ctr">
+                      <a:noFill/>
+                      <a:prstDash val="solid"/>
+                      <a:round/>
+                      <a:headEnd type="none" w="med" len="med"/>
+                      <a:tailEnd type="none" w="med" len="med"/>
+                    </a:lnR>
+                    <a:lnT w="3175" cap="flat" cmpd="sng" algn="ctr">
+                      <a:solidFill>
+                        <a:schemeClr val="tx1">
+                          <a:lumMod val="50000"/>
+                          <a:lumOff val="50000"/>
+                        </a:schemeClr>
+                      </a:solidFill>
+                      <a:prstDash val="solid"/>
+                      <a:round/>
+                      <a:headEnd type="none" w="med" len="med"/>
+                      <a:tailEnd type="none" w="med" len="med"/>
+                    </a:lnT>
+                    <a:lnB w="3175" cap="flat" cmpd="sng" algn="ctr">
+                      <a:solidFill>
+                        <a:schemeClr val="tx1">
+                          <a:lumMod val="50000"/>
+                          <a:lumOff val="50000"/>
+                        </a:schemeClr>
+                      </a:solidFill>
+                      <a:prstDash val="solid"/>
+                      <a:round/>
+                      <a:headEnd type="none" w="med" len="med"/>
+                      <a:tailEnd type="none" w="med" len="med"/>
+                    </a:lnB>
+                    <a:noFill/>
+                  </a:tcPr>
+                </a:tc>
+                <a:extLst>
+                  <a:ext uri="{0D108BD9-81ED-4DB2-BD59-A6C34878D82A}">
+                    <a16:rowId xmlns:a16="http://schemas.microsoft.com/office/drawing/2014/main" val="2972133637"/>
+                  </a:ext>
+                </a:extLst>
+              </a:tr>
+            </a:tbl>
+          </a:graphicData>
+        </a:graphic>
+      </p:graphicFrame>
+      <p:sp>
+        <p:nvSpPr>
+          <p:cNvPr id="8" name="TextBox 7">
+            <a:extLst>
+              <a:ext uri="{FF2B5EF4-FFF2-40B4-BE49-F238E27FC236}">
+                <a16:creationId xmlns:a16="http://schemas.microsoft.com/office/drawing/2014/main" id="{DDF58C48-5157-4FFA-B714-C02B198B9885}"/>
+              </a:ext>
+            </a:extLst>
+          </p:cNvPr>
+          <p:cNvSpPr txBox="1"/>
+          <p:nvPr/>
+        </p:nvSpPr>
+        <p:spPr>
+          <a:xfrm>
+            <a:off x="11780252" y="106980"/>
+            <a:ext cx="360996" cy="230832"/>
+          </a:xfrm>
+          <a:prstGeom prst="rect">
+            <a:avLst/>
+          </a:prstGeom>
+          <a:noFill/>
+        </p:spPr>
+        <p:txBody>
+          <a:bodyPr wrap="none" rtlCol="0">
+            <a:spAutoFit/>
+          </a:bodyPr>
+          <a:lstStyle/>
+          <a:p>
+            <a:r>
+              <a:rPr lang="en-US" altLang="ko-KR" sz="900" dirty="0"/>
+              <a:t>6-4</a:t>
+            </a:r>
+          </a:p>
+        </p:txBody>
+      </p:sp>
+      <p:sp>
+        <p:nvSpPr>
+          <p:cNvPr id="25" name="타원 24">
+            <a:extLst>
+              <a:ext uri="{FF2B5EF4-FFF2-40B4-BE49-F238E27FC236}">
+                <a16:creationId xmlns:a16="http://schemas.microsoft.com/office/drawing/2014/main" id="{390D51B2-A77D-48BB-9FDB-B3A961816211}"/>
+              </a:ext>
+            </a:extLst>
+          </p:cNvPr>
+          <p:cNvSpPr/>
+          <p:nvPr/>
+        </p:nvSpPr>
+        <p:spPr>
+          <a:xfrm>
+            <a:off x="4164788" y="5085184"/>
+            <a:ext cx="360040" cy="360040"/>
+          </a:xfrm>
+          <a:prstGeom prst="ellipse">
+            <a:avLst/>
+          </a:prstGeom>
+          <a:solidFill>
+            <a:schemeClr val="accent2">
+              <a:lumMod val="40000"/>
+              <a:lumOff val="60000"/>
+            </a:schemeClr>
+          </a:solidFill>
+          <a:ln w="38100">
+            <a:solidFill>
+              <a:srgbClr val="CF4352"/>
+            </a:solidFill>
+          </a:ln>
+        </p:spPr>
+        <p:style>
+          <a:lnRef idx="2">
+            <a:schemeClr val="accent1">
+              <a:shade val="50000"/>
+            </a:schemeClr>
+          </a:lnRef>
+          <a:fillRef idx="1">
+            <a:schemeClr val="accent1"/>
+          </a:fillRef>
+          <a:effectRef idx="0">
+            <a:schemeClr val="accent1"/>
+          </a:effectRef>
+          <a:fontRef idx="minor">
+            <a:schemeClr val="lt1"/>
+          </a:fontRef>
+        </p:style>
+        <p:txBody>
+          <a:bodyPr rtlCol="0" anchor="ctr"/>
+          <a:lstStyle/>
+          <a:p>
+            <a:pPr algn="ctr"/>
+            <a:r>
+              <a:rPr lang="en-US" altLang="ko-KR" dirty="0">
+                <a:solidFill>
+                  <a:schemeClr val="tx1"/>
+                </a:solidFill>
+              </a:rPr>
+              <a:t>1</a:t>
+            </a:r>
+            <a:endParaRPr lang="ko-KR" altLang="en-US" dirty="0">
+              <a:solidFill>
+                <a:schemeClr val="tx1"/>
+              </a:solidFill>
+            </a:endParaRPr>
+          </a:p>
+        </p:txBody>
+      </p:sp>
+    </p:spTree>
+    <p:extLst>
+      <p:ext uri="{BB962C8B-B14F-4D97-AF65-F5344CB8AC3E}">
+        <p14:creationId xmlns:p14="http://schemas.microsoft.com/office/powerpoint/2010/main" val="19259351"/>
       </p:ext>
     </p:extLst>
   </p:cSld>
@@ -40033,6 +41090,10 @@
           <a:bodyPr/>
           <a:lstStyle/>
           <a:p>
+            <a:r>
+              <a:rPr lang="en-US" altLang="ko-KR" dirty="0"/>
+              <a:t>footer.html</a:t>
+            </a:r>
             <a:endParaRPr lang="ko-KR" altLang="en-US" dirty="0"/>
           </a:p>
         </p:txBody>
@@ -40080,7 +41141,7 @@
           <p:nvPr>
             <p:extLst>
               <p:ext uri="{D42A27DB-BD31-4B8C-83A1-F6EECF244321}">
-                <p14:modId xmlns:p14="http://schemas.microsoft.com/office/powerpoint/2010/main" val="748566983"/>
+                <p14:modId xmlns:p14="http://schemas.microsoft.com/office/powerpoint/2010/main" val="1949476120"/>
               </p:ext>
             </p:extLst>
           </p:nvPr>
@@ -40488,7 +41549,7 @@
                           <a:latin typeface="+mn-ea"/>
                           <a:ea typeface="+mn-ea"/>
                         </a:rPr>
-                        <a:t>.(#p </a:t>
+                        <a:t>.(3p </a:t>
                       </a:r>
                       <a:r>
                         <a:rPr lang="ko-KR" altLang="en-US" sz="850" b="0" dirty="0">
@@ -40679,7 +41740,7 @@
                           </a:solidFill>
                           <a:latin typeface="+mn-ea"/>
                         </a:rPr>
-                        <a:t> (2p </a:t>
+                        <a:t> (4p </a:t>
                       </a:r>
                       <a:r>
                         <a:rPr kumimoji="1" lang="ko-KR" altLang="en-US" sz="850" dirty="0">
@@ -40991,75 +42052,6 @@
               <a:rPr lang="en-US" altLang="ko-KR" sz="900" dirty="0"/>
               <a:t>1</a:t>
             </a:r>
-          </a:p>
-        </p:txBody>
-      </p:sp>
-      <p:sp>
-        <p:nvSpPr>
-          <p:cNvPr id="12" name="사각형: 둥근 모서리 11">
-            <a:extLst>
-              <a:ext uri="{FF2B5EF4-FFF2-40B4-BE49-F238E27FC236}">
-                <a16:creationId xmlns:a16="http://schemas.microsoft.com/office/drawing/2014/main" id="{BC9056C6-4CF6-4913-9FDB-64FCB088B7FE}"/>
-              </a:ext>
-            </a:extLst>
-          </p:cNvPr>
-          <p:cNvSpPr/>
-          <p:nvPr/>
-        </p:nvSpPr>
-        <p:spPr>
-          <a:xfrm>
-            <a:off x="1991544" y="-642394"/>
-            <a:ext cx="864096" cy="504056"/>
-          </a:xfrm>
-          <a:prstGeom prst="roundRect">
-            <a:avLst/>
-          </a:prstGeom>
-          <a:solidFill>
-            <a:schemeClr val="tx1">
-              <a:lumMod val="85000"/>
-              <a:lumOff val="15000"/>
-            </a:schemeClr>
-          </a:solidFill>
-          <a:ln>
-            <a:solidFill>
-              <a:srgbClr val="CF4352"/>
-            </a:solidFill>
-          </a:ln>
-        </p:spPr>
-        <p:style>
-          <a:lnRef idx="2">
-            <a:schemeClr val="accent1">
-              <a:shade val="50000"/>
-            </a:schemeClr>
-          </a:lnRef>
-          <a:fillRef idx="1">
-            <a:schemeClr val="accent1"/>
-          </a:fillRef>
-          <a:effectRef idx="0">
-            <a:schemeClr val="accent1"/>
-          </a:effectRef>
-          <a:fontRef idx="minor">
-            <a:schemeClr val="lt1"/>
-          </a:fontRef>
-        </p:style>
-        <p:txBody>
-          <a:bodyPr rtlCol="0" anchor="ctr"/>
-          <a:lstStyle/>
-          <a:p>
-            <a:pPr algn="ctr"/>
-            <a:r>
-              <a:rPr lang="en-US" altLang="ko-KR" dirty="0">
-                <a:solidFill>
-                  <a:schemeClr val="bg1"/>
-                </a:solidFill>
-              </a:rPr>
-              <a:t>1-1</a:t>
-            </a:r>
-            <a:endParaRPr lang="ko-KR" altLang="en-US" dirty="0">
-              <a:solidFill>
-                <a:schemeClr val="bg1"/>
-              </a:solidFill>
-            </a:endParaRPr>
           </a:p>
         </p:txBody>
       </p:sp>
@@ -41352,9 +42344,10 @@
           <a:lstStyle/>
           <a:p>
             <a:r>
-              <a:rPr lang="ko-KR" altLang="en-US" dirty="0"/>
-              <a:t>메인 화면</a:t>
+              <a:rPr lang="ko-KR" altLang="en-US" dirty="0" err="1"/>
+              <a:t>푸터</a:t>
             </a:r>
+            <a:endParaRPr lang="ko-KR" altLang="en-US" dirty="0"/>
           </a:p>
         </p:txBody>
       </p:sp>
@@ -41381,7 +42374,7 @@
           <a:p>
             <a:r>
               <a:rPr lang="ko-KR" altLang="en-US" dirty="0"/>
-              <a:t>사이트 접속 후 첫 화면</a:t>
+              <a:t>사이트 접속 시 최하단에 표시되는 서비스</a:t>
             </a:r>
           </a:p>
         </p:txBody>
@@ -41389,7 +42382,7 @@
     </p:spTree>
     <p:extLst>
       <p:ext uri="{BB962C8B-B14F-4D97-AF65-F5344CB8AC3E}">
-        <p14:creationId xmlns:p14="http://schemas.microsoft.com/office/powerpoint/2010/main" val="1822867570"/>
+        <p14:creationId xmlns:p14="http://schemas.microsoft.com/office/powerpoint/2010/main" val="1633944517"/>
       </p:ext>
     </p:extLst>
   </p:cSld>
@@ -41416,6 +42409,35 @@
           <a:chExt cx="0" cy="0"/>
         </a:xfrm>
       </p:grpSpPr>
+      <p:pic>
+        <p:nvPicPr>
+          <p:cNvPr id="6" name="그림 5">
+            <a:extLst>
+              <a:ext uri="{FF2B5EF4-FFF2-40B4-BE49-F238E27FC236}">
+                <a16:creationId xmlns:a16="http://schemas.microsoft.com/office/drawing/2014/main" id="{3A5F154E-BD1E-4EEF-A2FC-2B49425015F8}"/>
+              </a:ext>
+            </a:extLst>
+          </p:cNvPr>
+          <p:cNvPicPr>
+            <a:picLocks noChangeAspect="1"/>
+          </p:cNvPicPr>
+          <p:nvPr/>
+        </p:nvPicPr>
+        <p:blipFill rotWithShape="1">
+          <a:blip r:embed="rId2"/>
+          <a:srcRect t="17451" r="1138"/>
+          <a:stretch/>
+        </p:blipFill>
+        <p:spPr>
+          <a:xfrm>
+            <a:off x="119336" y="1069372"/>
+            <a:ext cx="8392699" cy="4941168"/>
+          </a:xfrm>
+          <a:prstGeom prst="rect">
+            <a:avLst/>
+          </a:prstGeom>
+        </p:spPr>
+      </p:pic>
       <p:sp>
         <p:nvSpPr>
           <p:cNvPr id="4" name="텍스트 개체 틀 3">
@@ -41437,10 +42459,6 @@
           <a:bodyPr/>
           <a:lstStyle/>
           <a:p>
-            <a:r>
-              <a:rPr lang="en-US" altLang="ko-KR" dirty="0"/>
-              <a:t>Index.html</a:t>
-            </a:r>
             <a:endParaRPr lang="ko-KR" altLang="en-US" dirty="0"/>
           </a:p>
         </p:txBody>
@@ -41468,7 +42486,7 @@
           <a:p>
             <a:r>
               <a:rPr lang="ko-KR" altLang="en-US" dirty="0" err="1"/>
-              <a:t>메인화면</a:t>
+              <a:t>푸터</a:t>
             </a:r>
             <a:endParaRPr lang="ko-KR" altLang="en-US" dirty="0"/>
           </a:p>
@@ -41489,14 +42507,14 @@
           <p:nvPr>
             <p:extLst>
               <p:ext uri="{D42A27DB-BD31-4B8C-83A1-F6EECF244321}">
-                <p14:modId xmlns:p14="http://schemas.microsoft.com/office/powerpoint/2010/main" val="1054704459"/>
+                <p14:modId xmlns:p14="http://schemas.microsoft.com/office/powerpoint/2010/main" val="1259445509"/>
               </p:ext>
             </p:extLst>
           </p:nvPr>
         </p:nvGraphicFramePr>
         <p:xfrm>
           <a:off x="8688288" y="476672"/>
-          <a:ext cx="3384376" cy="1528341"/>
+          <a:ext cx="3384376" cy="1286749"/>
         </p:xfrm>
         <a:graphic>
           <a:graphicData uri="http://schemas.openxmlformats.org/drawingml/2006/table">
@@ -41714,7 +42732,29 @@
                           <a:ea typeface="+mn-ea"/>
                           <a:sym typeface="맑은 고딕"/>
                         </a:rPr>
-                        <a:t>홈페이지 첫 접속 시 보여지는 화면입니다</a:t>
+                        <a:t>모든 페이지 최하단에 표시되는 서비스로</a:t>
+                      </a:r>
+                      <a:r>
+                        <a:rPr lang="en-US" altLang="ko-KR" sz="800" b="0" dirty="0">
+                          <a:solidFill>
+                            <a:schemeClr val="tx1"/>
+                          </a:solidFill>
+                          <a:latin typeface="+mn-ea"/>
+                          <a:ea typeface="+mn-ea"/>
+                          <a:sym typeface="맑은 고딕"/>
+                        </a:rPr>
+                        <a:t>, </a:t>
+                      </a:r>
+                      <a:r>
+                        <a:rPr lang="ko-KR" altLang="en-US" sz="800" b="0" dirty="0">
+                          <a:solidFill>
+                            <a:schemeClr val="tx1"/>
+                          </a:solidFill>
+                          <a:latin typeface="+mn-ea"/>
+                          <a:ea typeface="+mn-ea"/>
+                          <a:sym typeface="맑은 고딕"/>
+                        </a:rPr>
+                        <a:t>건의사항 혹은 문의사항을 입력할 수 있습니다</a:t>
                       </a:r>
                       <a:r>
                         <a:rPr lang="en-US" altLang="ko-KR" sz="800" b="0" dirty="0">
@@ -41800,12 +42840,18 @@
                       </a:pPr>
                       <a:r>
                         <a:rPr lang="en-US" altLang="ko-KR" sz="850" b="0" dirty="0">
+                          <a:solidFill>
+                            <a:schemeClr val="tx1"/>
+                          </a:solidFill>
                           <a:latin typeface="+mn-ea"/>
                           <a:ea typeface="+mn-ea"/>
                         </a:rPr>
                         <a:t>1</a:t>
                       </a:r>
                       <a:endParaRPr lang="ko-KR" altLang="en-US" sz="850" b="0" dirty="0">
+                        <a:solidFill>
+                          <a:schemeClr val="tx1"/>
+                        </a:solidFill>
                         <a:latin typeface="+mn-ea"/>
                         <a:ea typeface="+mn-ea"/>
                       </a:endParaRPr>
@@ -41863,29 +42909,17 @@
                     <a:bodyPr/>
                     <a:lstStyle/>
                     <a:p>
-                      <a:pPr marL="0" marR="0" lvl="0" indent="0" algn="just" defTabSz="914400" rtl="0" eaLnBrk="1" fontAlgn="auto" latinLnBrk="1" hangingPunct="1">
+                      <a:pPr algn="just" latinLnBrk="1">
                         <a:lnSpc>
                           <a:spcPct val="120000"/>
                         </a:lnSpc>
-                        <a:spcBef>
-                          <a:spcPts val="0"/>
-                        </a:spcBef>
-                        <a:spcAft>
-                          <a:spcPts val="0"/>
-                        </a:spcAft>
-                        <a:buClrTx/>
-                        <a:buSzTx/>
-                        <a:buFontTx/>
-                        <a:buNone/>
-                        <a:tabLst/>
-                        <a:defRPr/>
                       </a:pPr>
                       <a:r>
                         <a:rPr lang="ko-KR" altLang="en-US" sz="850" b="0" dirty="0">
                           <a:latin typeface="+mn-ea"/>
                           <a:ea typeface="+mn-ea"/>
                         </a:rPr>
-                        <a:t>클릭 시 하단의 배너까지 스크롤이 내려갑니다</a:t>
+                        <a:t>클릭 시 입력한 정보가 회사 이메일로 전송됩니다</a:t>
                       </a:r>
                       <a:r>
                         <a:rPr lang="en-US" altLang="ko-KR" sz="850" b="0" dirty="0">
@@ -41894,79 +42928,6 @@
                         </a:rPr>
                         <a:t>.</a:t>
                       </a:r>
-                    </a:p>
-                  </a:txBody>
-                  <a:tcPr anchor="ctr">
-                    <a:lnL w="3175" cap="flat" cmpd="sng" algn="ctr">
-                      <a:solidFill>
-                        <a:schemeClr val="tx1">
-                          <a:lumMod val="50000"/>
-                          <a:lumOff val="50000"/>
-                        </a:schemeClr>
-                      </a:solidFill>
-                      <a:prstDash val="solid"/>
-                      <a:round/>
-                      <a:headEnd type="none" w="med" len="med"/>
-                      <a:tailEnd type="none" w="med" len="med"/>
-                    </a:lnL>
-                    <a:lnR w="3175" cap="flat" cmpd="sng" algn="ctr">
-                      <a:noFill/>
-                      <a:prstDash val="solid"/>
-                      <a:round/>
-                      <a:headEnd type="none" w="med" len="med"/>
-                      <a:tailEnd type="none" w="med" len="med"/>
-                    </a:lnR>
-                    <a:lnT w="3175" cap="flat" cmpd="sng" algn="ctr">
-                      <a:solidFill>
-                        <a:schemeClr val="tx1">
-                          <a:lumMod val="50000"/>
-                          <a:lumOff val="50000"/>
-                        </a:schemeClr>
-                      </a:solidFill>
-                      <a:prstDash val="solid"/>
-                      <a:round/>
-                      <a:headEnd type="none" w="med" len="med"/>
-                      <a:tailEnd type="none" w="med" len="med"/>
-                    </a:lnT>
-                    <a:lnB w="3175" cap="flat" cmpd="sng" algn="ctr">
-                      <a:solidFill>
-                        <a:schemeClr val="tx1">
-                          <a:lumMod val="50000"/>
-                          <a:lumOff val="50000"/>
-                        </a:schemeClr>
-                      </a:solidFill>
-                      <a:prstDash val="solid"/>
-                      <a:round/>
-                      <a:headEnd type="none" w="med" len="med"/>
-                      <a:tailEnd type="none" w="med" len="med"/>
-                    </a:lnB>
-                    <a:noFill/>
-                  </a:tcPr>
-                </a:tc>
-                <a:extLst>
-                  <a:ext uri="{0D108BD9-81ED-4DB2-BD59-A6C34878D82A}">
-                    <a16:rowId xmlns:a16="http://schemas.microsoft.com/office/drawing/2014/main" val="1068123190"/>
-                  </a:ext>
-                </a:extLst>
-              </a:tr>
-              <a:tr h="241592">
-                <a:tc>
-                  <a:txBody>
-                    <a:bodyPr/>
-                    <a:lstStyle/>
-                    <a:p>
-                      <a:pPr algn="ctr" latinLnBrk="1">
-                        <a:lnSpc>
-                          <a:spcPct val="120000"/>
-                        </a:lnSpc>
-                      </a:pPr>
-                      <a:r>
-                        <a:rPr lang="en-US" altLang="ko-KR" sz="850" b="0" dirty="0">
-                          <a:latin typeface="+mn-ea"/>
-                          <a:ea typeface="+mn-ea"/>
-                        </a:rPr>
-                        <a:t>2</a:t>
-                      </a:r>
                       <a:endParaRPr lang="ko-KR" altLang="en-US" sz="850" b="0" dirty="0">
                         <a:latin typeface="+mn-ea"/>
                         <a:ea typeface="+mn-ea"/>
@@ -41975,13 +42936,6 @@
                   </a:txBody>
                   <a:tcPr anchor="ctr">
                     <a:lnL w="3175" cap="flat" cmpd="sng" algn="ctr">
-                      <a:noFill/>
-                      <a:prstDash val="solid"/>
-                      <a:round/>
-                      <a:headEnd type="none" w="med" len="med"/>
-                      <a:tailEnd type="none" w="med" len="med"/>
-                    </a:lnL>
-                    <a:lnR w="3175" cap="flat" cmpd="sng" algn="ctr">
                       <a:solidFill>
                         <a:schemeClr val="tx1">
                           <a:lumMod val="50000"/>
@@ -41992,6 +42946,13 @@
                       <a:round/>
                       <a:headEnd type="none" w="med" len="med"/>
                       <a:tailEnd type="none" w="med" len="med"/>
+                    </a:lnL>
+                    <a:lnR w="3175" cap="flat" cmpd="sng" algn="ctr">
+                      <a:noFill/>
+                      <a:prstDash val="solid"/>
+                      <a:round/>
+                      <a:headEnd type="none" w="med" len="med"/>
+                      <a:tailEnd type="none" w="med" len="med"/>
                     </a:lnR>
                     <a:lnT w="3175" cap="flat" cmpd="sng" algn="ctr">
                       <a:solidFill>
@@ -42020,94 +42981,9 @@
                     <a:noFill/>
                   </a:tcPr>
                 </a:tc>
-                <a:tc>
-                  <a:txBody>
-                    <a:bodyPr/>
-                    <a:lstStyle/>
-                    <a:p>
-                      <a:pPr marL="0" marR="0" lvl="0" indent="0" algn="just" defTabSz="914400" rtl="0" eaLnBrk="1" fontAlgn="auto" latinLnBrk="1" hangingPunct="1">
-                        <a:lnSpc>
-                          <a:spcPct val="120000"/>
-                        </a:lnSpc>
-                        <a:spcBef>
-                          <a:spcPts val="0"/>
-                        </a:spcBef>
-                        <a:spcAft>
-                          <a:spcPts val="0"/>
-                        </a:spcAft>
-                        <a:buClrTx/>
-                        <a:buSzTx/>
-                        <a:buFontTx/>
-                        <a:buNone/>
-                        <a:tabLst/>
-                        <a:defRPr/>
-                      </a:pPr>
-                      <a:r>
-                        <a:rPr lang="ko-KR" altLang="en-US" sz="850" b="0" dirty="0">
-                          <a:latin typeface="+mn-ea"/>
-                          <a:ea typeface="+mn-ea"/>
-                        </a:rPr>
-                        <a:t>클릭 시 하단의 배너까지 스크롤이 내려갑니다</a:t>
-                      </a:r>
-                      <a:r>
-                        <a:rPr lang="en-US" altLang="ko-KR" sz="850" b="0" dirty="0">
-                          <a:latin typeface="+mn-ea"/>
-                          <a:ea typeface="+mn-ea"/>
-                        </a:rPr>
-                        <a:t>.</a:t>
-                      </a:r>
-                    </a:p>
-                  </a:txBody>
-                  <a:tcPr anchor="ctr">
-                    <a:lnL w="3175" cap="flat" cmpd="sng" algn="ctr">
-                      <a:solidFill>
-                        <a:schemeClr val="tx1">
-                          <a:lumMod val="50000"/>
-                          <a:lumOff val="50000"/>
-                        </a:schemeClr>
-                      </a:solidFill>
-                      <a:prstDash val="solid"/>
-                      <a:round/>
-                      <a:headEnd type="none" w="med" len="med"/>
-                      <a:tailEnd type="none" w="med" len="med"/>
-                    </a:lnL>
-                    <a:lnR w="3175" cap="flat" cmpd="sng" algn="ctr">
-                      <a:noFill/>
-                      <a:prstDash val="solid"/>
-                      <a:round/>
-                      <a:headEnd type="none" w="med" len="med"/>
-                      <a:tailEnd type="none" w="med" len="med"/>
-                    </a:lnR>
-                    <a:lnT w="3175" cap="flat" cmpd="sng" algn="ctr">
-                      <a:solidFill>
-                        <a:schemeClr val="tx1">
-                          <a:lumMod val="50000"/>
-                          <a:lumOff val="50000"/>
-                        </a:schemeClr>
-                      </a:solidFill>
-                      <a:prstDash val="solid"/>
-                      <a:round/>
-                      <a:headEnd type="none" w="med" len="med"/>
-                      <a:tailEnd type="none" w="med" len="med"/>
-                    </a:lnT>
-                    <a:lnB w="3175" cap="flat" cmpd="sng" algn="ctr">
-                      <a:solidFill>
-                        <a:schemeClr val="tx1">
-                          <a:lumMod val="50000"/>
-                          <a:lumOff val="50000"/>
-                        </a:schemeClr>
-                      </a:solidFill>
-                      <a:prstDash val="solid"/>
-                      <a:round/>
-                      <a:headEnd type="none" w="med" len="med"/>
-                      <a:tailEnd type="none" w="med" len="med"/>
-                    </a:lnB>
-                    <a:noFill/>
-                  </a:tcPr>
-                </a:tc>
                 <a:extLst>
                   <a:ext uri="{0D108BD9-81ED-4DB2-BD59-A6C34878D82A}">
-                    <a16:rowId xmlns:a16="http://schemas.microsoft.com/office/drawing/2014/main" val="420989322"/>
+                    <a16:rowId xmlns:a16="http://schemas.microsoft.com/office/drawing/2014/main" val="896699591"/>
                   </a:ext>
                 </a:extLst>
               </a:tr>
@@ -42150,91 +43026,12 @@
           </a:p>
         </p:txBody>
       </p:sp>
-      <p:grpSp>
-        <p:nvGrpSpPr>
-          <p:cNvPr id="22" name="그룹 21">
+      <p:sp>
+        <p:nvSpPr>
+          <p:cNvPr id="18" name="타원 17">
             <a:extLst>
               <a:ext uri="{FF2B5EF4-FFF2-40B4-BE49-F238E27FC236}">
-                <a16:creationId xmlns:a16="http://schemas.microsoft.com/office/drawing/2014/main" id="{0C3F6DCD-5C9C-4727-B9A5-CA704A4C7804}"/>
-              </a:ext>
-            </a:extLst>
-          </p:cNvPr>
-          <p:cNvGrpSpPr/>
-          <p:nvPr/>
-        </p:nvGrpSpPr>
-        <p:grpSpPr>
-          <a:xfrm>
-            <a:off x="329409" y="620688"/>
-            <a:ext cx="7848872" cy="5992154"/>
-            <a:chOff x="1146688" y="672050"/>
-            <a:chExt cx="9773848" cy="8208367"/>
-          </a:xfrm>
-        </p:grpSpPr>
-        <p:pic>
-          <p:nvPicPr>
-            <p:cNvPr id="19" name="그림 18">
-              <a:extLst>
-                <a:ext uri="{FF2B5EF4-FFF2-40B4-BE49-F238E27FC236}">
-                  <a16:creationId xmlns:a16="http://schemas.microsoft.com/office/drawing/2014/main" id="{BFFD7935-8040-40F7-9142-141C358E3A0A}"/>
-                </a:ext>
-              </a:extLst>
-            </p:cNvPr>
-            <p:cNvPicPr>
-              <a:picLocks noChangeAspect="1"/>
-            </p:cNvPicPr>
-            <p:nvPr/>
-          </p:nvPicPr>
-          <p:blipFill rotWithShape="1">
-            <a:blip r:embed="rId2"/>
-            <a:srcRect t="9799" r="1260"/>
-            <a:stretch/>
-          </p:blipFill>
-          <p:spPr>
-            <a:xfrm>
-              <a:off x="1146688" y="672050"/>
-              <a:ext cx="9773848" cy="6185949"/>
-            </a:xfrm>
-            <a:prstGeom prst="rect">
-              <a:avLst/>
-            </a:prstGeom>
-          </p:spPr>
-        </p:pic>
-        <p:pic>
-          <p:nvPicPr>
-            <p:cNvPr id="21" name="그림 20">
-              <a:extLst>
-                <a:ext uri="{FF2B5EF4-FFF2-40B4-BE49-F238E27FC236}">
-                  <a16:creationId xmlns:a16="http://schemas.microsoft.com/office/drawing/2014/main" id="{A348BDFB-4835-4376-9323-F645EFF45366}"/>
-                </a:ext>
-              </a:extLst>
-            </p:cNvPr>
-            <p:cNvPicPr>
-              <a:picLocks noChangeAspect="1"/>
-            </p:cNvPicPr>
-            <p:nvPr/>
-          </p:nvPicPr>
-          <p:blipFill rotWithShape="1">
-            <a:blip r:embed="rId3"/>
-            <a:srcRect t="37143" r="1260" b="9758"/>
-            <a:stretch/>
-          </p:blipFill>
-          <p:spPr>
-            <a:xfrm>
-              <a:off x="1146688" y="5238971"/>
-              <a:ext cx="9773848" cy="3641446"/>
-            </a:xfrm>
-            <a:prstGeom prst="rect">
-              <a:avLst/>
-            </a:prstGeom>
-          </p:spPr>
-        </p:pic>
-      </p:grpSp>
-      <p:sp>
-        <p:nvSpPr>
-          <p:cNvPr id="17" name="타원 16">
-            <a:extLst>
-              <a:ext uri="{FF2B5EF4-FFF2-40B4-BE49-F238E27FC236}">
-                <a16:creationId xmlns:a16="http://schemas.microsoft.com/office/drawing/2014/main" id="{ADF2025D-61E1-4C76-A10D-8669406ED69F}"/>
+                <a16:creationId xmlns:a16="http://schemas.microsoft.com/office/drawing/2014/main" id="{29F45D0D-22D9-415C-BB71-CFD0F6E3363F}"/>
               </a:ext>
             </a:extLst>
           </p:cNvPr>
@@ -42243,7 +43040,7 @@
         </p:nvSpPr>
         <p:spPr>
           <a:xfrm>
-            <a:off x="1127448" y="2878577"/>
+            <a:off x="4135665" y="4437112"/>
             <a:ext cx="360040" cy="360040"/>
           </a:xfrm>
           <a:prstGeom prst="ellipse">
@@ -42298,79 +43095,10 @@
           </a:p>
         </p:txBody>
       </p:sp>
-      <p:sp>
-        <p:nvSpPr>
-          <p:cNvPr id="23" name="타원 22">
-            <a:extLst>
-              <a:ext uri="{FF2B5EF4-FFF2-40B4-BE49-F238E27FC236}">
-                <a16:creationId xmlns:a16="http://schemas.microsoft.com/office/drawing/2014/main" id="{028212D8-07B3-4EE3-8E42-F4C57B2E250B}"/>
-              </a:ext>
-            </a:extLst>
-          </p:cNvPr>
-          <p:cNvSpPr/>
-          <p:nvPr/>
-        </p:nvSpPr>
-        <p:spPr>
-          <a:xfrm>
-            <a:off x="4212527" y="5877272"/>
-            <a:ext cx="360040" cy="360040"/>
-          </a:xfrm>
-          <a:prstGeom prst="ellipse">
-            <a:avLst/>
-          </a:prstGeom>
-          <a:solidFill>
-            <a:schemeClr val="accent2">
-              <a:lumMod val="40000"/>
-              <a:lumOff val="60000"/>
-            </a:schemeClr>
-          </a:solidFill>
-          <a:ln w="38100">
-            <a:solidFill>
-              <a:srgbClr val="CF4352"/>
-            </a:solidFill>
-          </a:ln>
-        </p:spPr>
-        <p:style>
-          <a:lnRef idx="2">
-            <a:schemeClr val="accent1">
-              <a:shade val="50000"/>
-            </a:schemeClr>
-          </a:lnRef>
-          <a:fillRef idx="1">
-            <a:schemeClr val="accent1"/>
-          </a:fillRef>
-          <a:effectRef idx="0">
-            <a:schemeClr val="accent1"/>
-          </a:effectRef>
-          <a:fontRef idx="minor">
-            <a:schemeClr val="lt1"/>
-          </a:fontRef>
-        </p:style>
-        <p:txBody>
-          <a:bodyPr rtlCol="0" anchor="ctr"/>
-          <a:lstStyle/>
-          <a:p>
-            <a:pPr algn="ctr"/>
-            <a:r>
-              <a:rPr lang="en-US" altLang="ko-KR" dirty="0">
-                <a:solidFill>
-                  <a:schemeClr val="tx1"/>
-                </a:solidFill>
-              </a:rPr>
-              <a:t>2</a:t>
-            </a:r>
-            <a:endParaRPr lang="ko-KR" altLang="en-US" dirty="0">
-              <a:solidFill>
-                <a:schemeClr val="tx1"/>
-              </a:solidFill>
-            </a:endParaRPr>
-          </a:p>
-        </p:txBody>
-      </p:sp>
     </p:spTree>
     <p:extLst>
       <p:ext uri="{BB962C8B-B14F-4D97-AF65-F5344CB8AC3E}">
-        <p14:creationId xmlns:p14="http://schemas.microsoft.com/office/powerpoint/2010/main" val="3759879480"/>
+        <p14:creationId xmlns:p14="http://schemas.microsoft.com/office/powerpoint/2010/main" val="1116158406"/>
       </p:ext>
     </p:extLst>
   </p:cSld>
@@ -42420,7 +43148,7 @@
           <a:p>
             <a:r>
               <a:rPr lang="ko-KR" altLang="en-US" dirty="0"/>
-              <a:t>회원 가입</a:t>
+              <a:t>메인 화면</a:t>
             </a:r>
           </a:p>
         </p:txBody>
@@ -42448,7 +43176,7 @@
           <a:p>
             <a:r>
               <a:rPr lang="ko-KR" altLang="en-US" dirty="0"/>
-              <a:t>회원 가입 페이지</a:t>
+              <a:t>사이트 접속 시 첫 화면</a:t>
             </a:r>
           </a:p>
         </p:txBody>
@@ -42456,7 +43184,7 @@
     </p:spTree>
     <p:extLst>
       <p:ext uri="{BB962C8B-B14F-4D97-AF65-F5344CB8AC3E}">
-        <p14:creationId xmlns:p14="http://schemas.microsoft.com/office/powerpoint/2010/main" val="3418483482"/>
+        <p14:creationId xmlns:p14="http://schemas.microsoft.com/office/powerpoint/2010/main" val="1822867570"/>
       </p:ext>
     </p:extLst>
   </p:cSld>
